--- a/Documentation/Mid Term/MidTerm.Presentation.pptx
+++ b/Documentation/Mid Term/MidTerm.Presentation.pptx
@@ -6,53 +6,52 @@
     <p:sldMasterId id="2147483669" r:id="rId2"/>
   </p:sldMasterIdLst>
   <p:notesMasterIdLst>
-    <p:notesMasterId r:id="rId11"/>
+    <p:notesMasterId r:id="rId10"/>
   </p:notesMasterIdLst>
   <p:sldIdLst>
     <p:sldId id="256" r:id="rId3"/>
     <p:sldId id="258" r:id="rId4"/>
-    <p:sldId id="260" r:id="rId5"/>
-    <p:sldId id="263" r:id="rId6"/>
-    <p:sldId id="262" r:id="rId7"/>
-    <p:sldId id="261" r:id="rId8"/>
-    <p:sldId id="267" r:id="rId9"/>
-    <p:sldId id="269" r:id="rId10"/>
+    <p:sldId id="263" r:id="rId5"/>
+    <p:sldId id="260" r:id="rId6"/>
+    <p:sldId id="267" r:id="rId7"/>
+    <p:sldId id="262" r:id="rId8"/>
+    <p:sldId id="269" r:id="rId9"/>
   </p:sldIdLst>
   <p:sldSz cx="9144000" cy="5143500" type="screen16x9"/>
   <p:notesSz cx="6858000" cy="9144000"/>
   <p:embeddedFontLst>
     <p:embeddedFont>
+      <p:font typeface="Nunito Sans Light" panose="020B0604020202020204" charset="0"/>
+      <p:regular r:id="rId11"/>
+      <p:bold r:id="rId12"/>
+      <p:italic r:id="rId13"/>
+      <p:boldItalic r:id="rId14"/>
+    </p:embeddedFont>
+    <p:embeddedFont>
       <p:font typeface="Nunito Sans" panose="020B0604020202020204" charset="0"/>
-      <p:regular r:id="rId12"/>
-      <p:bold r:id="rId13"/>
-      <p:italic r:id="rId14"/>
-      <p:boldItalic r:id="rId15"/>
+      <p:regular r:id="rId15"/>
+      <p:bold r:id="rId16"/>
+      <p:italic r:id="rId17"/>
+      <p:boldItalic r:id="rId18"/>
+    </p:embeddedFont>
+    <p:embeddedFont>
+      <p:font typeface="Calibri" panose="020F0502020204030204" pitchFamily="34" charset="0"/>
+      <p:regular r:id="rId19"/>
+      <p:bold r:id="rId20"/>
+      <p:italic r:id="rId21"/>
+      <p:boldItalic r:id="rId22"/>
     </p:embeddedFont>
     <p:embeddedFont>
       <p:font typeface="Montserrat" panose="020B0604020202020204" charset="0"/>
-      <p:regular r:id="rId16"/>
-      <p:bold r:id="rId17"/>
-      <p:italic r:id="rId18"/>
-      <p:boldItalic r:id="rId19"/>
-    </p:embeddedFont>
-    <p:embeddedFont>
-      <p:font typeface="Calibri" panose="020F0502020204030204" pitchFamily="34" charset="0"/>
-      <p:regular r:id="rId20"/>
-      <p:bold r:id="rId21"/>
-      <p:italic r:id="rId22"/>
-      <p:boldItalic r:id="rId23"/>
+      <p:regular r:id="rId23"/>
+      <p:bold r:id="rId24"/>
+      <p:italic r:id="rId25"/>
+      <p:boldItalic r:id="rId26"/>
     </p:embeddedFont>
     <p:embeddedFont>
       <p:font typeface="Nunito Sans Black" panose="020B0604020202020204" charset="0"/>
-      <p:bold r:id="rId24"/>
-      <p:boldItalic r:id="rId25"/>
-    </p:embeddedFont>
-    <p:embeddedFont>
-      <p:font typeface="Nunito Sans Light" panose="020B0604020202020204" charset="0"/>
-      <p:regular r:id="rId26"/>
       <p:bold r:id="rId27"/>
-      <p:italic r:id="rId28"/>
-      <p:boldItalic r:id="rId29"/>
+      <p:boldItalic r:id="rId28"/>
     </p:embeddedFont>
   </p:embeddedFontLst>
   <p:defaultTextStyle>
@@ -972,6 +971,115 @@
   <p:cSld>
     <p:spTree>
       <p:nvGrpSpPr>
+        <p:cNvPr id="1" name="Shape 290"/>
+        <p:cNvGrpSpPr/>
+        <p:nvPr/>
+      </p:nvGrpSpPr>
+      <p:grpSpPr>
+        <a:xfrm>
+          <a:off x="0" y="0"/>
+          <a:ext cx="0" cy="0"/>
+          <a:chOff x="0" y="0"/>
+          <a:chExt cx="0" cy="0"/>
+        </a:xfrm>
+      </p:grpSpPr>
+      <p:sp>
+        <p:nvSpPr>
+          <p:cNvPr id="291" name="Google Shape;291;g292a9bb486b_1_200:notes"/>
+          <p:cNvSpPr txBox="1">
+            <a:spLocks noGrp="1"/>
+          </p:cNvSpPr>
+          <p:nvPr>
+            <p:ph type="body" idx="1"/>
+          </p:nvPr>
+        </p:nvSpPr>
+        <p:spPr>
+          <a:xfrm>
+            <a:off x="685800" y="4343400"/>
+            <a:ext cx="5486400" cy="4114800"/>
+          </a:xfrm>
+          <a:prstGeom prst="rect">
+            <a:avLst/>
+          </a:prstGeom>
+        </p:spPr>
+        <p:txBody>
+          <a:bodyPr spcFirstLastPara="1" wrap="square" lIns="91425" tIns="91425" rIns="91425" bIns="91425" anchor="t" anchorCtr="0">
+            <a:noAutofit/>
+          </a:bodyPr>
+          <a:lstStyle/>
+          <a:p>
+            <a:pPr marL="0" lvl="0" indent="0" algn="l" rtl="0">
+              <a:spcBef>
+                <a:spcPts val="0"/>
+              </a:spcBef>
+              <a:spcAft>
+                <a:spcPts val="0"/>
+              </a:spcAft>
+              <a:buNone/>
+            </a:pPr>
+            <a:endParaRPr/>
+          </a:p>
+        </p:txBody>
+      </p:sp>
+      <p:sp>
+        <p:nvSpPr>
+          <p:cNvPr id="292" name="Google Shape;292;g292a9bb486b_1_200:notes"/>
+          <p:cNvSpPr>
+            <a:spLocks noGrp="1" noRot="1" noChangeAspect="1"/>
+          </p:cNvSpPr>
+          <p:nvPr>
+            <p:ph type="sldImg" idx="2"/>
+          </p:nvPr>
+        </p:nvSpPr>
+        <p:spPr>
+          <a:xfrm>
+            <a:off x="381000" y="685800"/>
+            <a:ext cx="6096000" cy="3429000"/>
+          </a:xfrm>
+          <a:custGeom>
+            <a:avLst/>
+            <a:gdLst/>
+            <a:ahLst/>
+            <a:cxnLst/>
+            <a:rect l="l" t="t" r="r" b="b"/>
+            <a:pathLst>
+              <a:path w="120000" h="120000" extrusionOk="0">
+                <a:moveTo>
+                  <a:pt x="0" y="0"/>
+                </a:moveTo>
+                <a:lnTo>
+                  <a:pt x="120000" y="0"/>
+                </a:lnTo>
+                <a:lnTo>
+                  <a:pt x="120000" y="120000"/>
+                </a:lnTo>
+                <a:lnTo>
+                  <a:pt x="0" y="120000"/>
+                </a:lnTo>
+                <a:close/>
+              </a:path>
+            </a:pathLst>
+          </a:custGeom>
+        </p:spPr>
+      </p:sp>
+    </p:spTree>
+    <p:extLst>
+      <p:ext uri="{BB962C8B-B14F-4D97-AF65-F5344CB8AC3E}">
+        <p14:creationId xmlns:p14="http://schemas.microsoft.com/office/powerpoint/2010/main" val="3184844371"/>
+      </p:ext>
+    </p:extLst>
+  </p:cSld>
+  <p:clrMapOvr>
+    <a:masterClrMapping/>
+  </p:clrMapOvr>
+</p:notes>
+</file>
+
+<file path=ppt/notesSlides/notesSlide4.xml><?xml version="1.0" encoding="utf-8"?>
+<p:notes xmlns:a="http://schemas.openxmlformats.org/drawingml/2006/main" xmlns:r="http://schemas.openxmlformats.org/officeDocument/2006/relationships" xmlns:p="http://schemas.openxmlformats.org/presentationml/2006/main" showMasterSp="0" showMasterPhAnim="0">
+  <p:cSld>
+    <p:spTree>
+      <p:nvGrpSpPr>
         <p:cNvPr id="1" name="Shape 217"/>
         <p:cNvGrpSpPr/>
         <p:nvPr/>
@@ -1076,12 +1184,12 @@
 </p:notes>
 </file>
 
-<file path=ppt/notesSlides/notesSlide4.xml><?xml version="1.0" encoding="utf-8"?>
+<file path=ppt/notesSlides/notesSlide5.xml><?xml version="1.0" encoding="utf-8"?>
 <p:notes xmlns:a="http://schemas.openxmlformats.org/drawingml/2006/main" xmlns:r="http://schemas.openxmlformats.org/officeDocument/2006/relationships" xmlns:p="http://schemas.openxmlformats.org/presentationml/2006/main" showMasterSp="0" showMasterPhAnim="0">
   <p:cSld>
     <p:spTree>
       <p:nvGrpSpPr>
-        <p:cNvPr id="1" name="Shape 290"/>
+        <p:cNvPr id="1" name="Shape 401"/>
         <p:cNvGrpSpPr/>
         <p:nvPr/>
       </p:nvGrpSpPr>
@@ -1095,7 +1203,7 @@
       </p:grpSpPr>
       <p:sp>
         <p:nvSpPr>
-          <p:cNvPr id="291" name="Google Shape;291;g292a9bb486b_1_200:notes"/>
+          <p:cNvPr id="402" name="Google Shape;402;g292a9bb486b_1_307:notes"/>
           <p:cNvSpPr txBox="1">
             <a:spLocks noGrp="1"/>
           </p:cNvSpPr>
@@ -1127,13 +1235,13 @@
               </a:spcAft>
               <a:buNone/>
             </a:pPr>
-            <a:endParaRPr/>
+            <a:endParaRPr dirty="0"/>
           </a:p>
         </p:txBody>
       </p:sp>
       <p:sp>
         <p:nvSpPr>
-          <p:cNvPr id="292" name="Google Shape;292;g292a9bb486b_1_200:notes"/>
+          <p:cNvPr id="403" name="Google Shape;403;g292a9bb486b_1_307:notes"/>
           <p:cNvSpPr>
             <a:spLocks noGrp="1" noRot="1" noChangeAspect="1"/>
           </p:cNvSpPr>
@@ -1175,7 +1283,7 @@
     </p:spTree>
     <p:extLst>
       <p:ext uri="{BB962C8B-B14F-4D97-AF65-F5344CB8AC3E}">
-        <p14:creationId xmlns:p14="http://schemas.microsoft.com/office/powerpoint/2010/main" val="3184844371"/>
+        <p14:creationId xmlns:p14="http://schemas.microsoft.com/office/powerpoint/2010/main" val="2362724601"/>
       </p:ext>
     </p:extLst>
   </p:cSld>
@@ -1185,7 +1293,7 @@
 </p:notes>
 </file>
 
-<file path=ppt/notesSlides/notesSlide5.xml><?xml version="1.0" encoding="utf-8"?>
+<file path=ppt/notesSlides/notesSlide6.xml><?xml version="1.0" encoding="utf-8"?>
 <p:notes xmlns:a="http://schemas.openxmlformats.org/drawingml/2006/main" xmlns:r="http://schemas.openxmlformats.org/officeDocument/2006/relationships" xmlns:p="http://schemas.openxmlformats.org/presentationml/2006/main" showMasterSp="0" showMasterPhAnim="0">
   <p:cSld>
     <p:spTree>
@@ -1294,225 +1402,7 @@
 </p:notes>
 </file>
 
-<file path=ppt/notesSlides/notesSlide6.xml><?xml version="1.0" encoding="utf-8"?>
-<p:notes xmlns:a="http://schemas.openxmlformats.org/drawingml/2006/main" xmlns:r="http://schemas.openxmlformats.org/officeDocument/2006/relationships" xmlns:p="http://schemas.openxmlformats.org/presentationml/2006/main" showMasterSp="0" showMasterPhAnim="0">
-  <p:cSld>
-    <p:spTree>
-      <p:nvGrpSpPr>
-        <p:cNvPr id="1" name="Shape 238"/>
-        <p:cNvGrpSpPr/>
-        <p:nvPr/>
-      </p:nvGrpSpPr>
-      <p:grpSpPr>
-        <a:xfrm>
-          <a:off x="0" y="0"/>
-          <a:ext cx="0" cy="0"/>
-          <a:chOff x="0" y="0"/>
-          <a:chExt cx="0" cy="0"/>
-        </a:xfrm>
-      </p:grpSpPr>
-      <p:sp>
-        <p:nvSpPr>
-          <p:cNvPr id="239" name="Google Shape;239;g292a9bb486b_1_150:notes"/>
-          <p:cNvSpPr txBox="1">
-            <a:spLocks noGrp="1"/>
-          </p:cNvSpPr>
-          <p:nvPr>
-            <p:ph type="body" idx="1"/>
-          </p:nvPr>
-        </p:nvSpPr>
-        <p:spPr>
-          <a:xfrm>
-            <a:off x="685800" y="4343400"/>
-            <a:ext cx="5486400" cy="4114800"/>
-          </a:xfrm>
-          <a:prstGeom prst="rect">
-            <a:avLst/>
-          </a:prstGeom>
-        </p:spPr>
-        <p:txBody>
-          <a:bodyPr spcFirstLastPara="1" wrap="square" lIns="91425" tIns="91425" rIns="91425" bIns="91425" anchor="t" anchorCtr="0">
-            <a:noAutofit/>
-          </a:bodyPr>
-          <a:lstStyle/>
-          <a:p>
-            <a:pPr marL="0" lvl="0" indent="0" algn="l" rtl="0">
-              <a:spcBef>
-                <a:spcPts val="0"/>
-              </a:spcBef>
-              <a:spcAft>
-                <a:spcPts val="0"/>
-              </a:spcAft>
-              <a:buNone/>
-            </a:pPr>
-            <a:endParaRPr/>
-          </a:p>
-        </p:txBody>
-      </p:sp>
-      <p:sp>
-        <p:nvSpPr>
-          <p:cNvPr id="240" name="Google Shape;240;g292a9bb486b_1_150:notes"/>
-          <p:cNvSpPr>
-            <a:spLocks noGrp="1" noRot="1" noChangeAspect="1"/>
-          </p:cNvSpPr>
-          <p:nvPr>
-            <p:ph type="sldImg" idx="2"/>
-          </p:nvPr>
-        </p:nvSpPr>
-        <p:spPr>
-          <a:xfrm>
-            <a:off x="381000" y="685800"/>
-            <a:ext cx="6096000" cy="3429000"/>
-          </a:xfrm>
-          <a:custGeom>
-            <a:avLst/>
-            <a:gdLst/>
-            <a:ahLst/>
-            <a:cxnLst/>
-            <a:rect l="l" t="t" r="r" b="b"/>
-            <a:pathLst>
-              <a:path w="120000" h="120000" extrusionOk="0">
-                <a:moveTo>
-                  <a:pt x="0" y="0"/>
-                </a:moveTo>
-                <a:lnTo>
-                  <a:pt x="120000" y="0"/>
-                </a:lnTo>
-                <a:lnTo>
-                  <a:pt x="120000" y="120000"/>
-                </a:lnTo>
-                <a:lnTo>
-                  <a:pt x="0" y="120000"/>
-                </a:lnTo>
-                <a:close/>
-              </a:path>
-            </a:pathLst>
-          </a:custGeom>
-        </p:spPr>
-      </p:sp>
-    </p:spTree>
-    <p:extLst>
-      <p:ext uri="{BB962C8B-B14F-4D97-AF65-F5344CB8AC3E}">
-        <p14:creationId xmlns:p14="http://schemas.microsoft.com/office/powerpoint/2010/main" val="3741066453"/>
-      </p:ext>
-    </p:extLst>
-  </p:cSld>
-  <p:clrMapOvr>
-    <a:masterClrMapping/>
-  </p:clrMapOvr>
-</p:notes>
-</file>
-
 <file path=ppt/notesSlides/notesSlide7.xml><?xml version="1.0" encoding="utf-8"?>
-<p:notes xmlns:a="http://schemas.openxmlformats.org/drawingml/2006/main" xmlns:r="http://schemas.openxmlformats.org/officeDocument/2006/relationships" xmlns:p="http://schemas.openxmlformats.org/presentationml/2006/main" showMasterSp="0" showMasterPhAnim="0">
-  <p:cSld>
-    <p:spTree>
-      <p:nvGrpSpPr>
-        <p:cNvPr id="1" name="Shape 401"/>
-        <p:cNvGrpSpPr/>
-        <p:nvPr/>
-      </p:nvGrpSpPr>
-      <p:grpSpPr>
-        <a:xfrm>
-          <a:off x="0" y="0"/>
-          <a:ext cx="0" cy="0"/>
-          <a:chOff x="0" y="0"/>
-          <a:chExt cx="0" cy="0"/>
-        </a:xfrm>
-      </p:grpSpPr>
-      <p:sp>
-        <p:nvSpPr>
-          <p:cNvPr id="402" name="Google Shape;402;g292a9bb486b_1_307:notes"/>
-          <p:cNvSpPr txBox="1">
-            <a:spLocks noGrp="1"/>
-          </p:cNvSpPr>
-          <p:nvPr>
-            <p:ph type="body" idx="1"/>
-          </p:nvPr>
-        </p:nvSpPr>
-        <p:spPr>
-          <a:xfrm>
-            <a:off x="685800" y="4343400"/>
-            <a:ext cx="5486400" cy="4114800"/>
-          </a:xfrm>
-          <a:prstGeom prst="rect">
-            <a:avLst/>
-          </a:prstGeom>
-        </p:spPr>
-        <p:txBody>
-          <a:bodyPr spcFirstLastPara="1" wrap="square" lIns="91425" tIns="91425" rIns="91425" bIns="91425" anchor="t" anchorCtr="0">
-            <a:noAutofit/>
-          </a:bodyPr>
-          <a:lstStyle/>
-          <a:p>
-            <a:pPr marL="0" lvl="0" indent="0" algn="l" rtl="0">
-              <a:spcBef>
-                <a:spcPts val="0"/>
-              </a:spcBef>
-              <a:spcAft>
-                <a:spcPts val="0"/>
-              </a:spcAft>
-              <a:buNone/>
-            </a:pPr>
-            <a:endParaRPr dirty="0"/>
-          </a:p>
-        </p:txBody>
-      </p:sp>
-      <p:sp>
-        <p:nvSpPr>
-          <p:cNvPr id="403" name="Google Shape;403;g292a9bb486b_1_307:notes"/>
-          <p:cNvSpPr>
-            <a:spLocks noGrp="1" noRot="1" noChangeAspect="1"/>
-          </p:cNvSpPr>
-          <p:nvPr>
-            <p:ph type="sldImg" idx="2"/>
-          </p:nvPr>
-        </p:nvSpPr>
-        <p:spPr>
-          <a:xfrm>
-            <a:off x="381000" y="685800"/>
-            <a:ext cx="6096000" cy="3429000"/>
-          </a:xfrm>
-          <a:custGeom>
-            <a:avLst/>
-            <a:gdLst/>
-            <a:ahLst/>
-            <a:cxnLst/>
-            <a:rect l="l" t="t" r="r" b="b"/>
-            <a:pathLst>
-              <a:path w="120000" h="120000" extrusionOk="0">
-                <a:moveTo>
-                  <a:pt x="0" y="0"/>
-                </a:moveTo>
-                <a:lnTo>
-                  <a:pt x="120000" y="0"/>
-                </a:lnTo>
-                <a:lnTo>
-                  <a:pt x="120000" y="120000"/>
-                </a:lnTo>
-                <a:lnTo>
-                  <a:pt x="0" y="120000"/>
-                </a:lnTo>
-                <a:close/>
-              </a:path>
-            </a:pathLst>
-          </a:custGeom>
-        </p:spPr>
-      </p:sp>
-    </p:spTree>
-    <p:extLst>
-      <p:ext uri="{BB962C8B-B14F-4D97-AF65-F5344CB8AC3E}">
-        <p14:creationId xmlns:p14="http://schemas.microsoft.com/office/powerpoint/2010/main" val="2362724601"/>
-      </p:ext>
-    </p:extLst>
-  </p:cSld>
-  <p:clrMapOvr>
-    <a:masterClrMapping/>
-  </p:clrMapOvr>
-</p:notes>
-</file>
-
-<file path=ppt/notesSlides/notesSlide8.xml><?xml version="1.0" encoding="utf-8"?>
 <p:notes xmlns:a="http://schemas.openxmlformats.org/drawingml/2006/main" xmlns:r="http://schemas.openxmlformats.org/officeDocument/2006/relationships" xmlns:p="http://schemas.openxmlformats.org/presentationml/2006/main" showMasterSp="0" showMasterPhAnim="0">
   <p:cSld>
     <p:spTree>
@@ -18366,6 +18256,694 @@
     <p:bg>
       <p:bgPr>
         <a:solidFill>
+          <a:srgbClr val="6792B0"/>
+        </a:solidFill>
+        <a:effectLst/>
+      </p:bgPr>
+    </p:bg>
+    <p:spTree>
+      <p:nvGrpSpPr>
+        <p:cNvPr id="1" name="Shape 293"/>
+        <p:cNvGrpSpPr/>
+        <p:nvPr/>
+      </p:nvGrpSpPr>
+      <p:grpSpPr>
+        <a:xfrm>
+          <a:off x="0" y="0"/>
+          <a:ext cx="0" cy="0"/>
+          <a:chOff x="0" y="0"/>
+          <a:chExt cx="0" cy="0"/>
+        </a:xfrm>
+      </p:grpSpPr>
+      <p:sp>
+        <p:nvSpPr>
+          <p:cNvPr id="294" name="Google Shape;294;p30"/>
+          <p:cNvSpPr/>
+          <p:nvPr/>
+        </p:nvSpPr>
+        <p:spPr>
+          <a:xfrm>
+            <a:off x="400217" y="219132"/>
+            <a:ext cx="373792" cy="373792"/>
+          </a:xfrm>
+          <a:custGeom>
+            <a:avLst/>
+            <a:gdLst/>
+            <a:ahLst/>
+            <a:cxnLst/>
+            <a:rect l="l" t="t" r="r" b="b"/>
+            <a:pathLst>
+              <a:path w="747584" h="747584" extrusionOk="0">
+                <a:moveTo>
+                  <a:pt x="0" y="0"/>
+                </a:moveTo>
+                <a:lnTo>
+                  <a:pt x="747584" y="0"/>
+                </a:lnTo>
+                <a:lnTo>
+                  <a:pt x="747584" y="747584"/>
+                </a:lnTo>
+                <a:lnTo>
+                  <a:pt x="0" y="747584"/>
+                </a:lnTo>
+                <a:lnTo>
+                  <a:pt x="0" y="0"/>
+                </a:lnTo>
+                <a:close/>
+              </a:path>
+            </a:pathLst>
+          </a:custGeom>
+          <a:blipFill rotWithShape="1">
+            <a:blip r:embed="rId3">
+              <a:alphaModFix/>
+            </a:blip>
+            <a:stretch>
+              <a:fillRect/>
+            </a:stretch>
+          </a:blipFill>
+          <a:ln>
+            <a:noFill/>
+          </a:ln>
+        </p:spPr>
+      </p:sp>
+      <p:sp>
+        <p:nvSpPr>
+          <p:cNvPr id="307" name="Google Shape;307;p30"/>
+          <p:cNvSpPr txBox="1"/>
+          <p:nvPr/>
+        </p:nvSpPr>
+        <p:spPr>
+          <a:xfrm>
+            <a:off x="4974859" y="198221"/>
+            <a:ext cx="400217" cy="210777"/>
+          </a:xfrm>
+          <a:prstGeom prst="rect">
+            <a:avLst/>
+          </a:prstGeom>
+          <a:noFill/>
+          <a:ln>
+            <a:noFill/>
+          </a:ln>
+        </p:spPr>
+        <p:txBody>
+          <a:bodyPr spcFirstLastPara="1" wrap="square" lIns="0" tIns="0" rIns="0" bIns="0" anchor="t" anchorCtr="0">
+            <a:spAutoFit/>
+          </a:bodyPr>
+          <a:lstStyle/>
+          <a:p>
+            <a:pPr marL="0" marR="0" lvl="0" indent="0" algn="l" rtl="0">
+              <a:lnSpc>
+                <a:spcPct val="180071"/>
+              </a:lnSpc>
+              <a:spcBef>
+                <a:spcPts val="0"/>
+              </a:spcBef>
+              <a:spcAft>
+                <a:spcPts val="0"/>
+              </a:spcAft>
+              <a:buNone/>
+            </a:pPr>
+            <a:r>
+              <a:rPr lang="en" sz="1000" b="0" i="0" u="none" strike="noStrike" cap="none">
+                <a:solidFill>
+                  <a:srgbClr val="000000"/>
+                </a:solidFill>
+                <a:latin typeface="Nunito Sans"/>
+                <a:ea typeface="Nunito Sans"/>
+                <a:cs typeface="Nunito Sans"/>
+                <a:sym typeface="Nunito Sans"/>
+              </a:rPr>
+              <a:t>Home</a:t>
+            </a:r>
+            <a:endParaRPr sz="700"/>
+          </a:p>
+        </p:txBody>
+      </p:sp>
+      <p:sp>
+        <p:nvSpPr>
+          <p:cNvPr id="308" name="Google Shape;308;p30"/>
+          <p:cNvSpPr txBox="1"/>
+          <p:nvPr/>
+        </p:nvSpPr>
+        <p:spPr>
+          <a:xfrm>
+            <a:off x="5663431" y="198221"/>
+            <a:ext cx="400217" cy="210777"/>
+          </a:xfrm>
+          <a:prstGeom prst="rect">
+            <a:avLst/>
+          </a:prstGeom>
+          <a:noFill/>
+          <a:ln>
+            <a:noFill/>
+          </a:ln>
+        </p:spPr>
+        <p:txBody>
+          <a:bodyPr spcFirstLastPara="1" wrap="square" lIns="0" tIns="0" rIns="0" bIns="0" anchor="t" anchorCtr="0">
+            <a:spAutoFit/>
+          </a:bodyPr>
+          <a:lstStyle/>
+          <a:p>
+            <a:pPr marL="0" marR="0" lvl="0" indent="0" algn="l" rtl="0">
+              <a:lnSpc>
+                <a:spcPct val="180071"/>
+              </a:lnSpc>
+              <a:spcBef>
+                <a:spcPts val="0"/>
+              </a:spcBef>
+              <a:spcAft>
+                <a:spcPts val="0"/>
+              </a:spcAft>
+              <a:buNone/>
+            </a:pPr>
+            <a:r>
+              <a:rPr lang="en" sz="1000" b="0" i="0" u="none" strike="noStrike" cap="none">
+                <a:solidFill>
+                  <a:srgbClr val="000000"/>
+                </a:solidFill>
+                <a:latin typeface="Nunito Sans"/>
+                <a:ea typeface="Nunito Sans"/>
+                <a:cs typeface="Nunito Sans"/>
+                <a:sym typeface="Nunito Sans"/>
+              </a:rPr>
+              <a:t>About</a:t>
+            </a:r>
+            <a:endParaRPr sz="700"/>
+          </a:p>
+        </p:txBody>
+      </p:sp>
+      <p:sp>
+        <p:nvSpPr>
+          <p:cNvPr id="309" name="Google Shape;309;p30"/>
+          <p:cNvSpPr txBox="1"/>
+          <p:nvPr/>
+        </p:nvSpPr>
+        <p:spPr>
+          <a:xfrm>
+            <a:off x="6352004" y="198221"/>
+            <a:ext cx="555937" cy="276999"/>
+          </a:xfrm>
+          <a:prstGeom prst="rect">
+            <a:avLst/>
+          </a:prstGeom>
+          <a:noFill/>
+          <a:ln>
+            <a:noFill/>
+          </a:ln>
+        </p:spPr>
+        <p:txBody>
+          <a:bodyPr spcFirstLastPara="1" wrap="square" lIns="0" tIns="0" rIns="0" bIns="0" anchor="t" anchorCtr="0">
+            <a:spAutoFit/>
+          </a:bodyPr>
+          <a:lstStyle/>
+          <a:p>
+            <a:pPr marL="0" marR="0" lvl="0" indent="0" algn="l" rtl="0">
+              <a:lnSpc>
+                <a:spcPct val="180071"/>
+              </a:lnSpc>
+              <a:spcBef>
+                <a:spcPts val="0"/>
+              </a:spcBef>
+              <a:spcAft>
+                <a:spcPts val="0"/>
+              </a:spcAft>
+              <a:buNone/>
+            </a:pPr>
+            <a:r>
+              <a:rPr lang="en" sz="1000" b="1" dirty="0" smtClean="0">
+                <a:latin typeface="Nunito Sans"/>
+                <a:sym typeface="Nunito Sans"/>
+              </a:rPr>
+              <a:t>Hotels</a:t>
+            </a:r>
+            <a:endParaRPr sz="700" b="1" dirty="0"/>
+          </a:p>
+        </p:txBody>
+      </p:sp>
+      <p:sp>
+        <p:nvSpPr>
+          <p:cNvPr id="310" name="Google Shape;310;p30"/>
+          <p:cNvSpPr txBox="1"/>
+          <p:nvPr/>
+        </p:nvSpPr>
+        <p:spPr>
+          <a:xfrm>
+            <a:off x="7196296" y="198221"/>
+            <a:ext cx="532768" cy="276999"/>
+          </a:xfrm>
+          <a:prstGeom prst="rect">
+            <a:avLst/>
+          </a:prstGeom>
+          <a:noFill/>
+          <a:ln>
+            <a:noFill/>
+          </a:ln>
+        </p:spPr>
+        <p:txBody>
+          <a:bodyPr spcFirstLastPara="1" wrap="square" lIns="0" tIns="0" rIns="0" bIns="0" anchor="t" anchorCtr="0">
+            <a:spAutoFit/>
+          </a:bodyPr>
+          <a:lstStyle/>
+          <a:p>
+            <a:pPr marL="0" marR="0" lvl="0" indent="0" algn="l" rtl="0">
+              <a:lnSpc>
+                <a:spcPct val="180071"/>
+              </a:lnSpc>
+              <a:spcBef>
+                <a:spcPts val="0"/>
+              </a:spcBef>
+              <a:spcAft>
+                <a:spcPts val="0"/>
+              </a:spcAft>
+              <a:buNone/>
+            </a:pPr>
+            <a:r>
+              <a:rPr lang="en" sz="1000" dirty="0" smtClean="0">
+                <a:latin typeface="Nunito Sans"/>
+                <a:sym typeface="Nunito Sans"/>
+              </a:rPr>
+              <a:t>Rooms</a:t>
+            </a:r>
+            <a:endParaRPr sz="700" dirty="0"/>
+          </a:p>
+        </p:txBody>
+      </p:sp>
+      <p:sp>
+        <p:nvSpPr>
+          <p:cNvPr id="311" name="Google Shape;311;p30"/>
+          <p:cNvSpPr txBox="1"/>
+          <p:nvPr/>
+        </p:nvSpPr>
+        <p:spPr>
+          <a:xfrm>
+            <a:off x="8017420" y="198221"/>
+            <a:ext cx="463262" cy="207807"/>
+          </a:xfrm>
+          <a:prstGeom prst="rect">
+            <a:avLst/>
+          </a:prstGeom>
+          <a:noFill/>
+          <a:ln>
+            <a:noFill/>
+          </a:ln>
+        </p:spPr>
+        <p:txBody>
+          <a:bodyPr spcFirstLastPara="1" wrap="square" lIns="0" tIns="0" rIns="0" bIns="0" anchor="t" anchorCtr="0">
+            <a:spAutoFit/>
+          </a:bodyPr>
+          <a:lstStyle/>
+          <a:p>
+            <a:pPr marL="0" marR="0" lvl="0" indent="0" algn="l" rtl="0">
+              <a:lnSpc>
+                <a:spcPct val="180071"/>
+              </a:lnSpc>
+              <a:spcBef>
+                <a:spcPts val="0"/>
+              </a:spcBef>
+              <a:spcAft>
+                <a:spcPts val="0"/>
+              </a:spcAft>
+              <a:buNone/>
+            </a:pPr>
+            <a:r>
+              <a:rPr lang="en" sz="1000" b="0" i="0" u="none" strike="noStrike" cap="none">
+                <a:solidFill>
+                  <a:srgbClr val="000000"/>
+                </a:solidFill>
+                <a:latin typeface="Nunito Sans"/>
+                <a:ea typeface="Nunito Sans"/>
+                <a:cs typeface="Nunito Sans"/>
+                <a:sym typeface="Nunito Sans"/>
+              </a:rPr>
+              <a:t>Contact</a:t>
+            </a:r>
+            <a:endParaRPr sz="700"/>
+          </a:p>
+        </p:txBody>
+      </p:sp>
+      <p:sp>
+        <p:nvSpPr>
+          <p:cNvPr id="312" name="Google Shape;312;p30"/>
+          <p:cNvSpPr txBox="1"/>
+          <p:nvPr/>
+        </p:nvSpPr>
+        <p:spPr>
+          <a:xfrm>
+            <a:off x="897750" y="255375"/>
+            <a:ext cx="2235867" cy="221599"/>
+          </a:xfrm>
+          <a:prstGeom prst="rect">
+            <a:avLst/>
+          </a:prstGeom>
+          <a:noFill/>
+          <a:ln>
+            <a:noFill/>
+          </a:ln>
+        </p:spPr>
+        <p:txBody>
+          <a:bodyPr spcFirstLastPara="1" wrap="square" lIns="0" tIns="0" rIns="0" bIns="0" anchor="t" anchorCtr="0">
+            <a:spAutoFit/>
+          </a:bodyPr>
+          <a:lstStyle/>
+          <a:p>
+            <a:pPr marL="0" marR="0" lvl="0" indent="0" algn="l" rtl="0">
+              <a:lnSpc>
+                <a:spcPct val="120020"/>
+              </a:lnSpc>
+              <a:spcBef>
+                <a:spcPts val="0"/>
+              </a:spcBef>
+              <a:spcAft>
+                <a:spcPts val="0"/>
+              </a:spcAft>
+              <a:buNone/>
+            </a:pPr>
+            <a:r>
+              <a:rPr lang="en" sz="1200" b="1" dirty="0" smtClean="0">
+                <a:latin typeface="Montserrat"/>
+                <a:sym typeface="Montserrat"/>
+              </a:rPr>
+              <a:t>Hamro Booking Sewa</a:t>
+            </a:r>
+            <a:endParaRPr sz="500" dirty="0"/>
+          </a:p>
+        </p:txBody>
+      </p:sp>
+      <p:sp>
+        <p:nvSpPr>
+          <p:cNvPr id="315" name="Google Shape;315;p30"/>
+          <p:cNvSpPr txBox="1"/>
+          <p:nvPr/>
+        </p:nvSpPr>
+        <p:spPr>
+          <a:xfrm>
+            <a:off x="587112" y="3443512"/>
+            <a:ext cx="3474720" cy="867160"/>
+          </a:xfrm>
+          <a:prstGeom prst="rect">
+            <a:avLst/>
+          </a:prstGeom>
+          <a:noFill/>
+          <a:ln>
+            <a:noFill/>
+          </a:ln>
+        </p:spPr>
+        <p:txBody>
+          <a:bodyPr spcFirstLastPara="1" wrap="square" lIns="0" tIns="0" rIns="0" bIns="0" anchor="t" anchorCtr="0">
+            <a:spAutoFit/>
+          </a:bodyPr>
+          <a:lstStyle/>
+          <a:p>
+            <a:pPr marL="0" marR="0" lvl="0" indent="0" algn="ctr" rtl="0">
+              <a:lnSpc>
+                <a:spcPct val="115000"/>
+              </a:lnSpc>
+              <a:spcBef>
+                <a:spcPts val="0"/>
+              </a:spcBef>
+              <a:spcAft>
+                <a:spcPts val="0"/>
+              </a:spcAft>
+              <a:buNone/>
+            </a:pPr>
+            <a:r>
+              <a:rPr lang="en" sz="1000" b="0" i="0" u="none" strike="noStrike" cap="none" dirty="0" smtClean="0">
+                <a:solidFill>
+                  <a:srgbClr val="000000"/>
+                </a:solidFill>
+                <a:latin typeface="Nunito Sans"/>
+                <a:ea typeface="Nunito Sans"/>
+                <a:cs typeface="Nunito Sans"/>
+                <a:sym typeface="Nunito Sans"/>
+              </a:rPr>
+              <a:t>  </a:t>
+            </a:r>
+          </a:p>
+          <a:p>
+            <a:pPr marL="285750" indent="-285750" algn="ctr">
+              <a:lnSpc>
+                <a:spcPct val="115000"/>
+              </a:lnSpc>
+              <a:buFont typeface="Wingdings" panose="05000000000000000000" pitchFamily="2" charset="2"/>
+              <a:buChar char="v"/>
+            </a:pPr>
+            <a:r>
+              <a:rPr lang="en-US" sz="1600" b="1" dirty="0">
+                <a:solidFill>
+                  <a:schemeClr val="tx1"/>
+                </a:solidFill>
+                <a:latin typeface="Nunito Sans" panose="020B0604020202020204" charset="0"/>
+              </a:rPr>
+              <a:t>Fetch data from </a:t>
+            </a:r>
+            <a:r>
+              <a:rPr lang="en-US" sz="1600" b="1" dirty="0" err="1">
+                <a:solidFill>
+                  <a:schemeClr val="tx1"/>
+                </a:solidFill>
+                <a:latin typeface="Nunito Sans" panose="020B0604020202020204" charset="0"/>
+              </a:rPr>
+              <a:t>laravel</a:t>
+            </a:r>
+            <a:r>
+              <a:rPr lang="en-US" sz="1600" b="1" dirty="0">
+                <a:solidFill>
+                  <a:schemeClr val="tx1"/>
+                </a:solidFill>
+                <a:latin typeface="Nunito Sans" panose="020B0604020202020204" charset="0"/>
+              </a:rPr>
+              <a:t> in mobile app in </a:t>
+            </a:r>
+            <a:r>
+              <a:rPr lang="en-US" sz="1600" b="1" dirty="0" err="1">
+                <a:solidFill>
+                  <a:schemeClr val="tx1"/>
+                </a:solidFill>
+                <a:latin typeface="Nunito Sans" panose="020B0604020202020204" charset="0"/>
+              </a:rPr>
+              <a:t>JSon</a:t>
+            </a:r>
+            <a:r>
+              <a:rPr lang="en-US" sz="1600" b="1" dirty="0">
+                <a:solidFill>
+                  <a:schemeClr val="tx1"/>
+                </a:solidFill>
+                <a:latin typeface="Nunito Sans" panose="020B0604020202020204" charset="0"/>
+              </a:rPr>
+              <a:t> format</a:t>
+            </a:r>
+          </a:p>
+          <a:p>
+            <a:pPr marL="0" marR="0" lvl="0" indent="0" algn="ctr" rtl="0">
+              <a:lnSpc>
+                <a:spcPct val="115000"/>
+              </a:lnSpc>
+              <a:spcBef>
+                <a:spcPts val="0"/>
+              </a:spcBef>
+              <a:spcAft>
+                <a:spcPts val="0"/>
+              </a:spcAft>
+              <a:buNone/>
+            </a:pPr>
+            <a:endParaRPr sz="700" dirty="0"/>
+          </a:p>
+        </p:txBody>
+      </p:sp>
+      <p:sp>
+        <p:nvSpPr>
+          <p:cNvPr id="319" name="Google Shape;319;p30"/>
+          <p:cNvSpPr txBox="1"/>
+          <p:nvPr/>
+        </p:nvSpPr>
+        <p:spPr>
+          <a:xfrm>
+            <a:off x="4974859" y="3593938"/>
+            <a:ext cx="3654874" cy="566309"/>
+          </a:xfrm>
+          <a:prstGeom prst="rect">
+            <a:avLst/>
+          </a:prstGeom>
+          <a:noFill/>
+          <a:ln>
+            <a:noFill/>
+          </a:ln>
+        </p:spPr>
+        <p:txBody>
+          <a:bodyPr spcFirstLastPara="1" wrap="square" lIns="0" tIns="0" rIns="0" bIns="0" anchor="t" anchorCtr="0">
+            <a:spAutoFit/>
+          </a:bodyPr>
+          <a:lstStyle/>
+          <a:p>
+            <a:pPr marL="285750" lvl="0" indent="-285750" algn="ctr">
+              <a:lnSpc>
+                <a:spcPct val="115000"/>
+              </a:lnSpc>
+              <a:buFont typeface="Wingdings" panose="05000000000000000000" pitchFamily="2" charset="2"/>
+              <a:buChar char="v"/>
+            </a:pPr>
+            <a:r>
+              <a:rPr lang="en" sz="1600" b="1" i="0" u="none" strike="noStrike" cap="none" dirty="0" smtClean="0">
+                <a:solidFill>
+                  <a:schemeClr val="tx1"/>
+                </a:solidFill>
+                <a:latin typeface="Nunito Sans"/>
+                <a:ea typeface="Nunito Sans"/>
+                <a:cs typeface="Nunito Sans"/>
+                <a:sym typeface="Nunito Sans"/>
+              </a:rPr>
+              <a:t> </a:t>
+            </a:r>
+            <a:r>
+              <a:rPr lang="en-US" sz="1600" b="1" dirty="0">
+                <a:solidFill>
+                  <a:schemeClr val="tx1"/>
+                </a:solidFill>
+                <a:latin typeface="Nunito Sans"/>
+                <a:ea typeface="Nunito Sans"/>
+                <a:cs typeface="Nunito Sans"/>
+                <a:sym typeface="Nunito Sans"/>
+              </a:rPr>
+              <a:t>Sections for hotel and hotel rooms created in backend</a:t>
+            </a:r>
+            <a:endParaRPr sz="2800" b="1" dirty="0">
+              <a:solidFill>
+                <a:schemeClr val="tx1"/>
+              </a:solidFill>
+              <a:latin typeface="Nunito Sans" panose="020B0604020202020204" charset="0"/>
+            </a:endParaRPr>
+          </a:p>
+        </p:txBody>
+      </p:sp>
+      <p:sp>
+        <p:nvSpPr>
+          <p:cNvPr id="320" name="Google Shape;320;p30"/>
+          <p:cNvSpPr txBox="1"/>
+          <p:nvPr/>
+        </p:nvSpPr>
+        <p:spPr>
+          <a:xfrm>
+            <a:off x="2692680" y="677715"/>
+            <a:ext cx="3370968" cy="778675"/>
+          </a:xfrm>
+          <a:prstGeom prst="rect">
+            <a:avLst/>
+          </a:prstGeom>
+          <a:noFill/>
+          <a:ln>
+            <a:noFill/>
+          </a:ln>
+        </p:spPr>
+        <p:txBody>
+          <a:bodyPr spcFirstLastPara="1" wrap="square" lIns="0" tIns="0" rIns="0" bIns="0" anchor="t" anchorCtr="0">
+            <a:spAutoFit/>
+          </a:bodyPr>
+          <a:lstStyle/>
+          <a:p>
+            <a:pPr marL="0" marR="0" lvl="0" indent="0" algn="ctr" rtl="0">
+              <a:lnSpc>
+                <a:spcPct val="115000"/>
+              </a:lnSpc>
+              <a:spcBef>
+                <a:spcPts val="0"/>
+              </a:spcBef>
+              <a:spcAft>
+                <a:spcPts val="0"/>
+              </a:spcAft>
+              <a:buNone/>
+            </a:pPr>
+            <a:r>
+              <a:rPr lang="en" sz="4400" b="1" u="sng" dirty="0" smtClean="0">
+                <a:solidFill>
+                  <a:schemeClr val="bg1"/>
+                </a:solidFill>
+                <a:latin typeface="Montserrat"/>
+                <a:sym typeface="Montserrat"/>
+              </a:rPr>
+              <a:t>Completed</a:t>
+            </a:r>
+            <a:endParaRPr sz="1800" u="sng" dirty="0">
+              <a:solidFill>
+                <a:schemeClr val="bg1"/>
+              </a:solidFill>
+            </a:endParaRPr>
+          </a:p>
+        </p:txBody>
+      </p:sp>
+      <p:pic>
+        <p:nvPicPr>
+          <p:cNvPr id="4" name="Picture 3"/>
+          <p:cNvPicPr>
+            <a:picLocks noChangeAspect="1"/>
+          </p:cNvPicPr>
+          <p:nvPr/>
+        </p:nvPicPr>
+        <p:blipFill>
+          <a:blip r:embed="rId4">
+            <a:extLst>
+              <a:ext uri="{28A0092B-C50C-407E-A947-70E740481C1C}">
+                <a14:useLocalDpi xmlns:a14="http://schemas.microsoft.com/office/drawing/2010/main" val="0"/>
+              </a:ext>
+            </a:extLst>
+          </a:blip>
+          <a:stretch>
+            <a:fillRect/>
+          </a:stretch>
+        </p:blipFill>
+        <p:spPr>
+          <a:xfrm>
+            <a:off x="904827" y="1725107"/>
+            <a:ext cx="2839291" cy="1699128"/>
+          </a:xfrm>
+          <a:prstGeom prst="rect">
+            <a:avLst/>
+          </a:prstGeom>
+        </p:spPr>
+      </p:pic>
+      <p:pic>
+        <p:nvPicPr>
+          <p:cNvPr id="5" name="Picture 4"/>
+          <p:cNvPicPr>
+            <a:picLocks noChangeAspect="1"/>
+          </p:cNvPicPr>
+          <p:nvPr/>
+        </p:nvPicPr>
+        <p:blipFill>
+          <a:blip r:embed="rId5">
+            <a:extLst>
+              <a:ext uri="{28A0092B-C50C-407E-A947-70E740481C1C}">
+                <a14:useLocalDpi xmlns:a14="http://schemas.microsoft.com/office/drawing/2010/main" val="0"/>
+              </a:ext>
+            </a:extLst>
+          </a:blip>
+          <a:stretch>
+            <a:fillRect/>
+          </a:stretch>
+        </p:blipFill>
+        <p:spPr>
+          <a:xfrm>
+            <a:off x="5375076" y="1698557"/>
+            <a:ext cx="2846368" cy="1752228"/>
+          </a:xfrm>
+          <a:prstGeom prst="rect">
+            <a:avLst/>
+          </a:prstGeom>
+        </p:spPr>
+      </p:pic>
+    </p:spTree>
+  </p:cSld>
+  <p:clrMapOvr>
+    <a:masterClrMapping/>
+  </p:clrMapOvr>
+</p:sld>
+</file>
+
+<file path=ppt/slides/slide4.xml><?xml version="1.0" encoding="utf-8"?>
+<p:sld xmlns:a="http://schemas.openxmlformats.org/drawingml/2006/main" xmlns:r="http://schemas.openxmlformats.org/officeDocument/2006/relationships" xmlns:p="http://schemas.openxmlformats.org/presentationml/2006/main">
+  <p:cSld>
+    <p:bg>
+      <p:bgPr>
+        <a:solidFill>
           <a:srgbClr val="E5E2DD"/>
         </a:solidFill>
         <a:effectLst/>
@@ -18580,7 +19158,7 @@
               <a:buNone/>
             </a:pPr>
             <a:r>
-              <a:rPr lang="en" sz="1000" b="1" dirty="0" smtClean="0">
+              <a:rPr lang="en" sz="1000" dirty="0" smtClean="0">
                 <a:latin typeface="Nunito Sans"/>
                 <a:ea typeface="Nunito Sans"/>
                 <a:cs typeface="Nunito Sans"/>
@@ -18589,7 +19167,7 @@
               <a:t>Hotel</a:t>
             </a:r>
             <a:r>
-              <a:rPr lang="en" sz="1000" b="1" i="0" u="none" strike="noStrike" cap="none" dirty="0" smtClean="0">
+              <a:rPr lang="en" sz="1000" i="0" u="none" strike="noStrike" cap="none" dirty="0" smtClean="0">
                 <a:solidFill>
                   <a:srgbClr val="000000"/>
                 </a:solidFill>
@@ -18642,13 +19220,13 @@
               <a:buNone/>
             </a:pPr>
             <a:r>
-              <a:rPr lang="en" sz="1000" dirty="0" smtClean="0">
+              <a:rPr lang="en" sz="1000" b="1" dirty="0" smtClean="0">
                 <a:latin typeface="Nunito Sans"/>
                 <a:sym typeface="Nunito Sans"/>
               </a:rPr>
               <a:t>Rooms</a:t>
             </a:r>
-            <a:endParaRPr sz="700" dirty="0"/>
+            <a:endParaRPr sz="700" b="1" dirty="0"/>
           </a:p>
         </p:txBody>
       </p:sp>
@@ -18965,7 +19543,7 @@
                 <a:latin typeface="Montserrat"/>
                 <a:sym typeface="Montserrat"/>
               </a:rPr>
-              <a:t>Problem Statement</a:t>
+              <a:t>Needs To Be Done</a:t>
             </a:r>
             <a:endParaRPr sz="700" u="sng" dirty="0"/>
           </a:p>
@@ -19322,1836 +19900,7 @@
 </p:sld>
 </file>
 
-<file path=ppt/slides/slide4.xml><?xml version="1.0" encoding="utf-8"?>
-<p:sld xmlns:a="http://schemas.openxmlformats.org/drawingml/2006/main" xmlns:r="http://schemas.openxmlformats.org/officeDocument/2006/relationships" xmlns:p="http://schemas.openxmlformats.org/presentationml/2006/main">
-  <p:cSld>
-    <p:bg>
-      <p:bgPr>
-        <a:solidFill>
-          <a:srgbClr val="6792B0"/>
-        </a:solidFill>
-        <a:effectLst/>
-      </p:bgPr>
-    </p:bg>
-    <p:spTree>
-      <p:nvGrpSpPr>
-        <p:cNvPr id="1" name="Shape 293"/>
-        <p:cNvGrpSpPr/>
-        <p:nvPr/>
-      </p:nvGrpSpPr>
-      <p:grpSpPr>
-        <a:xfrm>
-          <a:off x="0" y="0"/>
-          <a:ext cx="0" cy="0"/>
-          <a:chOff x="0" y="0"/>
-          <a:chExt cx="0" cy="0"/>
-        </a:xfrm>
-      </p:grpSpPr>
-      <p:sp>
-        <p:nvSpPr>
-          <p:cNvPr id="294" name="Google Shape;294;p30"/>
-          <p:cNvSpPr/>
-          <p:nvPr/>
-        </p:nvSpPr>
-        <p:spPr>
-          <a:xfrm>
-            <a:off x="400217" y="219132"/>
-            <a:ext cx="373792" cy="373792"/>
-          </a:xfrm>
-          <a:custGeom>
-            <a:avLst/>
-            <a:gdLst/>
-            <a:ahLst/>
-            <a:cxnLst/>
-            <a:rect l="l" t="t" r="r" b="b"/>
-            <a:pathLst>
-              <a:path w="747584" h="747584" extrusionOk="0">
-                <a:moveTo>
-                  <a:pt x="0" y="0"/>
-                </a:moveTo>
-                <a:lnTo>
-                  <a:pt x="747584" y="0"/>
-                </a:lnTo>
-                <a:lnTo>
-                  <a:pt x="747584" y="747584"/>
-                </a:lnTo>
-                <a:lnTo>
-                  <a:pt x="0" y="747584"/>
-                </a:lnTo>
-                <a:lnTo>
-                  <a:pt x="0" y="0"/>
-                </a:lnTo>
-                <a:close/>
-              </a:path>
-            </a:pathLst>
-          </a:custGeom>
-          <a:blipFill rotWithShape="1">
-            <a:blip r:embed="rId3">
-              <a:alphaModFix/>
-            </a:blip>
-            <a:stretch>
-              <a:fillRect/>
-            </a:stretch>
-          </a:blipFill>
-          <a:ln>
-            <a:noFill/>
-          </a:ln>
-        </p:spPr>
-      </p:sp>
-      <p:sp>
-        <p:nvSpPr>
-          <p:cNvPr id="307" name="Google Shape;307;p30"/>
-          <p:cNvSpPr txBox="1"/>
-          <p:nvPr/>
-        </p:nvSpPr>
-        <p:spPr>
-          <a:xfrm>
-            <a:off x="4974859" y="198221"/>
-            <a:ext cx="400217" cy="210777"/>
-          </a:xfrm>
-          <a:prstGeom prst="rect">
-            <a:avLst/>
-          </a:prstGeom>
-          <a:noFill/>
-          <a:ln>
-            <a:noFill/>
-          </a:ln>
-        </p:spPr>
-        <p:txBody>
-          <a:bodyPr spcFirstLastPara="1" wrap="square" lIns="0" tIns="0" rIns="0" bIns="0" anchor="t" anchorCtr="0">
-            <a:spAutoFit/>
-          </a:bodyPr>
-          <a:lstStyle/>
-          <a:p>
-            <a:pPr marL="0" marR="0" lvl="0" indent="0" algn="l" rtl="0">
-              <a:lnSpc>
-                <a:spcPct val="180071"/>
-              </a:lnSpc>
-              <a:spcBef>
-                <a:spcPts val="0"/>
-              </a:spcBef>
-              <a:spcAft>
-                <a:spcPts val="0"/>
-              </a:spcAft>
-              <a:buNone/>
-            </a:pPr>
-            <a:r>
-              <a:rPr lang="en" sz="1000" b="0" i="0" u="none" strike="noStrike" cap="none">
-                <a:solidFill>
-                  <a:srgbClr val="000000"/>
-                </a:solidFill>
-                <a:latin typeface="Nunito Sans"/>
-                <a:ea typeface="Nunito Sans"/>
-                <a:cs typeface="Nunito Sans"/>
-                <a:sym typeface="Nunito Sans"/>
-              </a:rPr>
-              <a:t>Home</a:t>
-            </a:r>
-            <a:endParaRPr sz="700"/>
-          </a:p>
-        </p:txBody>
-      </p:sp>
-      <p:sp>
-        <p:nvSpPr>
-          <p:cNvPr id="308" name="Google Shape;308;p30"/>
-          <p:cNvSpPr txBox="1"/>
-          <p:nvPr/>
-        </p:nvSpPr>
-        <p:spPr>
-          <a:xfrm>
-            <a:off x="5663431" y="198221"/>
-            <a:ext cx="400217" cy="210777"/>
-          </a:xfrm>
-          <a:prstGeom prst="rect">
-            <a:avLst/>
-          </a:prstGeom>
-          <a:noFill/>
-          <a:ln>
-            <a:noFill/>
-          </a:ln>
-        </p:spPr>
-        <p:txBody>
-          <a:bodyPr spcFirstLastPara="1" wrap="square" lIns="0" tIns="0" rIns="0" bIns="0" anchor="t" anchorCtr="0">
-            <a:spAutoFit/>
-          </a:bodyPr>
-          <a:lstStyle/>
-          <a:p>
-            <a:pPr marL="0" marR="0" lvl="0" indent="0" algn="l" rtl="0">
-              <a:lnSpc>
-                <a:spcPct val="180071"/>
-              </a:lnSpc>
-              <a:spcBef>
-                <a:spcPts val="0"/>
-              </a:spcBef>
-              <a:spcAft>
-                <a:spcPts val="0"/>
-              </a:spcAft>
-              <a:buNone/>
-            </a:pPr>
-            <a:r>
-              <a:rPr lang="en" sz="1000" b="0" i="0" u="none" strike="noStrike" cap="none">
-                <a:solidFill>
-                  <a:srgbClr val="000000"/>
-                </a:solidFill>
-                <a:latin typeface="Nunito Sans"/>
-                <a:ea typeface="Nunito Sans"/>
-                <a:cs typeface="Nunito Sans"/>
-                <a:sym typeface="Nunito Sans"/>
-              </a:rPr>
-              <a:t>About</a:t>
-            </a:r>
-            <a:endParaRPr sz="700"/>
-          </a:p>
-        </p:txBody>
-      </p:sp>
-      <p:sp>
-        <p:nvSpPr>
-          <p:cNvPr id="309" name="Google Shape;309;p30"/>
-          <p:cNvSpPr txBox="1"/>
-          <p:nvPr/>
-        </p:nvSpPr>
-        <p:spPr>
-          <a:xfrm>
-            <a:off x="6352004" y="198221"/>
-            <a:ext cx="555937" cy="276999"/>
-          </a:xfrm>
-          <a:prstGeom prst="rect">
-            <a:avLst/>
-          </a:prstGeom>
-          <a:noFill/>
-          <a:ln>
-            <a:noFill/>
-          </a:ln>
-        </p:spPr>
-        <p:txBody>
-          <a:bodyPr spcFirstLastPara="1" wrap="square" lIns="0" tIns="0" rIns="0" bIns="0" anchor="t" anchorCtr="0">
-            <a:spAutoFit/>
-          </a:bodyPr>
-          <a:lstStyle/>
-          <a:p>
-            <a:pPr marL="0" marR="0" lvl="0" indent="0" algn="l" rtl="0">
-              <a:lnSpc>
-                <a:spcPct val="180071"/>
-              </a:lnSpc>
-              <a:spcBef>
-                <a:spcPts val="0"/>
-              </a:spcBef>
-              <a:spcAft>
-                <a:spcPts val="0"/>
-              </a:spcAft>
-              <a:buNone/>
-            </a:pPr>
-            <a:r>
-              <a:rPr lang="en" sz="1000" dirty="0" smtClean="0">
-                <a:latin typeface="Nunito Sans"/>
-                <a:sym typeface="Nunito Sans"/>
-              </a:rPr>
-              <a:t>Hotels</a:t>
-            </a:r>
-            <a:endParaRPr sz="700" dirty="0"/>
-          </a:p>
-        </p:txBody>
-      </p:sp>
-      <p:sp>
-        <p:nvSpPr>
-          <p:cNvPr id="310" name="Google Shape;310;p30"/>
-          <p:cNvSpPr txBox="1"/>
-          <p:nvPr/>
-        </p:nvSpPr>
-        <p:spPr>
-          <a:xfrm>
-            <a:off x="7196296" y="198221"/>
-            <a:ext cx="532768" cy="276999"/>
-          </a:xfrm>
-          <a:prstGeom prst="rect">
-            <a:avLst/>
-          </a:prstGeom>
-          <a:noFill/>
-          <a:ln>
-            <a:noFill/>
-          </a:ln>
-        </p:spPr>
-        <p:txBody>
-          <a:bodyPr spcFirstLastPara="1" wrap="square" lIns="0" tIns="0" rIns="0" bIns="0" anchor="t" anchorCtr="0">
-            <a:spAutoFit/>
-          </a:bodyPr>
-          <a:lstStyle/>
-          <a:p>
-            <a:pPr marL="0" marR="0" lvl="0" indent="0" algn="l" rtl="0">
-              <a:lnSpc>
-                <a:spcPct val="180071"/>
-              </a:lnSpc>
-              <a:spcBef>
-                <a:spcPts val="0"/>
-              </a:spcBef>
-              <a:spcAft>
-                <a:spcPts val="0"/>
-              </a:spcAft>
-              <a:buNone/>
-            </a:pPr>
-            <a:r>
-              <a:rPr lang="en" sz="1000" b="1" dirty="0" smtClean="0">
-                <a:latin typeface="Nunito Sans"/>
-                <a:sym typeface="Nunito Sans"/>
-              </a:rPr>
-              <a:t>Rooms</a:t>
-            </a:r>
-            <a:endParaRPr sz="700" dirty="0"/>
-          </a:p>
-        </p:txBody>
-      </p:sp>
-      <p:sp>
-        <p:nvSpPr>
-          <p:cNvPr id="311" name="Google Shape;311;p30"/>
-          <p:cNvSpPr txBox="1"/>
-          <p:nvPr/>
-        </p:nvSpPr>
-        <p:spPr>
-          <a:xfrm>
-            <a:off x="8017420" y="198221"/>
-            <a:ext cx="463262" cy="207807"/>
-          </a:xfrm>
-          <a:prstGeom prst="rect">
-            <a:avLst/>
-          </a:prstGeom>
-          <a:noFill/>
-          <a:ln>
-            <a:noFill/>
-          </a:ln>
-        </p:spPr>
-        <p:txBody>
-          <a:bodyPr spcFirstLastPara="1" wrap="square" lIns="0" tIns="0" rIns="0" bIns="0" anchor="t" anchorCtr="0">
-            <a:spAutoFit/>
-          </a:bodyPr>
-          <a:lstStyle/>
-          <a:p>
-            <a:pPr marL="0" marR="0" lvl="0" indent="0" algn="l" rtl="0">
-              <a:lnSpc>
-                <a:spcPct val="180071"/>
-              </a:lnSpc>
-              <a:spcBef>
-                <a:spcPts val="0"/>
-              </a:spcBef>
-              <a:spcAft>
-                <a:spcPts val="0"/>
-              </a:spcAft>
-              <a:buNone/>
-            </a:pPr>
-            <a:r>
-              <a:rPr lang="en" sz="1000" b="0" i="0" u="none" strike="noStrike" cap="none">
-                <a:solidFill>
-                  <a:srgbClr val="000000"/>
-                </a:solidFill>
-                <a:latin typeface="Nunito Sans"/>
-                <a:ea typeface="Nunito Sans"/>
-                <a:cs typeface="Nunito Sans"/>
-                <a:sym typeface="Nunito Sans"/>
-              </a:rPr>
-              <a:t>Contact</a:t>
-            </a:r>
-            <a:endParaRPr sz="700"/>
-          </a:p>
-        </p:txBody>
-      </p:sp>
-      <p:sp>
-        <p:nvSpPr>
-          <p:cNvPr id="312" name="Google Shape;312;p30"/>
-          <p:cNvSpPr txBox="1"/>
-          <p:nvPr/>
-        </p:nvSpPr>
-        <p:spPr>
-          <a:xfrm>
-            <a:off x="897750" y="255375"/>
-            <a:ext cx="2235867" cy="221599"/>
-          </a:xfrm>
-          <a:prstGeom prst="rect">
-            <a:avLst/>
-          </a:prstGeom>
-          <a:noFill/>
-          <a:ln>
-            <a:noFill/>
-          </a:ln>
-        </p:spPr>
-        <p:txBody>
-          <a:bodyPr spcFirstLastPara="1" wrap="square" lIns="0" tIns="0" rIns="0" bIns="0" anchor="t" anchorCtr="0">
-            <a:spAutoFit/>
-          </a:bodyPr>
-          <a:lstStyle/>
-          <a:p>
-            <a:pPr marL="0" marR="0" lvl="0" indent="0" algn="l" rtl="0">
-              <a:lnSpc>
-                <a:spcPct val="120020"/>
-              </a:lnSpc>
-              <a:spcBef>
-                <a:spcPts val="0"/>
-              </a:spcBef>
-              <a:spcAft>
-                <a:spcPts val="0"/>
-              </a:spcAft>
-              <a:buNone/>
-            </a:pPr>
-            <a:r>
-              <a:rPr lang="en" sz="1200" b="1" dirty="0" smtClean="0">
-                <a:latin typeface="Montserrat"/>
-                <a:sym typeface="Montserrat"/>
-              </a:rPr>
-              <a:t>Hamro Booking Sewa</a:t>
-            </a:r>
-            <a:endParaRPr sz="500" dirty="0"/>
-          </a:p>
-        </p:txBody>
-      </p:sp>
-      <p:sp>
-        <p:nvSpPr>
-          <p:cNvPr id="315" name="Google Shape;315;p30"/>
-          <p:cNvSpPr txBox="1"/>
-          <p:nvPr/>
-        </p:nvSpPr>
-        <p:spPr>
-          <a:xfrm>
-            <a:off x="587113" y="3443513"/>
-            <a:ext cx="3474720" cy="1150315"/>
-          </a:xfrm>
-          <a:prstGeom prst="rect">
-            <a:avLst/>
-          </a:prstGeom>
-          <a:noFill/>
-          <a:ln>
-            <a:noFill/>
-          </a:ln>
-        </p:spPr>
-        <p:txBody>
-          <a:bodyPr spcFirstLastPara="1" wrap="square" lIns="0" tIns="0" rIns="0" bIns="0" anchor="t" anchorCtr="0">
-            <a:spAutoFit/>
-          </a:bodyPr>
-          <a:lstStyle/>
-          <a:p>
-            <a:pPr marL="0" marR="0" lvl="0" indent="0" algn="ctr" rtl="0">
-              <a:lnSpc>
-                <a:spcPct val="115000"/>
-              </a:lnSpc>
-              <a:spcBef>
-                <a:spcPts val="0"/>
-              </a:spcBef>
-              <a:spcAft>
-                <a:spcPts val="0"/>
-              </a:spcAft>
-              <a:buNone/>
-            </a:pPr>
-            <a:r>
-              <a:rPr lang="en" sz="1000" b="0" i="0" u="none" strike="noStrike" cap="none" dirty="0" smtClean="0">
-                <a:solidFill>
-                  <a:srgbClr val="000000"/>
-                </a:solidFill>
-                <a:latin typeface="Nunito Sans"/>
-                <a:ea typeface="Nunito Sans"/>
-                <a:cs typeface="Nunito Sans"/>
-                <a:sym typeface="Nunito Sans"/>
-              </a:rPr>
-              <a:t>  </a:t>
-            </a:r>
-          </a:p>
-          <a:p>
-            <a:pPr algn="ctr">
-              <a:lnSpc>
-                <a:spcPct val="115000"/>
-              </a:lnSpc>
-            </a:pPr>
-            <a:r>
-              <a:rPr lang="en-GB" sz="1600" b="1" dirty="0" smtClean="0">
-                <a:solidFill>
-                  <a:schemeClr val="tx1"/>
-                </a:solidFill>
-                <a:latin typeface="Nunito Sans" panose="020B0604020202020204" charset="0"/>
-              </a:rPr>
-              <a:t>To provide </a:t>
-            </a:r>
-            <a:r>
-              <a:rPr lang="en-GB" sz="1600" b="1" dirty="0">
-                <a:solidFill>
-                  <a:schemeClr val="tx1"/>
-                </a:solidFill>
-                <a:latin typeface="Nunito Sans" panose="020B0604020202020204" charset="0"/>
-              </a:rPr>
-              <a:t>a platform where users </a:t>
-            </a:r>
-            <a:r>
-              <a:rPr lang="en-GB" sz="1600" b="1" dirty="0" smtClean="0">
-                <a:solidFill>
-                  <a:schemeClr val="tx1"/>
-                </a:solidFill>
-                <a:latin typeface="Nunito Sans" panose="020B0604020202020204" charset="0"/>
-              </a:rPr>
-              <a:t>can find </a:t>
-            </a:r>
-            <a:r>
-              <a:rPr lang="en-GB" sz="1600" b="1" dirty="0">
-                <a:solidFill>
-                  <a:schemeClr val="tx1"/>
-                </a:solidFill>
-                <a:latin typeface="Nunito Sans" panose="020B0604020202020204" charset="0"/>
-              </a:rPr>
-              <a:t>the best </a:t>
-            </a:r>
-            <a:r>
-              <a:rPr lang="en-GB" sz="1600" b="1" dirty="0" smtClean="0">
-                <a:solidFill>
-                  <a:schemeClr val="tx1"/>
-                </a:solidFill>
-                <a:latin typeface="Nunito Sans" panose="020B0604020202020204" charset="0"/>
-              </a:rPr>
-              <a:t>deals in hotel rooms</a:t>
-            </a:r>
-            <a:endParaRPr lang="en-US" sz="1600" b="1" dirty="0">
-              <a:solidFill>
-                <a:schemeClr val="tx1"/>
-              </a:solidFill>
-              <a:latin typeface="Nunito Sans" panose="020B0604020202020204" charset="0"/>
-            </a:endParaRPr>
-          </a:p>
-          <a:p>
-            <a:pPr marL="0" marR="0" lvl="0" indent="0" algn="ctr" rtl="0">
-              <a:lnSpc>
-                <a:spcPct val="115000"/>
-              </a:lnSpc>
-              <a:spcBef>
-                <a:spcPts val="0"/>
-              </a:spcBef>
-              <a:spcAft>
-                <a:spcPts val="0"/>
-              </a:spcAft>
-              <a:buNone/>
-            </a:pPr>
-            <a:endParaRPr sz="700" dirty="0"/>
-          </a:p>
-        </p:txBody>
-      </p:sp>
-      <p:sp>
-        <p:nvSpPr>
-          <p:cNvPr id="319" name="Google Shape;319;p30"/>
-          <p:cNvSpPr txBox="1"/>
-          <p:nvPr/>
-        </p:nvSpPr>
-        <p:spPr>
-          <a:xfrm>
-            <a:off x="4974859" y="3510771"/>
-            <a:ext cx="3654874" cy="849463"/>
-          </a:xfrm>
-          <a:prstGeom prst="rect">
-            <a:avLst/>
-          </a:prstGeom>
-          <a:noFill/>
-          <a:ln>
-            <a:noFill/>
-          </a:ln>
-        </p:spPr>
-        <p:txBody>
-          <a:bodyPr spcFirstLastPara="1" wrap="square" lIns="0" tIns="0" rIns="0" bIns="0" anchor="t" anchorCtr="0">
-            <a:spAutoFit/>
-          </a:bodyPr>
-          <a:lstStyle/>
-          <a:p>
-            <a:pPr lvl="0" algn="ctr">
-              <a:lnSpc>
-                <a:spcPct val="115000"/>
-              </a:lnSpc>
-            </a:pPr>
-            <a:r>
-              <a:rPr lang="en" sz="1000" b="0" i="0" u="none" strike="noStrike" cap="none" dirty="0" smtClean="0">
-                <a:solidFill>
-                  <a:srgbClr val="000000"/>
-                </a:solidFill>
-                <a:latin typeface="Nunito Sans"/>
-                <a:ea typeface="Nunito Sans"/>
-                <a:cs typeface="Nunito Sans"/>
-                <a:sym typeface="Nunito Sans"/>
-              </a:rPr>
-              <a:t> </a:t>
-            </a:r>
-            <a:r>
-              <a:rPr lang="en-US" sz="1600" b="1" dirty="0">
-                <a:solidFill>
-                  <a:schemeClr val="tx1"/>
-                </a:solidFill>
-                <a:latin typeface="Nunito Sans" panose="020B0604020202020204" charset="0"/>
-              </a:rPr>
-              <a:t>To streamline the reservation process by allowing users to reserve rooms at their own convenience</a:t>
-            </a:r>
-            <a:endParaRPr b="1" dirty="0">
-              <a:solidFill>
-                <a:schemeClr val="tx1"/>
-              </a:solidFill>
-              <a:latin typeface="Nunito Sans" panose="020B0604020202020204" charset="0"/>
-            </a:endParaRPr>
-          </a:p>
-        </p:txBody>
-      </p:sp>
-      <p:sp>
-        <p:nvSpPr>
-          <p:cNvPr id="320" name="Google Shape;320;p30"/>
-          <p:cNvSpPr txBox="1"/>
-          <p:nvPr/>
-        </p:nvSpPr>
-        <p:spPr>
-          <a:xfrm>
-            <a:off x="2692680" y="677715"/>
-            <a:ext cx="3370968" cy="778675"/>
-          </a:xfrm>
-          <a:prstGeom prst="rect">
-            <a:avLst/>
-          </a:prstGeom>
-          <a:noFill/>
-          <a:ln>
-            <a:noFill/>
-          </a:ln>
-        </p:spPr>
-        <p:txBody>
-          <a:bodyPr spcFirstLastPara="1" wrap="square" lIns="0" tIns="0" rIns="0" bIns="0" anchor="t" anchorCtr="0">
-            <a:spAutoFit/>
-          </a:bodyPr>
-          <a:lstStyle/>
-          <a:p>
-            <a:pPr marL="0" marR="0" lvl="0" indent="0" algn="ctr" rtl="0">
-              <a:lnSpc>
-                <a:spcPct val="115000"/>
-              </a:lnSpc>
-              <a:spcBef>
-                <a:spcPts val="0"/>
-              </a:spcBef>
-              <a:spcAft>
-                <a:spcPts val="0"/>
-              </a:spcAft>
-              <a:buNone/>
-            </a:pPr>
-            <a:r>
-              <a:rPr lang="en" sz="4400" b="1" u="sng" dirty="0" smtClean="0">
-                <a:solidFill>
-                  <a:schemeClr val="bg1"/>
-                </a:solidFill>
-                <a:latin typeface="Montserrat"/>
-                <a:sym typeface="Montserrat"/>
-              </a:rPr>
-              <a:t>Objectives</a:t>
-            </a:r>
-            <a:endParaRPr sz="1800" u="sng" dirty="0">
-              <a:solidFill>
-                <a:schemeClr val="bg1"/>
-              </a:solidFill>
-            </a:endParaRPr>
-          </a:p>
-        </p:txBody>
-      </p:sp>
-      <p:pic>
-        <p:nvPicPr>
-          <p:cNvPr id="4" name="Picture 3"/>
-          <p:cNvPicPr>
-            <a:picLocks noChangeAspect="1"/>
-          </p:cNvPicPr>
-          <p:nvPr/>
-        </p:nvPicPr>
-        <p:blipFill>
-          <a:blip r:embed="rId4">
-            <a:extLst>
-              <a:ext uri="{28A0092B-C50C-407E-A947-70E740481C1C}">
-                <a14:useLocalDpi xmlns:a14="http://schemas.microsoft.com/office/drawing/2010/main" val="0"/>
-              </a:ext>
-            </a:extLst>
-          </a:blip>
-          <a:stretch>
-            <a:fillRect/>
-          </a:stretch>
-        </p:blipFill>
-        <p:spPr>
-          <a:xfrm>
-            <a:off x="904827" y="1725107"/>
-            <a:ext cx="2839291" cy="1699128"/>
-          </a:xfrm>
-          <a:prstGeom prst="rect">
-            <a:avLst/>
-          </a:prstGeom>
-        </p:spPr>
-      </p:pic>
-      <p:pic>
-        <p:nvPicPr>
-          <p:cNvPr id="5" name="Picture 4"/>
-          <p:cNvPicPr>
-            <a:picLocks noChangeAspect="1"/>
-          </p:cNvPicPr>
-          <p:nvPr/>
-        </p:nvPicPr>
-        <p:blipFill>
-          <a:blip r:embed="rId5">
-            <a:extLst>
-              <a:ext uri="{28A0092B-C50C-407E-A947-70E740481C1C}">
-                <a14:useLocalDpi xmlns:a14="http://schemas.microsoft.com/office/drawing/2010/main" val="0"/>
-              </a:ext>
-            </a:extLst>
-          </a:blip>
-          <a:stretch>
-            <a:fillRect/>
-          </a:stretch>
-        </p:blipFill>
-        <p:spPr>
-          <a:xfrm>
-            <a:off x="5375076" y="1698557"/>
-            <a:ext cx="2846368" cy="1752228"/>
-          </a:xfrm>
-          <a:prstGeom prst="rect">
-            <a:avLst/>
-          </a:prstGeom>
-        </p:spPr>
-      </p:pic>
-    </p:spTree>
-  </p:cSld>
-  <p:clrMapOvr>
-    <a:masterClrMapping/>
-  </p:clrMapOvr>
-</p:sld>
-</file>
-
 <file path=ppt/slides/slide5.xml><?xml version="1.0" encoding="utf-8"?>
-<p:sld xmlns:a="http://schemas.openxmlformats.org/drawingml/2006/main" xmlns:r="http://schemas.openxmlformats.org/officeDocument/2006/relationships" xmlns:p="http://schemas.openxmlformats.org/presentationml/2006/main">
-  <p:cSld>
-    <p:bg>
-      <p:bgPr>
-        <a:solidFill>
-          <a:srgbClr val="E5E2DD"/>
-        </a:solidFill>
-        <a:effectLst/>
-      </p:bgPr>
-    </p:bg>
-    <p:spTree>
-      <p:nvGrpSpPr>
-        <p:cNvPr id="1" name="Shape 259"/>
-        <p:cNvGrpSpPr/>
-        <p:nvPr/>
-      </p:nvGrpSpPr>
-      <p:grpSpPr>
-        <a:xfrm>
-          <a:off x="0" y="0"/>
-          <a:ext cx="0" cy="0"/>
-          <a:chOff x="0" y="0"/>
-          <a:chExt cx="0" cy="0"/>
-        </a:xfrm>
-      </p:grpSpPr>
-      <p:pic>
-        <p:nvPicPr>
-          <p:cNvPr id="260" name="Google Shape;260;p29"/>
-          <p:cNvPicPr preferRelativeResize="0"/>
-          <p:nvPr/>
-        </p:nvPicPr>
-        <p:blipFill>
-          <a:blip r:embed="rId3">
-            <a:extLst>
-              <a:ext uri="{28A0092B-C50C-407E-A947-70E740481C1C}">
-                <a14:useLocalDpi xmlns:a14="http://schemas.microsoft.com/office/drawing/2010/main" val="0"/>
-              </a:ext>
-            </a:extLst>
-          </a:blip>
-          <a:stretch>
-            <a:fillRect/>
-          </a:stretch>
-        </p:blipFill>
-        <p:spPr>
-          <a:xfrm>
-            <a:off x="7040881" y="1530526"/>
-            <a:ext cx="1835782" cy="1384124"/>
-          </a:xfrm>
-          <a:prstGeom prst="rect">
-            <a:avLst/>
-          </a:prstGeom>
-          <a:noFill/>
-          <a:ln>
-            <a:noFill/>
-          </a:ln>
-        </p:spPr>
-      </p:pic>
-      <p:pic>
-        <p:nvPicPr>
-          <p:cNvPr id="261" name="Google Shape;261;p29"/>
-          <p:cNvPicPr preferRelativeResize="0"/>
-          <p:nvPr/>
-        </p:nvPicPr>
-        <p:blipFill>
-          <a:blip r:embed="rId4">
-            <a:extLst>
-              <a:ext uri="{28A0092B-C50C-407E-A947-70E740481C1C}">
-                <a14:useLocalDpi xmlns:a14="http://schemas.microsoft.com/office/drawing/2010/main" val="0"/>
-              </a:ext>
-            </a:extLst>
-          </a:blip>
-          <a:stretch>
-            <a:fillRect/>
-          </a:stretch>
-        </p:blipFill>
-        <p:spPr>
-          <a:xfrm>
-            <a:off x="897752" y="1234440"/>
-            <a:ext cx="5663068" cy="3909060"/>
-          </a:xfrm>
-          <a:prstGeom prst="rect">
-            <a:avLst/>
-          </a:prstGeom>
-          <a:noFill/>
-          <a:ln>
-            <a:noFill/>
-          </a:ln>
-        </p:spPr>
-      </p:pic>
-      <p:pic>
-        <p:nvPicPr>
-          <p:cNvPr id="262" name="Google Shape;262;p29"/>
-          <p:cNvPicPr preferRelativeResize="0"/>
-          <p:nvPr/>
-        </p:nvPicPr>
-        <p:blipFill>
-          <a:blip r:embed="rId5">
-            <a:extLst>
-              <a:ext uri="{28A0092B-C50C-407E-A947-70E740481C1C}">
-                <a14:useLocalDpi xmlns:a14="http://schemas.microsoft.com/office/drawing/2010/main" val="0"/>
-              </a:ext>
-            </a:extLst>
-          </a:blip>
-          <a:stretch>
-            <a:fillRect/>
-          </a:stretch>
-        </p:blipFill>
-        <p:spPr>
-          <a:xfrm>
-            <a:off x="7040881" y="3326130"/>
-            <a:ext cx="1890548" cy="1399904"/>
-          </a:xfrm>
-          <a:prstGeom prst="rect">
-            <a:avLst/>
-          </a:prstGeom>
-          <a:noFill/>
-          <a:ln>
-            <a:noFill/>
-          </a:ln>
-        </p:spPr>
-      </p:pic>
-      <p:sp>
-        <p:nvSpPr>
-          <p:cNvPr id="263" name="Google Shape;263;p29"/>
-          <p:cNvSpPr/>
-          <p:nvPr/>
-        </p:nvSpPr>
-        <p:spPr>
-          <a:xfrm>
-            <a:off x="400217" y="219132"/>
-            <a:ext cx="373792" cy="373792"/>
-          </a:xfrm>
-          <a:custGeom>
-            <a:avLst/>
-            <a:gdLst/>
-            <a:ahLst/>
-            <a:cxnLst/>
-            <a:rect l="l" t="t" r="r" b="b"/>
-            <a:pathLst>
-              <a:path w="747584" h="747584" extrusionOk="0">
-                <a:moveTo>
-                  <a:pt x="0" y="0"/>
-                </a:moveTo>
-                <a:lnTo>
-                  <a:pt x="747584" y="0"/>
-                </a:lnTo>
-                <a:lnTo>
-                  <a:pt x="747584" y="747584"/>
-                </a:lnTo>
-                <a:lnTo>
-                  <a:pt x="0" y="747584"/>
-                </a:lnTo>
-                <a:lnTo>
-                  <a:pt x="0" y="0"/>
-                </a:lnTo>
-                <a:close/>
-              </a:path>
-            </a:pathLst>
-          </a:custGeom>
-          <a:blipFill rotWithShape="1">
-            <a:blip r:embed="rId6">
-              <a:alphaModFix/>
-            </a:blip>
-            <a:stretch>
-              <a:fillRect/>
-            </a:stretch>
-          </a:blipFill>
-          <a:ln>
-            <a:noFill/>
-          </a:ln>
-        </p:spPr>
-      </p:sp>
-      <p:sp>
-        <p:nvSpPr>
-          <p:cNvPr id="282" name="Google Shape;282;p29"/>
-          <p:cNvSpPr txBox="1"/>
-          <p:nvPr/>
-        </p:nvSpPr>
-        <p:spPr>
-          <a:xfrm>
-            <a:off x="4974859" y="198221"/>
-            <a:ext cx="400217" cy="210777"/>
-          </a:xfrm>
-          <a:prstGeom prst="rect">
-            <a:avLst/>
-          </a:prstGeom>
-          <a:noFill/>
-          <a:ln>
-            <a:noFill/>
-          </a:ln>
-        </p:spPr>
-        <p:txBody>
-          <a:bodyPr spcFirstLastPara="1" wrap="square" lIns="0" tIns="0" rIns="0" bIns="0" anchor="t" anchorCtr="0">
-            <a:spAutoFit/>
-          </a:bodyPr>
-          <a:lstStyle/>
-          <a:p>
-            <a:pPr marL="0" marR="0" lvl="0" indent="0" algn="l" rtl="0">
-              <a:lnSpc>
-                <a:spcPct val="180071"/>
-              </a:lnSpc>
-              <a:spcBef>
-                <a:spcPts val="0"/>
-              </a:spcBef>
-              <a:spcAft>
-                <a:spcPts val="0"/>
-              </a:spcAft>
-              <a:buNone/>
-            </a:pPr>
-            <a:r>
-              <a:rPr lang="en" sz="1000" b="0" i="0" u="none" strike="noStrike" cap="none">
-                <a:solidFill>
-                  <a:srgbClr val="000000"/>
-                </a:solidFill>
-                <a:latin typeface="Nunito Sans"/>
-                <a:ea typeface="Nunito Sans"/>
-                <a:cs typeface="Nunito Sans"/>
-                <a:sym typeface="Nunito Sans"/>
-              </a:rPr>
-              <a:t>Home</a:t>
-            </a:r>
-            <a:endParaRPr sz="700"/>
-          </a:p>
-        </p:txBody>
-      </p:sp>
-      <p:sp>
-        <p:nvSpPr>
-          <p:cNvPr id="283" name="Google Shape;283;p29"/>
-          <p:cNvSpPr txBox="1"/>
-          <p:nvPr/>
-        </p:nvSpPr>
-        <p:spPr>
-          <a:xfrm>
-            <a:off x="5663431" y="198221"/>
-            <a:ext cx="400217" cy="210777"/>
-          </a:xfrm>
-          <a:prstGeom prst="rect">
-            <a:avLst/>
-          </a:prstGeom>
-          <a:noFill/>
-          <a:ln>
-            <a:noFill/>
-          </a:ln>
-        </p:spPr>
-        <p:txBody>
-          <a:bodyPr spcFirstLastPara="1" wrap="square" lIns="0" tIns="0" rIns="0" bIns="0" anchor="t" anchorCtr="0">
-            <a:spAutoFit/>
-          </a:bodyPr>
-          <a:lstStyle/>
-          <a:p>
-            <a:pPr marL="0" marR="0" lvl="0" indent="0" algn="l" rtl="0">
-              <a:lnSpc>
-                <a:spcPct val="180071"/>
-              </a:lnSpc>
-              <a:spcBef>
-                <a:spcPts val="0"/>
-              </a:spcBef>
-              <a:spcAft>
-                <a:spcPts val="0"/>
-              </a:spcAft>
-              <a:buNone/>
-            </a:pPr>
-            <a:r>
-              <a:rPr lang="en" sz="1000" b="0" i="0" u="none" strike="noStrike" cap="none">
-                <a:solidFill>
-                  <a:srgbClr val="000000"/>
-                </a:solidFill>
-                <a:latin typeface="Nunito Sans"/>
-                <a:ea typeface="Nunito Sans"/>
-                <a:cs typeface="Nunito Sans"/>
-                <a:sym typeface="Nunito Sans"/>
-              </a:rPr>
-              <a:t>About</a:t>
-            </a:r>
-            <a:endParaRPr sz="700"/>
-          </a:p>
-        </p:txBody>
-      </p:sp>
-      <p:sp>
-        <p:nvSpPr>
-          <p:cNvPr id="284" name="Google Shape;284;p29"/>
-          <p:cNvSpPr txBox="1"/>
-          <p:nvPr/>
-        </p:nvSpPr>
-        <p:spPr>
-          <a:xfrm>
-            <a:off x="6352004" y="198221"/>
-            <a:ext cx="555937" cy="276999"/>
-          </a:xfrm>
-          <a:prstGeom prst="rect">
-            <a:avLst/>
-          </a:prstGeom>
-          <a:noFill/>
-          <a:ln>
-            <a:noFill/>
-          </a:ln>
-        </p:spPr>
-        <p:txBody>
-          <a:bodyPr spcFirstLastPara="1" wrap="square" lIns="0" tIns="0" rIns="0" bIns="0" anchor="t" anchorCtr="0">
-            <a:spAutoFit/>
-          </a:bodyPr>
-          <a:lstStyle/>
-          <a:p>
-            <a:pPr marL="0" marR="0" lvl="0" indent="0" algn="l" rtl="0">
-              <a:lnSpc>
-                <a:spcPct val="180071"/>
-              </a:lnSpc>
-              <a:spcBef>
-                <a:spcPts val="0"/>
-              </a:spcBef>
-              <a:spcAft>
-                <a:spcPts val="0"/>
-              </a:spcAft>
-              <a:buNone/>
-            </a:pPr>
-            <a:r>
-              <a:rPr lang="en" sz="1000" b="1" dirty="0" smtClean="0">
-                <a:latin typeface="Nunito Sans"/>
-                <a:sym typeface="Nunito Sans"/>
-              </a:rPr>
-              <a:t>Hotels</a:t>
-            </a:r>
-            <a:endParaRPr sz="700" dirty="0"/>
-          </a:p>
-        </p:txBody>
-      </p:sp>
-      <p:sp>
-        <p:nvSpPr>
-          <p:cNvPr id="285" name="Google Shape;285;p29"/>
-          <p:cNvSpPr txBox="1"/>
-          <p:nvPr/>
-        </p:nvSpPr>
-        <p:spPr>
-          <a:xfrm>
-            <a:off x="7196296" y="198221"/>
-            <a:ext cx="532768" cy="276999"/>
-          </a:xfrm>
-          <a:prstGeom prst="rect">
-            <a:avLst/>
-          </a:prstGeom>
-          <a:noFill/>
-          <a:ln>
-            <a:noFill/>
-          </a:ln>
-        </p:spPr>
-        <p:txBody>
-          <a:bodyPr spcFirstLastPara="1" wrap="square" lIns="0" tIns="0" rIns="0" bIns="0" anchor="t" anchorCtr="0">
-            <a:spAutoFit/>
-          </a:bodyPr>
-          <a:lstStyle/>
-          <a:p>
-            <a:pPr marL="0" marR="0" lvl="0" indent="0" algn="l" rtl="0">
-              <a:lnSpc>
-                <a:spcPct val="180071"/>
-              </a:lnSpc>
-              <a:spcBef>
-                <a:spcPts val="0"/>
-              </a:spcBef>
-              <a:spcAft>
-                <a:spcPts val="0"/>
-              </a:spcAft>
-              <a:buNone/>
-            </a:pPr>
-            <a:r>
-              <a:rPr lang="en" sz="1000" dirty="0" smtClean="0">
-                <a:latin typeface="Nunito Sans"/>
-                <a:sym typeface="Nunito Sans"/>
-              </a:rPr>
-              <a:t>Rooms</a:t>
-            </a:r>
-            <a:endParaRPr sz="700" dirty="0"/>
-          </a:p>
-        </p:txBody>
-      </p:sp>
-      <p:sp>
-        <p:nvSpPr>
-          <p:cNvPr id="286" name="Google Shape;286;p29"/>
-          <p:cNvSpPr txBox="1"/>
-          <p:nvPr/>
-        </p:nvSpPr>
-        <p:spPr>
-          <a:xfrm>
-            <a:off x="8017420" y="198221"/>
-            <a:ext cx="463262" cy="207807"/>
-          </a:xfrm>
-          <a:prstGeom prst="rect">
-            <a:avLst/>
-          </a:prstGeom>
-          <a:noFill/>
-          <a:ln>
-            <a:noFill/>
-          </a:ln>
-        </p:spPr>
-        <p:txBody>
-          <a:bodyPr spcFirstLastPara="1" wrap="square" lIns="0" tIns="0" rIns="0" bIns="0" anchor="t" anchorCtr="0">
-            <a:spAutoFit/>
-          </a:bodyPr>
-          <a:lstStyle/>
-          <a:p>
-            <a:pPr marL="0" marR="0" lvl="0" indent="0" algn="l" rtl="0">
-              <a:lnSpc>
-                <a:spcPct val="180071"/>
-              </a:lnSpc>
-              <a:spcBef>
-                <a:spcPts val="0"/>
-              </a:spcBef>
-              <a:spcAft>
-                <a:spcPts val="0"/>
-              </a:spcAft>
-              <a:buNone/>
-            </a:pPr>
-            <a:r>
-              <a:rPr lang="en" sz="1000" b="0" i="0" u="none" strike="noStrike" cap="none">
-                <a:solidFill>
-                  <a:srgbClr val="000000"/>
-                </a:solidFill>
-                <a:latin typeface="Nunito Sans"/>
-                <a:ea typeface="Nunito Sans"/>
-                <a:cs typeface="Nunito Sans"/>
-                <a:sym typeface="Nunito Sans"/>
-              </a:rPr>
-              <a:t>Contact</a:t>
-            </a:r>
-            <a:endParaRPr sz="700"/>
-          </a:p>
-        </p:txBody>
-      </p:sp>
-      <p:sp>
-        <p:nvSpPr>
-          <p:cNvPr id="287" name="Google Shape;287;p29"/>
-          <p:cNvSpPr txBox="1"/>
-          <p:nvPr/>
-        </p:nvSpPr>
-        <p:spPr>
-          <a:xfrm>
-            <a:off x="897751" y="255375"/>
-            <a:ext cx="2318060" cy="221599"/>
-          </a:xfrm>
-          <a:prstGeom prst="rect">
-            <a:avLst/>
-          </a:prstGeom>
-          <a:noFill/>
-          <a:ln>
-            <a:noFill/>
-          </a:ln>
-        </p:spPr>
-        <p:txBody>
-          <a:bodyPr spcFirstLastPara="1" wrap="square" lIns="0" tIns="0" rIns="0" bIns="0" anchor="t" anchorCtr="0">
-            <a:spAutoFit/>
-          </a:bodyPr>
-          <a:lstStyle/>
-          <a:p>
-            <a:pPr marL="0" marR="0" lvl="0" indent="0" algn="l" rtl="0">
-              <a:lnSpc>
-                <a:spcPct val="120020"/>
-              </a:lnSpc>
-              <a:spcBef>
-                <a:spcPts val="0"/>
-              </a:spcBef>
-              <a:spcAft>
-                <a:spcPts val="0"/>
-              </a:spcAft>
-              <a:buNone/>
-            </a:pPr>
-            <a:r>
-              <a:rPr lang="en" sz="1200" b="1" dirty="0" smtClean="0">
-                <a:latin typeface="Montserrat"/>
-                <a:sym typeface="Montserrat"/>
-              </a:rPr>
-              <a:t>Hamro Booking Sewa</a:t>
-            </a:r>
-            <a:endParaRPr sz="500" dirty="0"/>
-          </a:p>
-        </p:txBody>
-      </p:sp>
-      <p:sp>
-        <p:nvSpPr>
-          <p:cNvPr id="288" name="Google Shape;288;p29"/>
-          <p:cNvSpPr txBox="1"/>
-          <p:nvPr/>
-        </p:nvSpPr>
-        <p:spPr>
-          <a:xfrm>
-            <a:off x="185019" y="718054"/>
-            <a:ext cx="3985356" cy="743280"/>
-          </a:xfrm>
-          <a:prstGeom prst="rect">
-            <a:avLst/>
-          </a:prstGeom>
-          <a:noFill/>
-          <a:ln>
-            <a:noFill/>
-          </a:ln>
-        </p:spPr>
-        <p:txBody>
-          <a:bodyPr spcFirstLastPara="1" wrap="square" lIns="0" tIns="0" rIns="0" bIns="0" anchor="t" anchorCtr="0">
-            <a:spAutoFit/>
-          </a:bodyPr>
-          <a:lstStyle/>
-          <a:p>
-            <a:pPr marL="0" marR="0" lvl="0" indent="0" algn="l" rtl="0">
-              <a:lnSpc>
-                <a:spcPct val="115000"/>
-              </a:lnSpc>
-              <a:spcBef>
-                <a:spcPts val="0"/>
-              </a:spcBef>
-              <a:spcAft>
-                <a:spcPts val="0"/>
-              </a:spcAft>
-              <a:buNone/>
-            </a:pPr>
-            <a:r>
-              <a:rPr lang="en" sz="4200" b="1" i="0" u="sng" strike="noStrike" cap="none" dirty="0" smtClean="0">
-                <a:solidFill>
-                  <a:srgbClr val="000000"/>
-                </a:solidFill>
-                <a:latin typeface="Montserrat"/>
-                <a:ea typeface="Montserrat"/>
-                <a:cs typeface="Montserrat"/>
-                <a:sym typeface="Montserrat"/>
-              </a:rPr>
-              <a:t>Methodology</a:t>
-            </a:r>
-            <a:endParaRPr sz="700" u="sng" dirty="0"/>
-          </a:p>
-        </p:txBody>
-      </p:sp>
-    </p:spTree>
-  </p:cSld>
-  <p:clrMapOvr>
-    <a:masterClrMapping/>
-  </p:clrMapOvr>
-</p:sld>
-</file>
-
-<file path=ppt/slides/slide6.xml><?xml version="1.0" encoding="utf-8"?>
-<p:sld xmlns:a="http://schemas.openxmlformats.org/drawingml/2006/main" xmlns:r="http://schemas.openxmlformats.org/officeDocument/2006/relationships" xmlns:p="http://schemas.openxmlformats.org/presentationml/2006/main">
-  <p:cSld>
-    <p:bg>
-      <p:bgPr>
-        <a:solidFill>
-          <a:srgbClr val="E5E2DD"/>
-        </a:solidFill>
-        <a:effectLst/>
-      </p:bgPr>
-    </p:bg>
-    <p:spTree>
-      <p:nvGrpSpPr>
-        <p:cNvPr id="1" name="Shape 241"/>
-        <p:cNvGrpSpPr/>
-        <p:nvPr/>
-      </p:nvGrpSpPr>
-      <p:grpSpPr>
-        <a:xfrm>
-          <a:off x="0" y="0"/>
-          <a:ext cx="0" cy="0"/>
-          <a:chOff x="0" y="0"/>
-          <a:chExt cx="0" cy="0"/>
-        </a:xfrm>
-      </p:grpSpPr>
-      <p:grpSp>
-        <p:nvGrpSpPr>
-          <p:cNvPr id="242" name="Google Shape;242;p28"/>
-          <p:cNvGrpSpPr/>
-          <p:nvPr/>
-        </p:nvGrpSpPr>
-        <p:grpSpPr>
-          <a:xfrm>
-            <a:off x="0" y="-235074"/>
-            <a:ext cx="4684348" cy="3744514"/>
-            <a:chOff x="0" y="-123825"/>
-            <a:chExt cx="2467475" cy="1972419"/>
-          </a:xfrm>
-        </p:grpSpPr>
-        <p:sp>
-          <p:nvSpPr>
-            <p:cNvPr id="243" name="Google Shape;243;p28"/>
-            <p:cNvSpPr/>
-            <p:nvPr/>
-          </p:nvSpPr>
-          <p:spPr>
-            <a:xfrm>
-              <a:off x="0" y="0"/>
-              <a:ext cx="2467475" cy="1848594"/>
-            </a:xfrm>
-            <a:custGeom>
-              <a:avLst/>
-              <a:gdLst/>
-              <a:ahLst/>
-              <a:cxnLst/>
-              <a:rect l="l" t="t" r="r" b="b"/>
-              <a:pathLst>
-                <a:path w="2467475" h="1848594" extrusionOk="0">
-                  <a:moveTo>
-                    <a:pt x="0" y="0"/>
-                  </a:moveTo>
-                  <a:lnTo>
-                    <a:pt x="2467475" y="0"/>
-                  </a:lnTo>
-                  <a:lnTo>
-                    <a:pt x="2467475" y="1848594"/>
-                  </a:lnTo>
-                  <a:lnTo>
-                    <a:pt x="0" y="1848594"/>
-                  </a:lnTo>
-                  <a:close/>
-                </a:path>
-              </a:pathLst>
-            </a:custGeom>
-            <a:solidFill>
-              <a:srgbClr val="6792B0"/>
-            </a:solidFill>
-            <a:ln>
-              <a:noFill/>
-            </a:ln>
-          </p:spPr>
-        </p:sp>
-        <p:sp>
-          <p:nvSpPr>
-            <p:cNvPr id="244" name="Google Shape;244;p28"/>
-            <p:cNvSpPr txBox="1"/>
-            <p:nvPr/>
-          </p:nvSpPr>
-          <p:spPr>
-            <a:xfrm>
-              <a:off x="0" y="-123825"/>
-              <a:ext cx="2467474" cy="1972419"/>
-            </a:xfrm>
-            <a:prstGeom prst="rect">
-              <a:avLst/>
-            </a:prstGeom>
-            <a:noFill/>
-            <a:ln>
-              <a:noFill/>
-            </a:ln>
-          </p:spPr>
-          <p:txBody>
-            <a:bodyPr spcFirstLastPara="1" wrap="square" lIns="25400" tIns="25400" rIns="25400" bIns="25400" anchor="ctr" anchorCtr="0">
-              <a:noAutofit/>
-            </a:bodyPr>
-            <a:lstStyle/>
-            <a:p>
-              <a:pPr marL="0" marR="0" lvl="0" indent="0" algn="ctr" rtl="0">
-                <a:lnSpc>
-                  <a:spcPct val="196777"/>
-                </a:lnSpc>
-                <a:spcBef>
-                  <a:spcPts val="0"/>
-                </a:spcBef>
-                <a:spcAft>
-                  <a:spcPts val="0"/>
-                </a:spcAft>
-                <a:buNone/>
-              </a:pPr>
-              <a:endParaRPr sz="900" b="0" i="0" u="none" strike="noStrike" cap="none">
-                <a:solidFill>
-                  <a:schemeClr val="dk1"/>
-                </a:solidFill>
-                <a:latin typeface="Calibri"/>
-                <a:ea typeface="Calibri"/>
-                <a:cs typeface="Calibri"/>
-                <a:sym typeface="Calibri"/>
-              </a:endParaRPr>
-            </a:p>
-          </p:txBody>
-        </p:sp>
-      </p:grpSp>
-      <p:pic>
-        <p:nvPicPr>
-          <p:cNvPr id="245" name="Google Shape;245;p28"/>
-          <p:cNvPicPr preferRelativeResize="0"/>
-          <p:nvPr/>
-        </p:nvPicPr>
-        <p:blipFill>
-          <a:blip r:embed="rId3">
-            <a:extLst>
-              <a:ext uri="{28A0092B-C50C-407E-A947-70E740481C1C}">
-                <a14:useLocalDpi xmlns:a14="http://schemas.microsoft.com/office/drawing/2010/main" val="0"/>
-              </a:ext>
-            </a:extLst>
-          </a:blip>
-          <a:stretch>
-            <a:fillRect/>
-          </a:stretch>
-        </p:blipFill>
-        <p:spPr>
-          <a:xfrm>
-            <a:off x="4684347" y="7088"/>
-            <a:ext cx="4459654" cy="1278398"/>
-          </a:xfrm>
-          <a:prstGeom prst="rect">
-            <a:avLst/>
-          </a:prstGeom>
-          <a:noFill/>
-          <a:ln>
-            <a:noFill/>
-          </a:ln>
-        </p:spPr>
-      </p:pic>
-      <p:pic>
-        <p:nvPicPr>
-          <p:cNvPr id="246" name="Google Shape;246;p28"/>
-          <p:cNvPicPr preferRelativeResize="0"/>
-          <p:nvPr/>
-        </p:nvPicPr>
-        <p:blipFill>
-          <a:blip r:embed="rId4">
-            <a:extLst>
-              <a:ext uri="{28A0092B-C50C-407E-A947-70E740481C1C}">
-                <a14:useLocalDpi xmlns:a14="http://schemas.microsoft.com/office/drawing/2010/main" val="0"/>
-              </a:ext>
-            </a:extLst>
-          </a:blip>
-          <a:stretch>
-            <a:fillRect/>
-          </a:stretch>
-        </p:blipFill>
-        <p:spPr>
-          <a:xfrm>
-            <a:off x="457275" y="1621736"/>
-            <a:ext cx="7271789" cy="3521764"/>
-          </a:xfrm>
-          <a:prstGeom prst="rect">
-            <a:avLst/>
-          </a:prstGeom>
-          <a:noFill/>
-          <a:ln>
-            <a:noFill/>
-          </a:ln>
-        </p:spPr>
-      </p:pic>
-      <p:sp>
-        <p:nvSpPr>
-          <p:cNvPr id="247" name="Google Shape;247;p28"/>
-          <p:cNvSpPr/>
-          <p:nvPr/>
-        </p:nvSpPr>
-        <p:spPr>
-          <a:xfrm>
-            <a:off x="400217" y="219132"/>
-            <a:ext cx="373792" cy="373792"/>
-          </a:xfrm>
-          <a:custGeom>
-            <a:avLst/>
-            <a:gdLst/>
-            <a:ahLst/>
-            <a:cxnLst/>
-            <a:rect l="l" t="t" r="r" b="b"/>
-            <a:pathLst>
-              <a:path w="747584" h="747584" extrusionOk="0">
-                <a:moveTo>
-                  <a:pt x="0" y="0"/>
-                </a:moveTo>
-                <a:lnTo>
-                  <a:pt x="747584" y="0"/>
-                </a:lnTo>
-                <a:lnTo>
-                  <a:pt x="747584" y="747584"/>
-                </a:lnTo>
-                <a:lnTo>
-                  <a:pt x="0" y="747584"/>
-                </a:lnTo>
-                <a:lnTo>
-                  <a:pt x="0" y="0"/>
-                </a:lnTo>
-                <a:close/>
-              </a:path>
-            </a:pathLst>
-          </a:custGeom>
-          <a:blipFill rotWithShape="1">
-            <a:blip r:embed="rId5">
-              <a:alphaModFix/>
-            </a:blip>
-            <a:stretch>
-              <a:fillRect/>
-            </a:stretch>
-          </a:blipFill>
-          <a:ln>
-            <a:noFill/>
-          </a:ln>
-        </p:spPr>
-      </p:sp>
-      <p:sp>
-        <p:nvSpPr>
-          <p:cNvPr id="248" name="Google Shape;248;p28"/>
-          <p:cNvSpPr txBox="1"/>
-          <p:nvPr/>
-        </p:nvSpPr>
-        <p:spPr>
-          <a:xfrm>
-            <a:off x="4974859" y="198221"/>
-            <a:ext cx="400217" cy="210777"/>
-          </a:xfrm>
-          <a:prstGeom prst="rect">
-            <a:avLst/>
-          </a:prstGeom>
-          <a:noFill/>
-          <a:ln>
-            <a:noFill/>
-          </a:ln>
-        </p:spPr>
-        <p:txBody>
-          <a:bodyPr spcFirstLastPara="1" wrap="square" lIns="0" tIns="0" rIns="0" bIns="0" anchor="t" anchorCtr="0">
-            <a:spAutoFit/>
-          </a:bodyPr>
-          <a:lstStyle/>
-          <a:p>
-            <a:pPr marL="0" marR="0" lvl="0" indent="0" algn="l" rtl="0">
-              <a:lnSpc>
-                <a:spcPct val="180071"/>
-              </a:lnSpc>
-              <a:spcBef>
-                <a:spcPts val="0"/>
-              </a:spcBef>
-              <a:spcAft>
-                <a:spcPts val="0"/>
-              </a:spcAft>
-              <a:buNone/>
-            </a:pPr>
-            <a:r>
-              <a:rPr lang="en" sz="1000" b="0" i="0" u="none" strike="noStrike" cap="none">
-                <a:solidFill>
-                  <a:srgbClr val="000000"/>
-                </a:solidFill>
-                <a:latin typeface="Nunito Sans"/>
-                <a:ea typeface="Nunito Sans"/>
-                <a:cs typeface="Nunito Sans"/>
-                <a:sym typeface="Nunito Sans"/>
-              </a:rPr>
-              <a:t>Home</a:t>
-            </a:r>
-            <a:endParaRPr sz="700"/>
-          </a:p>
-        </p:txBody>
-      </p:sp>
-      <p:sp>
-        <p:nvSpPr>
-          <p:cNvPr id="249" name="Google Shape;249;p28"/>
-          <p:cNvSpPr txBox="1"/>
-          <p:nvPr/>
-        </p:nvSpPr>
-        <p:spPr>
-          <a:xfrm>
-            <a:off x="5663431" y="198221"/>
-            <a:ext cx="400217" cy="210777"/>
-          </a:xfrm>
-          <a:prstGeom prst="rect">
-            <a:avLst/>
-          </a:prstGeom>
-          <a:noFill/>
-          <a:ln>
-            <a:noFill/>
-          </a:ln>
-        </p:spPr>
-        <p:txBody>
-          <a:bodyPr spcFirstLastPara="1" wrap="square" lIns="0" tIns="0" rIns="0" bIns="0" anchor="t" anchorCtr="0">
-            <a:spAutoFit/>
-          </a:bodyPr>
-          <a:lstStyle/>
-          <a:p>
-            <a:pPr marL="0" marR="0" lvl="0" indent="0" algn="l" rtl="0">
-              <a:lnSpc>
-                <a:spcPct val="180071"/>
-              </a:lnSpc>
-              <a:spcBef>
-                <a:spcPts val="0"/>
-              </a:spcBef>
-              <a:spcAft>
-                <a:spcPts val="0"/>
-              </a:spcAft>
-              <a:buNone/>
-            </a:pPr>
-            <a:r>
-              <a:rPr lang="en" sz="1000" b="0" i="0" u="none" strike="noStrike" cap="none">
-                <a:solidFill>
-                  <a:srgbClr val="000000"/>
-                </a:solidFill>
-                <a:latin typeface="Nunito Sans"/>
-                <a:ea typeface="Nunito Sans"/>
-                <a:cs typeface="Nunito Sans"/>
-                <a:sym typeface="Nunito Sans"/>
-              </a:rPr>
-              <a:t>About</a:t>
-            </a:r>
-            <a:endParaRPr sz="700"/>
-          </a:p>
-        </p:txBody>
-      </p:sp>
-      <p:sp>
-        <p:nvSpPr>
-          <p:cNvPr id="250" name="Google Shape;250;p28"/>
-          <p:cNvSpPr txBox="1"/>
-          <p:nvPr/>
-        </p:nvSpPr>
-        <p:spPr>
-          <a:xfrm>
-            <a:off x="6352004" y="198221"/>
-            <a:ext cx="555937" cy="276999"/>
-          </a:xfrm>
-          <a:prstGeom prst="rect">
-            <a:avLst/>
-          </a:prstGeom>
-          <a:noFill/>
-          <a:ln>
-            <a:noFill/>
-          </a:ln>
-        </p:spPr>
-        <p:txBody>
-          <a:bodyPr spcFirstLastPara="1" wrap="square" lIns="0" tIns="0" rIns="0" bIns="0" anchor="t" anchorCtr="0">
-            <a:spAutoFit/>
-          </a:bodyPr>
-          <a:lstStyle/>
-          <a:p>
-            <a:pPr marL="0" marR="0" lvl="0" indent="0" algn="l" rtl="0">
-              <a:lnSpc>
-                <a:spcPct val="180071"/>
-              </a:lnSpc>
-              <a:spcBef>
-                <a:spcPts val="0"/>
-              </a:spcBef>
-              <a:spcAft>
-                <a:spcPts val="0"/>
-              </a:spcAft>
-              <a:buNone/>
-            </a:pPr>
-            <a:r>
-              <a:rPr lang="en" sz="1000" b="1" dirty="0" smtClean="0">
-                <a:latin typeface="Nunito Sans"/>
-                <a:sym typeface="Nunito Sans"/>
-              </a:rPr>
-              <a:t>Hotels</a:t>
-            </a:r>
-            <a:endParaRPr sz="700" dirty="0"/>
-          </a:p>
-        </p:txBody>
-      </p:sp>
-      <p:sp>
-        <p:nvSpPr>
-          <p:cNvPr id="251" name="Google Shape;251;p28"/>
-          <p:cNvSpPr txBox="1"/>
-          <p:nvPr/>
-        </p:nvSpPr>
-        <p:spPr>
-          <a:xfrm>
-            <a:off x="7196296" y="198221"/>
-            <a:ext cx="532768" cy="276999"/>
-          </a:xfrm>
-          <a:prstGeom prst="rect">
-            <a:avLst/>
-          </a:prstGeom>
-          <a:noFill/>
-          <a:ln>
-            <a:noFill/>
-          </a:ln>
-        </p:spPr>
-        <p:txBody>
-          <a:bodyPr spcFirstLastPara="1" wrap="square" lIns="0" tIns="0" rIns="0" bIns="0" anchor="t" anchorCtr="0">
-            <a:spAutoFit/>
-          </a:bodyPr>
-          <a:lstStyle/>
-          <a:p>
-            <a:pPr marL="0" marR="0" lvl="0" indent="0" algn="l" rtl="0">
-              <a:lnSpc>
-                <a:spcPct val="180071"/>
-              </a:lnSpc>
-              <a:spcBef>
-                <a:spcPts val="0"/>
-              </a:spcBef>
-              <a:spcAft>
-                <a:spcPts val="0"/>
-              </a:spcAft>
-              <a:buNone/>
-            </a:pPr>
-            <a:r>
-              <a:rPr lang="en" sz="1000" dirty="0" smtClean="0">
-                <a:latin typeface="Nunito Sans"/>
-                <a:sym typeface="Nunito Sans"/>
-              </a:rPr>
-              <a:t>Rooms</a:t>
-            </a:r>
-            <a:endParaRPr sz="700" dirty="0"/>
-          </a:p>
-        </p:txBody>
-      </p:sp>
-      <p:sp>
-        <p:nvSpPr>
-          <p:cNvPr id="252" name="Google Shape;252;p28"/>
-          <p:cNvSpPr txBox="1"/>
-          <p:nvPr/>
-        </p:nvSpPr>
-        <p:spPr>
-          <a:xfrm>
-            <a:off x="8017420" y="198221"/>
-            <a:ext cx="463262" cy="207807"/>
-          </a:xfrm>
-          <a:prstGeom prst="rect">
-            <a:avLst/>
-          </a:prstGeom>
-          <a:noFill/>
-          <a:ln>
-            <a:noFill/>
-          </a:ln>
-        </p:spPr>
-        <p:txBody>
-          <a:bodyPr spcFirstLastPara="1" wrap="square" lIns="0" tIns="0" rIns="0" bIns="0" anchor="t" anchorCtr="0">
-            <a:spAutoFit/>
-          </a:bodyPr>
-          <a:lstStyle/>
-          <a:p>
-            <a:pPr marL="0" marR="0" lvl="0" indent="0" algn="l" rtl="0">
-              <a:lnSpc>
-                <a:spcPct val="180071"/>
-              </a:lnSpc>
-              <a:spcBef>
-                <a:spcPts val="0"/>
-              </a:spcBef>
-              <a:spcAft>
-                <a:spcPts val="0"/>
-              </a:spcAft>
-              <a:buNone/>
-            </a:pPr>
-            <a:r>
-              <a:rPr lang="en" sz="1000" b="0" i="0" u="none" strike="noStrike" cap="none">
-                <a:solidFill>
-                  <a:srgbClr val="000000"/>
-                </a:solidFill>
-                <a:latin typeface="Nunito Sans"/>
-                <a:ea typeface="Nunito Sans"/>
-                <a:cs typeface="Nunito Sans"/>
-                <a:sym typeface="Nunito Sans"/>
-              </a:rPr>
-              <a:t>Contact</a:t>
-            </a:r>
-            <a:endParaRPr sz="700"/>
-          </a:p>
-        </p:txBody>
-      </p:sp>
-      <p:sp>
-        <p:nvSpPr>
-          <p:cNvPr id="253" name="Google Shape;253;p28"/>
-          <p:cNvSpPr txBox="1"/>
-          <p:nvPr/>
-        </p:nvSpPr>
-        <p:spPr>
-          <a:xfrm>
-            <a:off x="897749" y="255375"/>
-            <a:ext cx="2541226" cy="221599"/>
-          </a:xfrm>
-          <a:prstGeom prst="rect">
-            <a:avLst/>
-          </a:prstGeom>
-          <a:noFill/>
-          <a:ln>
-            <a:noFill/>
-          </a:ln>
-        </p:spPr>
-        <p:txBody>
-          <a:bodyPr spcFirstLastPara="1" wrap="square" lIns="0" tIns="0" rIns="0" bIns="0" anchor="t" anchorCtr="0">
-            <a:spAutoFit/>
-          </a:bodyPr>
-          <a:lstStyle/>
-          <a:p>
-            <a:pPr marL="0" marR="0" lvl="0" indent="0" algn="l" rtl="0">
-              <a:lnSpc>
-                <a:spcPct val="120020"/>
-              </a:lnSpc>
-              <a:spcBef>
-                <a:spcPts val="0"/>
-              </a:spcBef>
-              <a:spcAft>
-                <a:spcPts val="0"/>
-              </a:spcAft>
-              <a:buNone/>
-            </a:pPr>
-            <a:r>
-              <a:rPr lang="en" sz="1200" b="1" dirty="0" smtClean="0">
-                <a:latin typeface="Montserrat"/>
-                <a:sym typeface="Montserrat"/>
-              </a:rPr>
-              <a:t>Hamro Booking Sewa</a:t>
-            </a:r>
-            <a:endParaRPr sz="500" dirty="0"/>
-          </a:p>
-        </p:txBody>
-      </p:sp>
-      <p:sp>
-        <p:nvSpPr>
-          <p:cNvPr id="254" name="Google Shape;254;p28"/>
-          <p:cNvSpPr txBox="1"/>
-          <p:nvPr/>
-        </p:nvSpPr>
-        <p:spPr>
-          <a:xfrm>
-            <a:off x="457275" y="846139"/>
-            <a:ext cx="3712725" cy="775597"/>
-          </a:xfrm>
-          <a:prstGeom prst="rect">
-            <a:avLst/>
-          </a:prstGeom>
-          <a:noFill/>
-          <a:ln>
-            <a:noFill/>
-          </a:ln>
-        </p:spPr>
-        <p:txBody>
-          <a:bodyPr spcFirstLastPara="1" wrap="square" lIns="0" tIns="0" rIns="0" bIns="0" anchor="t" anchorCtr="0">
-            <a:spAutoFit/>
-          </a:bodyPr>
-          <a:lstStyle/>
-          <a:p>
-            <a:pPr marL="0" marR="0" lvl="0" indent="0" algn="l" rtl="0">
-              <a:lnSpc>
-                <a:spcPct val="120000"/>
-              </a:lnSpc>
-              <a:spcBef>
-                <a:spcPts val="0"/>
-              </a:spcBef>
-              <a:spcAft>
-                <a:spcPts val="0"/>
-              </a:spcAft>
-              <a:buNone/>
-            </a:pPr>
-            <a:r>
-              <a:rPr lang="en" sz="4200" b="1" u="sng" dirty="0" smtClean="0">
-                <a:latin typeface="Montserrat"/>
-                <a:sym typeface="Montserrat"/>
-              </a:rPr>
-              <a:t>Gantt Chart</a:t>
-            </a:r>
-            <a:endParaRPr sz="700" u="sng" dirty="0"/>
-          </a:p>
-        </p:txBody>
-      </p:sp>
-    </p:spTree>
-  </p:cSld>
-  <p:clrMapOvr>
-    <a:masterClrMapping/>
-  </p:clrMapOvr>
-</p:sld>
-</file>
-
-<file path=ppt/slides/slide7.xml><?xml version="1.0" encoding="utf-8"?>
 <p:sld xmlns:a="http://schemas.openxmlformats.org/drawingml/2006/main" xmlns:r="http://schemas.openxmlformats.org/officeDocument/2006/relationships" xmlns:p="http://schemas.openxmlformats.org/presentationml/2006/main">
   <p:cSld>
     <p:bg>
@@ -21451,7 +20200,7 @@
               <a:buNone/>
             </a:pPr>
             <a:r>
-              <a:rPr lang="en" sz="1000" b="1" dirty="0" smtClean="0">
+              <a:rPr lang="en" sz="1000" dirty="0" smtClean="0">
                 <a:latin typeface="Nunito Sans"/>
                 <a:sym typeface="Nunito Sans"/>
               </a:rPr>
@@ -21470,7 +20219,7 @@
         <p:spPr>
           <a:xfrm>
             <a:off x="8017420" y="198221"/>
-            <a:ext cx="463262" cy="207807"/>
+            <a:ext cx="555080" cy="276999"/>
           </a:xfrm>
           <a:prstGeom prst="rect">
             <a:avLst/>
@@ -21499,7 +20248,7 @@
               <a:buNone/>
             </a:pPr>
             <a:r>
-              <a:rPr lang="en" sz="1000" b="0" i="0" u="none" strike="noStrike" cap="none">
+              <a:rPr lang="en" sz="1000" b="1" i="0" u="none" strike="noStrike" cap="none" dirty="0">
                 <a:solidFill>
                   <a:srgbClr val="000000"/>
                 </a:solidFill>
@@ -21510,7 +20259,7 @@
               </a:rPr>
               <a:t>Contact</a:t>
             </a:r>
-            <a:endParaRPr sz="700"/>
+            <a:endParaRPr sz="700" b="1" dirty="0"/>
           </a:p>
         </p:txBody>
       </p:sp>
@@ -21570,7 +20319,7 @@
         </p:nvSpPr>
         <p:spPr>
           <a:xfrm>
-            <a:off x="75488" y="644505"/>
+            <a:off x="123147" y="532517"/>
             <a:ext cx="3543300" cy="743280"/>
           </a:xfrm>
           <a:prstGeom prst="rect">
@@ -21609,7 +20358,7 @@
                 <a:cs typeface="Montserrat"/>
                 <a:sym typeface="Montserrat"/>
               </a:rPr>
-              <a:t>Deliverables</a:t>
+              <a:t>Bottlenecks</a:t>
             </a:r>
             <a:endParaRPr sz="4200" b="1" u="sng" dirty="0">
               <a:solidFill>
@@ -21631,8 +20380,8 @@
         </p:nvSpPr>
         <p:spPr>
           <a:xfrm>
-            <a:off x="4808887" y="644505"/>
-            <a:ext cx="4323920" cy="886397"/>
+            <a:off x="5034336" y="729966"/>
+            <a:ext cx="4323920" cy="664797"/>
           </a:xfrm>
           <a:prstGeom prst="rect">
             <a:avLst/>
@@ -21654,60 +20403,15 @@
               </a:lnSpc>
             </a:pPr>
             <a:r>
-              <a:rPr lang="en-US" sz="1600" b="1" dirty="0">
+              <a:rPr lang="en-US" sz="2400" b="1" dirty="0">
                 <a:solidFill>
                   <a:schemeClr val="tx1"/>
                 </a:solidFill>
                 <a:latin typeface="Nunito Sans" panose="020B0604020202020204" charset="0"/>
               </a:rPr>
-              <a:t>Find hotels based on price </a:t>
+              <a:t>API integration</a:t>
             </a:r>
-            <a:r>
-              <a:rPr lang="en-US" sz="1600" b="1" dirty="0" smtClean="0">
-                <a:solidFill>
-                  <a:schemeClr val="tx1"/>
-                </a:solidFill>
-                <a:latin typeface="Nunito Sans" panose="020B0604020202020204" charset="0"/>
-              </a:rPr>
-              <a:t>range</a:t>
-            </a:r>
-            <a:r>
-              <a:rPr lang="en-US" sz="1600" b="1" dirty="0">
-                <a:solidFill>
-                  <a:schemeClr val="tx1"/>
-                </a:solidFill>
-                <a:latin typeface="Nunito Sans" panose="020B0604020202020204" charset="0"/>
-              </a:rPr>
-              <a:t> </a:t>
-            </a:r>
-            <a:r>
-              <a:rPr lang="en-US" sz="1600" b="1" dirty="0" smtClean="0">
-                <a:solidFill>
-                  <a:schemeClr val="tx1"/>
-                </a:solidFill>
-                <a:latin typeface="Nunito Sans" panose="020B0604020202020204" charset="0"/>
-              </a:rPr>
-              <a:t>&amp; </a:t>
-            </a:r>
-            <a:r>
-              <a:rPr lang="en-US" sz="1600" b="1" dirty="0">
-                <a:solidFill>
-                  <a:schemeClr val="tx1"/>
-                </a:solidFill>
-                <a:latin typeface="Nunito Sans" panose="020B0604020202020204" charset="0"/>
-              </a:rPr>
-              <a:t>amenities, streamlining the booking process</a:t>
-            </a:r>
-            <a:r>
-              <a:rPr lang="en-US" sz="1600" b="1" dirty="0" smtClean="0">
-                <a:solidFill>
-                  <a:schemeClr val="tx1"/>
-                </a:solidFill>
-                <a:latin typeface="Nunito Sans" panose="020B0604020202020204" charset="0"/>
-              </a:rPr>
-              <a:t>.</a:t>
-            </a:r>
-            <a:endParaRPr sz="1100" b="1" dirty="0">
+            <a:endParaRPr sz="2400" b="1" dirty="0">
               <a:solidFill>
                 <a:schemeClr val="tx1"/>
               </a:solidFill>
@@ -21724,7 +20428,7 @@
         </p:nvSpPr>
         <p:spPr>
           <a:xfrm>
-            <a:off x="3769765" y="637526"/>
+            <a:off x="3769765" y="694240"/>
             <a:ext cx="948639" cy="757237"/>
           </a:xfrm>
           <a:prstGeom prst="rect">
@@ -21777,7 +20481,7 @@
         </p:nvSpPr>
         <p:spPr>
           <a:xfrm>
-            <a:off x="4808887" y="1928515"/>
+            <a:off x="5085889" y="1928515"/>
             <a:ext cx="4220813" cy="1606594"/>
           </a:xfrm>
           <a:prstGeom prst="rect">
@@ -21800,65 +20504,41 @@
               </a:lnSpc>
             </a:pPr>
             <a:r>
-              <a:rPr lang="en-GB" sz="1600" b="1" dirty="0" smtClean="0">
+              <a:rPr lang="en-US" sz="2400" b="1" dirty="0" smtClean="0">
                 <a:solidFill>
                   <a:schemeClr val="tx1"/>
                 </a:solidFill>
                 <a:latin typeface="Nunito Sans" panose="020B0604020202020204" charset="0"/>
               </a:rPr>
-              <a:t>Access </a:t>
+              <a:t>Fetching </a:t>
             </a:r>
             <a:r>
-              <a:rPr lang="en-GB" sz="1600" b="1" dirty="0">
+              <a:rPr lang="en-US" sz="2400" b="1" dirty="0">
                 <a:solidFill>
                   <a:schemeClr val="tx1"/>
                 </a:solidFill>
                 <a:latin typeface="Nunito Sans" panose="020B0604020202020204" charset="0"/>
               </a:rPr>
-              <a:t>to reviews and ratings </a:t>
+              <a:t>pictures in </a:t>
             </a:r>
             <a:r>
-              <a:rPr lang="en-GB" sz="1600" b="1" dirty="0" smtClean="0">
+              <a:rPr lang="en-US" sz="2400" b="1" dirty="0" err="1">
                 <a:solidFill>
                   <a:schemeClr val="tx1"/>
                 </a:solidFill>
                 <a:latin typeface="Nunito Sans" panose="020B0604020202020204" charset="0"/>
               </a:rPr>
-              <a:t>from guests</a:t>
+              <a:t>JSon</a:t>
             </a:r>
             <a:r>
-              <a:rPr lang="en-GB" sz="1600" b="1" dirty="0">
+              <a:rPr lang="en-US" sz="2400" b="1" dirty="0">
                 <a:solidFill>
                   <a:schemeClr val="tx1"/>
                 </a:solidFill>
                 <a:latin typeface="Nunito Sans" panose="020B0604020202020204" charset="0"/>
               </a:rPr>
-              <a:t>, offering insights into </a:t>
+              <a:t> format</a:t>
             </a:r>
-            <a:r>
-              <a:rPr lang="en-GB" sz="1600" b="1" dirty="0" smtClean="0">
-                <a:solidFill>
-                  <a:schemeClr val="tx1"/>
-                </a:solidFill>
-                <a:latin typeface="Nunito Sans" panose="020B0604020202020204" charset="0"/>
-              </a:rPr>
-              <a:t>overall </a:t>
-            </a:r>
-            <a:r>
-              <a:rPr lang="en-GB" sz="1600" b="1" dirty="0">
-                <a:solidFill>
-                  <a:schemeClr val="tx1"/>
-                </a:solidFill>
-                <a:latin typeface="Nunito Sans" panose="020B0604020202020204" charset="0"/>
-              </a:rPr>
-              <a:t>experience, aiding in decision-making.</a:t>
-            </a:r>
-            <a:endParaRPr lang="en-US" sz="1600" b="1" dirty="0">
-              <a:solidFill>
-                <a:schemeClr val="tx1"/>
-              </a:solidFill>
-              <a:latin typeface="Nunito Sans" panose="020B0604020202020204" charset="0"/>
-            </a:endParaRPr>
           </a:p>
           <a:p>
             <a:pPr marL="0" marR="0" lvl="0" indent="0" rtl="0">
@@ -21902,7 +20582,7 @@
         </p:nvSpPr>
         <p:spPr>
           <a:xfrm>
-            <a:off x="3774523" y="1928515"/>
+            <a:off x="3769765" y="2054584"/>
             <a:ext cx="1034364" cy="757238"/>
           </a:xfrm>
           <a:prstGeom prst="rect">
@@ -21955,8 +20635,8 @@
         </p:nvSpPr>
         <p:spPr>
           <a:xfrm>
-            <a:off x="4851750" y="3747528"/>
-            <a:ext cx="4281057" cy="886397"/>
+            <a:off x="5137190" y="3653088"/>
+            <a:ext cx="4281057" cy="1329595"/>
           </a:xfrm>
           <a:prstGeom prst="rect">
             <a:avLst/>
@@ -21978,43 +20658,25 @@
               </a:lnSpc>
             </a:pPr>
             <a:r>
-              <a:rPr lang="en-US" sz="1600" b="1" dirty="0" smtClean="0">
-                <a:solidFill>
-                  <a:schemeClr val="tx1"/>
-                </a:solidFill>
-                <a:latin typeface="Nunito Sans" panose="020B0604020202020204" charset="0"/>
+              <a:rPr lang="en-US" sz="2400" b="1" dirty="0" smtClean="0">
+                <a:latin typeface="Nunito Sans"/>
+                <a:ea typeface="Nunito Sans"/>
+                <a:cs typeface="Nunito Sans"/>
+                <a:sym typeface="Nunito Sans"/>
               </a:rPr>
-              <a:t>Access </a:t>
+              <a:t>Manipulation </a:t>
             </a:r>
             <a:r>
-              <a:rPr lang="en-US" sz="1600" b="1" dirty="0">
-                <a:solidFill>
-                  <a:schemeClr val="tx1"/>
-                </a:solidFill>
-                <a:latin typeface="Nunito Sans" panose="020B0604020202020204" charset="0"/>
+              <a:rPr lang="en-US" sz="2400" b="1" dirty="0">
+                <a:latin typeface="Nunito Sans"/>
+                <a:ea typeface="Nunito Sans"/>
+                <a:cs typeface="Nunito Sans"/>
+                <a:sym typeface="Nunito Sans"/>
               </a:rPr>
-              <a:t>to reliable customer support for assistance with bookings, </a:t>
+              <a:t>of multiple pictures</a:t>
             </a:r>
             <a:r>
-              <a:rPr lang="en-US" sz="1600" b="1" dirty="0" smtClean="0">
-                <a:solidFill>
-                  <a:schemeClr val="tx1"/>
-                </a:solidFill>
-                <a:latin typeface="Nunito Sans" panose="020B0604020202020204" charset="0"/>
-              </a:rPr>
-              <a:t>and </a:t>
-            </a:r>
-            <a:r>
-              <a:rPr lang="en-US" sz="1600" b="1" dirty="0">
-                <a:solidFill>
-                  <a:schemeClr val="tx1"/>
-                </a:solidFill>
-                <a:latin typeface="Nunito Sans" panose="020B0604020202020204" charset="0"/>
-              </a:rPr>
-              <a:t>queries</a:t>
-            </a:r>
-            <a:r>
-              <a:rPr lang="en" sz="1600" b="0" i="0" u="none" strike="noStrike" cap="none" dirty="0" smtClean="0">
+              <a:rPr lang="en" sz="2400" b="1" i="0" u="none" strike="noStrike" cap="none" dirty="0" smtClean="0">
                 <a:solidFill>
                   <a:srgbClr val="000000"/>
                 </a:solidFill>
@@ -22023,9 +20685,9 @@
                 <a:cs typeface="Nunito Sans"/>
                 <a:sym typeface="Nunito Sans"/>
               </a:rPr>
-              <a:t>. </a:t>
+              <a:t> </a:t>
             </a:r>
-            <a:endParaRPr sz="1100" dirty="0"/>
+            <a:endParaRPr sz="1600" b="1" dirty="0"/>
           </a:p>
         </p:txBody>
       </p:sp>
@@ -22090,7 +20752,566 @@
 </p:sld>
 </file>
 
-<file path=ppt/slides/slide8.xml><?xml version="1.0" encoding="utf-8"?>
+<file path=ppt/slides/slide6.xml><?xml version="1.0" encoding="utf-8"?>
+<p:sld xmlns:a="http://schemas.openxmlformats.org/drawingml/2006/main" xmlns:r="http://schemas.openxmlformats.org/officeDocument/2006/relationships" xmlns:p="http://schemas.openxmlformats.org/presentationml/2006/main">
+  <p:cSld>
+    <p:bg>
+      <p:bgPr>
+        <a:solidFill>
+          <a:srgbClr val="E5E2DD"/>
+        </a:solidFill>
+        <a:effectLst/>
+      </p:bgPr>
+    </p:bg>
+    <p:spTree>
+      <p:nvGrpSpPr>
+        <p:cNvPr id="1" name="Shape 259"/>
+        <p:cNvGrpSpPr/>
+        <p:nvPr/>
+      </p:nvGrpSpPr>
+      <p:grpSpPr>
+        <a:xfrm>
+          <a:off x="0" y="0"/>
+          <a:ext cx="0" cy="0"/>
+          <a:chOff x="0" y="0"/>
+          <a:chExt cx="0" cy="0"/>
+        </a:xfrm>
+      </p:grpSpPr>
+      <p:pic>
+        <p:nvPicPr>
+          <p:cNvPr id="260" name="Google Shape;260;p29"/>
+          <p:cNvPicPr preferRelativeResize="0"/>
+          <p:nvPr/>
+        </p:nvPicPr>
+        <p:blipFill>
+          <a:blip r:embed="rId3">
+            <a:extLst>
+              <a:ext uri="{28A0092B-C50C-407E-A947-70E740481C1C}">
+                <a14:useLocalDpi xmlns:a14="http://schemas.microsoft.com/office/drawing/2010/main" val="0"/>
+              </a:ext>
+            </a:extLst>
+          </a:blip>
+          <a:stretch>
+            <a:fillRect/>
+          </a:stretch>
+        </p:blipFill>
+        <p:spPr>
+          <a:xfrm>
+            <a:off x="7040881" y="1530526"/>
+            <a:ext cx="1835782" cy="1384124"/>
+          </a:xfrm>
+          <a:prstGeom prst="rect">
+            <a:avLst/>
+          </a:prstGeom>
+          <a:noFill/>
+          <a:ln>
+            <a:noFill/>
+          </a:ln>
+        </p:spPr>
+      </p:pic>
+      <p:pic>
+        <p:nvPicPr>
+          <p:cNvPr id="262" name="Google Shape;262;p29"/>
+          <p:cNvPicPr preferRelativeResize="0"/>
+          <p:nvPr/>
+        </p:nvPicPr>
+        <p:blipFill>
+          <a:blip r:embed="rId4">
+            <a:extLst>
+              <a:ext uri="{28A0092B-C50C-407E-A947-70E740481C1C}">
+                <a14:useLocalDpi xmlns:a14="http://schemas.microsoft.com/office/drawing/2010/main" val="0"/>
+              </a:ext>
+            </a:extLst>
+          </a:blip>
+          <a:stretch>
+            <a:fillRect/>
+          </a:stretch>
+        </p:blipFill>
+        <p:spPr>
+          <a:xfrm>
+            <a:off x="7040881" y="3326130"/>
+            <a:ext cx="1890548" cy="1399904"/>
+          </a:xfrm>
+          <a:prstGeom prst="rect">
+            <a:avLst/>
+          </a:prstGeom>
+          <a:noFill/>
+          <a:ln>
+            <a:noFill/>
+          </a:ln>
+        </p:spPr>
+      </p:pic>
+      <p:sp>
+        <p:nvSpPr>
+          <p:cNvPr id="263" name="Google Shape;263;p29"/>
+          <p:cNvSpPr/>
+          <p:nvPr/>
+        </p:nvSpPr>
+        <p:spPr>
+          <a:xfrm>
+            <a:off x="400217" y="219132"/>
+            <a:ext cx="373792" cy="373792"/>
+          </a:xfrm>
+          <a:custGeom>
+            <a:avLst/>
+            <a:gdLst/>
+            <a:ahLst/>
+            <a:cxnLst/>
+            <a:rect l="l" t="t" r="r" b="b"/>
+            <a:pathLst>
+              <a:path w="747584" h="747584" extrusionOk="0">
+                <a:moveTo>
+                  <a:pt x="0" y="0"/>
+                </a:moveTo>
+                <a:lnTo>
+                  <a:pt x="747584" y="0"/>
+                </a:lnTo>
+                <a:lnTo>
+                  <a:pt x="747584" y="747584"/>
+                </a:lnTo>
+                <a:lnTo>
+                  <a:pt x="0" y="747584"/>
+                </a:lnTo>
+                <a:lnTo>
+                  <a:pt x="0" y="0"/>
+                </a:lnTo>
+                <a:close/>
+              </a:path>
+            </a:pathLst>
+          </a:custGeom>
+          <a:blipFill rotWithShape="1">
+            <a:blip r:embed="rId5">
+              <a:alphaModFix/>
+            </a:blip>
+            <a:stretch>
+              <a:fillRect/>
+            </a:stretch>
+          </a:blipFill>
+          <a:ln>
+            <a:noFill/>
+          </a:ln>
+        </p:spPr>
+      </p:sp>
+      <p:sp>
+        <p:nvSpPr>
+          <p:cNvPr id="282" name="Google Shape;282;p29"/>
+          <p:cNvSpPr txBox="1"/>
+          <p:nvPr/>
+        </p:nvSpPr>
+        <p:spPr>
+          <a:xfrm>
+            <a:off x="4974859" y="198221"/>
+            <a:ext cx="400217" cy="210777"/>
+          </a:xfrm>
+          <a:prstGeom prst="rect">
+            <a:avLst/>
+          </a:prstGeom>
+          <a:noFill/>
+          <a:ln>
+            <a:noFill/>
+          </a:ln>
+        </p:spPr>
+        <p:txBody>
+          <a:bodyPr spcFirstLastPara="1" wrap="square" lIns="0" tIns="0" rIns="0" bIns="0" anchor="t" anchorCtr="0">
+            <a:spAutoFit/>
+          </a:bodyPr>
+          <a:lstStyle/>
+          <a:p>
+            <a:pPr marL="0" marR="0" lvl="0" indent="0" algn="l" rtl="0">
+              <a:lnSpc>
+                <a:spcPct val="180071"/>
+              </a:lnSpc>
+              <a:spcBef>
+                <a:spcPts val="0"/>
+              </a:spcBef>
+              <a:spcAft>
+                <a:spcPts val="0"/>
+              </a:spcAft>
+              <a:buNone/>
+            </a:pPr>
+            <a:r>
+              <a:rPr lang="en" sz="1000" b="0" i="0" u="none" strike="noStrike" cap="none">
+                <a:solidFill>
+                  <a:srgbClr val="000000"/>
+                </a:solidFill>
+                <a:latin typeface="Nunito Sans"/>
+                <a:ea typeface="Nunito Sans"/>
+                <a:cs typeface="Nunito Sans"/>
+                <a:sym typeface="Nunito Sans"/>
+              </a:rPr>
+              <a:t>Home</a:t>
+            </a:r>
+            <a:endParaRPr sz="700"/>
+          </a:p>
+        </p:txBody>
+      </p:sp>
+      <p:sp>
+        <p:nvSpPr>
+          <p:cNvPr id="283" name="Google Shape;283;p29"/>
+          <p:cNvSpPr txBox="1"/>
+          <p:nvPr/>
+        </p:nvSpPr>
+        <p:spPr>
+          <a:xfrm>
+            <a:off x="5663431" y="198221"/>
+            <a:ext cx="400217" cy="210777"/>
+          </a:xfrm>
+          <a:prstGeom prst="rect">
+            <a:avLst/>
+          </a:prstGeom>
+          <a:noFill/>
+          <a:ln>
+            <a:noFill/>
+          </a:ln>
+        </p:spPr>
+        <p:txBody>
+          <a:bodyPr spcFirstLastPara="1" wrap="square" lIns="0" tIns="0" rIns="0" bIns="0" anchor="t" anchorCtr="0">
+            <a:spAutoFit/>
+          </a:bodyPr>
+          <a:lstStyle/>
+          <a:p>
+            <a:pPr marL="0" marR="0" lvl="0" indent="0" algn="l" rtl="0">
+              <a:lnSpc>
+                <a:spcPct val="180071"/>
+              </a:lnSpc>
+              <a:spcBef>
+                <a:spcPts val="0"/>
+              </a:spcBef>
+              <a:spcAft>
+                <a:spcPts val="0"/>
+              </a:spcAft>
+              <a:buNone/>
+            </a:pPr>
+            <a:r>
+              <a:rPr lang="en" sz="1000" b="0" i="0" u="none" strike="noStrike" cap="none">
+                <a:solidFill>
+                  <a:srgbClr val="000000"/>
+                </a:solidFill>
+                <a:latin typeface="Nunito Sans"/>
+                <a:ea typeface="Nunito Sans"/>
+                <a:cs typeface="Nunito Sans"/>
+                <a:sym typeface="Nunito Sans"/>
+              </a:rPr>
+              <a:t>About</a:t>
+            </a:r>
+            <a:endParaRPr sz="700"/>
+          </a:p>
+        </p:txBody>
+      </p:sp>
+      <p:sp>
+        <p:nvSpPr>
+          <p:cNvPr id="284" name="Google Shape;284;p29"/>
+          <p:cNvSpPr txBox="1"/>
+          <p:nvPr/>
+        </p:nvSpPr>
+        <p:spPr>
+          <a:xfrm>
+            <a:off x="6352004" y="198221"/>
+            <a:ext cx="555937" cy="276999"/>
+          </a:xfrm>
+          <a:prstGeom prst="rect">
+            <a:avLst/>
+          </a:prstGeom>
+          <a:noFill/>
+          <a:ln>
+            <a:noFill/>
+          </a:ln>
+        </p:spPr>
+        <p:txBody>
+          <a:bodyPr spcFirstLastPara="1" wrap="square" lIns="0" tIns="0" rIns="0" bIns="0" anchor="t" anchorCtr="0">
+            <a:spAutoFit/>
+          </a:bodyPr>
+          <a:lstStyle/>
+          <a:p>
+            <a:pPr marL="0" marR="0" lvl="0" indent="0" algn="l" rtl="0">
+              <a:lnSpc>
+                <a:spcPct val="180071"/>
+              </a:lnSpc>
+              <a:spcBef>
+                <a:spcPts val="0"/>
+              </a:spcBef>
+              <a:spcAft>
+                <a:spcPts val="0"/>
+              </a:spcAft>
+              <a:buNone/>
+            </a:pPr>
+            <a:r>
+              <a:rPr lang="en" sz="1000" b="1" dirty="0" smtClean="0">
+                <a:latin typeface="Nunito Sans"/>
+                <a:sym typeface="Nunito Sans"/>
+              </a:rPr>
+              <a:t>Hotels</a:t>
+            </a:r>
+            <a:endParaRPr sz="700" dirty="0"/>
+          </a:p>
+        </p:txBody>
+      </p:sp>
+      <p:sp>
+        <p:nvSpPr>
+          <p:cNvPr id="285" name="Google Shape;285;p29"/>
+          <p:cNvSpPr txBox="1"/>
+          <p:nvPr/>
+        </p:nvSpPr>
+        <p:spPr>
+          <a:xfrm>
+            <a:off x="7196296" y="198221"/>
+            <a:ext cx="532768" cy="276999"/>
+          </a:xfrm>
+          <a:prstGeom prst="rect">
+            <a:avLst/>
+          </a:prstGeom>
+          <a:noFill/>
+          <a:ln>
+            <a:noFill/>
+          </a:ln>
+        </p:spPr>
+        <p:txBody>
+          <a:bodyPr spcFirstLastPara="1" wrap="square" lIns="0" tIns="0" rIns="0" bIns="0" anchor="t" anchorCtr="0">
+            <a:spAutoFit/>
+          </a:bodyPr>
+          <a:lstStyle/>
+          <a:p>
+            <a:pPr marL="0" marR="0" lvl="0" indent="0" algn="l" rtl="0">
+              <a:lnSpc>
+                <a:spcPct val="180071"/>
+              </a:lnSpc>
+              <a:spcBef>
+                <a:spcPts val="0"/>
+              </a:spcBef>
+              <a:spcAft>
+                <a:spcPts val="0"/>
+              </a:spcAft>
+              <a:buNone/>
+            </a:pPr>
+            <a:r>
+              <a:rPr lang="en" sz="1000" dirty="0" smtClean="0">
+                <a:latin typeface="Nunito Sans"/>
+                <a:sym typeface="Nunito Sans"/>
+              </a:rPr>
+              <a:t>Rooms</a:t>
+            </a:r>
+            <a:endParaRPr sz="700" dirty="0"/>
+          </a:p>
+        </p:txBody>
+      </p:sp>
+      <p:sp>
+        <p:nvSpPr>
+          <p:cNvPr id="286" name="Google Shape;286;p29"/>
+          <p:cNvSpPr txBox="1"/>
+          <p:nvPr/>
+        </p:nvSpPr>
+        <p:spPr>
+          <a:xfrm>
+            <a:off x="8017420" y="198221"/>
+            <a:ext cx="463262" cy="207807"/>
+          </a:xfrm>
+          <a:prstGeom prst="rect">
+            <a:avLst/>
+          </a:prstGeom>
+          <a:noFill/>
+          <a:ln>
+            <a:noFill/>
+          </a:ln>
+        </p:spPr>
+        <p:txBody>
+          <a:bodyPr spcFirstLastPara="1" wrap="square" lIns="0" tIns="0" rIns="0" bIns="0" anchor="t" anchorCtr="0">
+            <a:spAutoFit/>
+          </a:bodyPr>
+          <a:lstStyle/>
+          <a:p>
+            <a:pPr marL="0" marR="0" lvl="0" indent="0" algn="l" rtl="0">
+              <a:lnSpc>
+                <a:spcPct val="180071"/>
+              </a:lnSpc>
+              <a:spcBef>
+                <a:spcPts val="0"/>
+              </a:spcBef>
+              <a:spcAft>
+                <a:spcPts val="0"/>
+              </a:spcAft>
+              <a:buNone/>
+            </a:pPr>
+            <a:r>
+              <a:rPr lang="en" sz="1000" b="0" i="0" u="none" strike="noStrike" cap="none">
+                <a:solidFill>
+                  <a:srgbClr val="000000"/>
+                </a:solidFill>
+                <a:latin typeface="Nunito Sans"/>
+                <a:ea typeface="Nunito Sans"/>
+                <a:cs typeface="Nunito Sans"/>
+                <a:sym typeface="Nunito Sans"/>
+              </a:rPr>
+              <a:t>Contact</a:t>
+            </a:r>
+            <a:endParaRPr sz="700"/>
+          </a:p>
+        </p:txBody>
+      </p:sp>
+      <p:sp>
+        <p:nvSpPr>
+          <p:cNvPr id="287" name="Google Shape;287;p29"/>
+          <p:cNvSpPr txBox="1"/>
+          <p:nvPr/>
+        </p:nvSpPr>
+        <p:spPr>
+          <a:xfrm>
+            <a:off x="897751" y="255375"/>
+            <a:ext cx="2318060" cy="221599"/>
+          </a:xfrm>
+          <a:prstGeom prst="rect">
+            <a:avLst/>
+          </a:prstGeom>
+          <a:noFill/>
+          <a:ln>
+            <a:noFill/>
+          </a:ln>
+        </p:spPr>
+        <p:txBody>
+          <a:bodyPr spcFirstLastPara="1" wrap="square" lIns="0" tIns="0" rIns="0" bIns="0" anchor="t" anchorCtr="0">
+            <a:spAutoFit/>
+          </a:bodyPr>
+          <a:lstStyle/>
+          <a:p>
+            <a:pPr marL="0" marR="0" lvl="0" indent="0" algn="l" rtl="0">
+              <a:lnSpc>
+                <a:spcPct val="120020"/>
+              </a:lnSpc>
+              <a:spcBef>
+                <a:spcPts val="0"/>
+              </a:spcBef>
+              <a:spcAft>
+                <a:spcPts val="0"/>
+              </a:spcAft>
+              <a:buNone/>
+            </a:pPr>
+            <a:r>
+              <a:rPr lang="en" sz="1200" b="1" dirty="0" smtClean="0">
+                <a:latin typeface="Montserrat"/>
+                <a:sym typeface="Montserrat"/>
+              </a:rPr>
+              <a:t>Hamro Booking Sewa</a:t>
+            </a:r>
+            <a:endParaRPr sz="500" dirty="0"/>
+          </a:p>
+        </p:txBody>
+      </p:sp>
+      <p:sp>
+        <p:nvSpPr>
+          <p:cNvPr id="288" name="Google Shape;288;p29"/>
+          <p:cNvSpPr txBox="1"/>
+          <p:nvPr/>
+        </p:nvSpPr>
+        <p:spPr>
+          <a:xfrm>
+            <a:off x="185019" y="718054"/>
+            <a:ext cx="3985356" cy="743280"/>
+          </a:xfrm>
+          <a:prstGeom prst="rect">
+            <a:avLst/>
+          </a:prstGeom>
+          <a:noFill/>
+          <a:ln>
+            <a:noFill/>
+          </a:ln>
+        </p:spPr>
+        <p:txBody>
+          <a:bodyPr spcFirstLastPara="1" wrap="square" lIns="0" tIns="0" rIns="0" bIns="0" anchor="t" anchorCtr="0">
+            <a:spAutoFit/>
+          </a:bodyPr>
+          <a:lstStyle/>
+          <a:p>
+            <a:pPr marL="0" marR="0" lvl="0" indent="0" algn="l" rtl="0">
+              <a:lnSpc>
+                <a:spcPct val="115000"/>
+              </a:lnSpc>
+              <a:spcBef>
+                <a:spcPts val="0"/>
+              </a:spcBef>
+              <a:spcAft>
+                <a:spcPts val="0"/>
+              </a:spcAft>
+              <a:buNone/>
+            </a:pPr>
+            <a:r>
+              <a:rPr lang="en" sz="4200" b="1" u="sng" dirty="0" smtClean="0">
+                <a:latin typeface="Montserrat"/>
+                <a:sym typeface="Montserrat"/>
+              </a:rPr>
+              <a:t>Other Issues</a:t>
+            </a:r>
+            <a:endParaRPr sz="700" u="sng" dirty="0"/>
+          </a:p>
+        </p:txBody>
+      </p:sp>
+      <p:sp>
+        <p:nvSpPr>
+          <p:cNvPr id="2" name="TextBox 1"/>
+          <p:cNvSpPr txBox="1"/>
+          <p:nvPr/>
+        </p:nvSpPr>
+        <p:spPr>
+          <a:xfrm>
+            <a:off x="185018" y="1783080"/>
+            <a:ext cx="4569861" cy="1846659"/>
+          </a:xfrm>
+          <a:prstGeom prst="rect">
+            <a:avLst/>
+          </a:prstGeom>
+          <a:noFill/>
+        </p:spPr>
+        <p:txBody>
+          <a:bodyPr wrap="square" rtlCol="0">
+            <a:spAutoFit/>
+          </a:bodyPr>
+          <a:lstStyle/>
+          <a:p>
+            <a:r>
+              <a:rPr lang="en-US" sz="2000" b="1" dirty="0" smtClean="0">
+                <a:latin typeface="Nunito Sans" panose="020B0604020202020204" charset="0"/>
+              </a:rPr>
+              <a:t>1.</a:t>
+            </a:r>
+          </a:p>
+          <a:p>
+            <a:endParaRPr lang="en-US" sz="2000" b="1" dirty="0" smtClean="0">
+              <a:latin typeface="Nunito Sans" panose="020B0604020202020204" charset="0"/>
+            </a:endParaRPr>
+          </a:p>
+          <a:p>
+            <a:r>
+              <a:rPr lang="en-US" sz="2000" b="1" dirty="0" smtClean="0">
+                <a:latin typeface="Nunito Sans" panose="020B0604020202020204" charset="0"/>
+              </a:rPr>
+              <a:t>2.</a:t>
+            </a:r>
+          </a:p>
+          <a:p>
+            <a:endParaRPr lang="en-US" sz="2000" b="1" dirty="0" smtClean="0">
+              <a:latin typeface="Nunito Sans" panose="020B0604020202020204" charset="0"/>
+            </a:endParaRPr>
+          </a:p>
+          <a:p>
+            <a:r>
+              <a:rPr lang="en-US" sz="2000" b="1" dirty="0" smtClean="0">
+                <a:latin typeface="Nunito Sans" panose="020B0604020202020204" charset="0"/>
+              </a:rPr>
+              <a:t>3.</a:t>
+            </a:r>
+          </a:p>
+          <a:p>
+            <a:endParaRPr lang="en-US" dirty="0"/>
+          </a:p>
+        </p:txBody>
+      </p:sp>
+    </p:spTree>
+  </p:cSld>
+  <p:clrMapOvr>
+    <a:masterClrMapping/>
+  </p:clrMapOvr>
+</p:sld>
+</file>
+
+<file path=ppt/slides/slide7.xml><?xml version="1.0" encoding="utf-8"?>
 <p:sld xmlns:a="http://schemas.openxmlformats.org/drawingml/2006/main" xmlns:r="http://schemas.openxmlformats.org/officeDocument/2006/relationships" xmlns:p="http://schemas.openxmlformats.org/presentationml/2006/main">
   <p:cSld>
     <p:bg>

--- a/Documentation/Mid Term/MidTerm.Presentation.pptx
+++ b/Documentation/Mid Term/MidTerm.Presentation.pptx
@@ -6,52 +6,51 @@
     <p:sldMasterId id="2147483669" r:id="rId2"/>
   </p:sldMasterIdLst>
   <p:notesMasterIdLst>
-    <p:notesMasterId r:id="rId10"/>
+    <p:notesMasterId r:id="rId9"/>
   </p:notesMasterIdLst>
   <p:sldIdLst>
     <p:sldId id="256" r:id="rId3"/>
     <p:sldId id="258" r:id="rId4"/>
     <p:sldId id="263" r:id="rId5"/>
     <p:sldId id="260" r:id="rId6"/>
-    <p:sldId id="267" r:id="rId7"/>
-    <p:sldId id="262" r:id="rId8"/>
-    <p:sldId id="269" r:id="rId9"/>
+    <p:sldId id="262" r:id="rId7"/>
+    <p:sldId id="269" r:id="rId8"/>
   </p:sldIdLst>
   <p:sldSz cx="9144000" cy="5143500" type="screen16x9"/>
   <p:notesSz cx="6858000" cy="9144000"/>
   <p:embeddedFontLst>
     <p:embeddedFont>
+      <p:font typeface="Calibri" panose="020F0502020204030204" pitchFamily="34" charset="0"/>
+      <p:regular r:id="rId10"/>
+      <p:bold r:id="rId11"/>
+      <p:italic r:id="rId12"/>
+      <p:boldItalic r:id="rId13"/>
+    </p:embeddedFont>
+    <p:embeddedFont>
+      <p:font typeface="Montserrat" panose="020B0604020202020204" charset="0"/>
+      <p:regular r:id="rId14"/>
+      <p:bold r:id="rId15"/>
+      <p:italic r:id="rId16"/>
+      <p:boldItalic r:id="rId17"/>
+    </p:embeddedFont>
+    <p:embeddedFont>
       <p:font typeface="Nunito Sans Light" panose="020B0604020202020204" charset="0"/>
-      <p:regular r:id="rId11"/>
-      <p:bold r:id="rId12"/>
-      <p:italic r:id="rId13"/>
-      <p:boldItalic r:id="rId14"/>
+      <p:regular r:id="rId18"/>
+      <p:bold r:id="rId19"/>
+      <p:italic r:id="rId20"/>
+      <p:boldItalic r:id="rId21"/>
+    </p:embeddedFont>
+    <p:embeddedFont>
+      <p:font typeface="Nunito Sans Black" panose="020B0604020202020204" charset="0"/>
+      <p:bold r:id="rId22"/>
+      <p:boldItalic r:id="rId23"/>
     </p:embeddedFont>
     <p:embeddedFont>
       <p:font typeface="Nunito Sans" panose="020B0604020202020204" charset="0"/>
-      <p:regular r:id="rId15"/>
-      <p:bold r:id="rId16"/>
-      <p:italic r:id="rId17"/>
-      <p:boldItalic r:id="rId18"/>
-    </p:embeddedFont>
-    <p:embeddedFont>
-      <p:font typeface="Calibri" panose="020F0502020204030204" pitchFamily="34" charset="0"/>
-      <p:regular r:id="rId19"/>
-      <p:bold r:id="rId20"/>
-      <p:italic r:id="rId21"/>
-      <p:boldItalic r:id="rId22"/>
-    </p:embeddedFont>
-    <p:embeddedFont>
-      <p:font typeface="Montserrat" panose="020B0604020202020204" charset="0"/>
-      <p:regular r:id="rId23"/>
-      <p:bold r:id="rId24"/>
-      <p:italic r:id="rId25"/>
-      <p:boldItalic r:id="rId26"/>
-    </p:embeddedFont>
-    <p:embeddedFont>
-      <p:font typeface="Nunito Sans Black" panose="020B0604020202020204" charset="0"/>
-      <p:bold r:id="rId27"/>
-      <p:boldItalic r:id="rId28"/>
+      <p:regular r:id="rId24"/>
+      <p:bold r:id="rId25"/>
+      <p:italic r:id="rId26"/>
+      <p:boldItalic r:id="rId27"/>
     </p:embeddedFont>
   </p:embeddedFontLst>
   <p:defaultTextStyle>
@@ -1189,115 +1188,6 @@
   <p:cSld>
     <p:spTree>
       <p:nvGrpSpPr>
-        <p:cNvPr id="1" name="Shape 401"/>
-        <p:cNvGrpSpPr/>
-        <p:nvPr/>
-      </p:nvGrpSpPr>
-      <p:grpSpPr>
-        <a:xfrm>
-          <a:off x="0" y="0"/>
-          <a:ext cx="0" cy="0"/>
-          <a:chOff x="0" y="0"/>
-          <a:chExt cx="0" cy="0"/>
-        </a:xfrm>
-      </p:grpSpPr>
-      <p:sp>
-        <p:nvSpPr>
-          <p:cNvPr id="402" name="Google Shape;402;g292a9bb486b_1_307:notes"/>
-          <p:cNvSpPr txBox="1">
-            <a:spLocks noGrp="1"/>
-          </p:cNvSpPr>
-          <p:nvPr>
-            <p:ph type="body" idx="1"/>
-          </p:nvPr>
-        </p:nvSpPr>
-        <p:spPr>
-          <a:xfrm>
-            <a:off x="685800" y="4343400"/>
-            <a:ext cx="5486400" cy="4114800"/>
-          </a:xfrm>
-          <a:prstGeom prst="rect">
-            <a:avLst/>
-          </a:prstGeom>
-        </p:spPr>
-        <p:txBody>
-          <a:bodyPr spcFirstLastPara="1" wrap="square" lIns="91425" tIns="91425" rIns="91425" bIns="91425" anchor="t" anchorCtr="0">
-            <a:noAutofit/>
-          </a:bodyPr>
-          <a:lstStyle/>
-          <a:p>
-            <a:pPr marL="0" lvl="0" indent="0" algn="l" rtl="0">
-              <a:spcBef>
-                <a:spcPts val="0"/>
-              </a:spcBef>
-              <a:spcAft>
-                <a:spcPts val="0"/>
-              </a:spcAft>
-              <a:buNone/>
-            </a:pPr>
-            <a:endParaRPr dirty="0"/>
-          </a:p>
-        </p:txBody>
-      </p:sp>
-      <p:sp>
-        <p:nvSpPr>
-          <p:cNvPr id="403" name="Google Shape;403;g292a9bb486b_1_307:notes"/>
-          <p:cNvSpPr>
-            <a:spLocks noGrp="1" noRot="1" noChangeAspect="1"/>
-          </p:cNvSpPr>
-          <p:nvPr>
-            <p:ph type="sldImg" idx="2"/>
-          </p:nvPr>
-        </p:nvSpPr>
-        <p:spPr>
-          <a:xfrm>
-            <a:off x="381000" y="685800"/>
-            <a:ext cx="6096000" cy="3429000"/>
-          </a:xfrm>
-          <a:custGeom>
-            <a:avLst/>
-            <a:gdLst/>
-            <a:ahLst/>
-            <a:cxnLst/>
-            <a:rect l="l" t="t" r="r" b="b"/>
-            <a:pathLst>
-              <a:path w="120000" h="120000" extrusionOk="0">
-                <a:moveTo>
-                  <a:pt x="0" y="0"/>
-                </a:moveTo>
-                <a:lnTo>
-                  <a:pt x="120000" y="0"/>
-                </a:lnTo>
-                <a:lnTo>
-                  <a:pt x="120000" y="120000"/>
-                </a:lnTo>
-                <a:lnTo>
-                  <a:pt x="0" y="120000"/>
-                </a:lnTo>
-                <a:close/>
-              </a:path>
-            </a:pathLst>
-          </a:custGeom>
-        </p:spPr>
-      </p:sp>
-    </p:spTree>
-    <p:extLst>
-      <p:ext uri="{BB962C8B-B14F-4D97-AF65-F5344CB8AC3E}">
-        <p14:creationId xmlns:p14="http://schemas.microsoft.com/office/powerpoint/2010/main" val="2362724601"/>
-      </p:ext>
-    </p:extLst>
-  </p:cSld>
-  <p:clrMapOvr>
-    <a:masterClrMapping/>
-  </p:clrMapOvr>
-</p:notes>
-</file>
-
-<file path=ppt/notesSlides/notesSlide6.xml><?xml version="1.0" encoding="utf-8"?>
-<p:notes xmlns:a="http://schemas.openxmlformats.org/drawingml/2006/main" xmlns:r="http://schemas.openxmlformats.org/officeDocument/2006/relationships" xmlns:p="http://schemas.openxmlformats.org/presentationml/2006/main" showMasterSp="0" showMasterPhAnim="0">
-  <p:cSld>
-    <p:spTree>
-      <p:nvGrpSpPr>
         <p:cNvPr id="1" name="Shape 256"/>
         <p:cNvGrpSpPr/>
         <p:nvPr/>
@@ -1402,7 +1292,7 @@
 </p:notes>
 </file>
 
-<file path=ppt/notesSlides/notesSlide7.xml><?xml version="1.0" encoding="utf-8"?>
+<file path=ppt/notesSlides/notesSlide6.xml><?xml version="1.0" encoding="utf-8"?>
 <p:notes xmlns:a="http://schemas.openxmlformats.org/drawingml/2006/main" xmlns:r="http://schemas.openxmlformats.org/officeDocument/2006/relationships" xmlns:p="http://schemas.openxmlformats.org/presentationml/2006/main" showMasterSp="0" showMasterPhAnim="0">
   <p:cSld>
     <p:spTree>
@@ -17305,8 +17195,8 @@
         </p:nvSpPr>
         <p:spPr>
           <a:xfrm>
-            <a:off x="2977402" y="4121147"/>
-            <a:ext cx="3107411" cy="830997"/>
+            <a:off x="2533650" y="3882552"/>
+            <a:ext cx="3107411" cy="1107996"/>
           </a:xfrm>
           <a:prstGeom prst="rect">
             <a:avLst/>
@@ -17335,7 +17225,7 @@
               <a:buNone/>
             </a:pPr>
             <a:r>
-              <a:rPr lang="en" sz="1500" b="1" dirty="0" smtClean="0">
+              <a:rPr lang="en" sz="2000" b="1" dirty="0" smtClean="0">
                 <a:latin typeface="Montserrat"/>
                 <a:sym typeface="Montserrat"/>
               </a:rPr>
@@ -17356,7 +17246,7 @@
               <a:buNone/>
             </a:pPr>
             <a:r>
-              <a:rPr lang="en" sz="1500" b="1" dirty="0" smtClean="0">
+              <a:rPr lang="en" sz="2000" b="1" dirty="0" smtClean="0">
                 <a:latin typeface="Montserrat"/>
                 <a:sym typeface="Montserrat"/>
               </a:rPr>
@@ -17377,13 +17267,13 @@
               <a:buNone/>
             </a:pPr>
             <a:r>
-              <a:rPr lang="en" sz="1500" b="1" dirty="0" smtClean="0">
+              <a:rPr lang="en" sz="2000" b="1" dirty="0" smtClean="0">
                 <a:latin typeface="Montserrat"/>
                 <a:sym typeface="Montserrat"/>
               </a:rPr>
               <a:t>Ujjwal Adhikari</a:t>
             </a:r>
-            <a:endParaRPr sz="700" dirty="0"/>
+            <a:endParaRPr sz="1000" dirty="0"/>
           </a:p>
         </p:txBody>
       </p:sp>
@@ -17446,8 +17336,8 @@
         </p:nvSpPr>
         <p:spPr>
           <a:xfrm>
-            <a:off x="400217" y="1435739"/>
-            <a:ext cx="4574642" cy="1446550"/>
+            <a:off x="980692" y="475220"/>
+            <a:ext cx="3484756" cy="2492990"/>
           </a:xfrm>
           <a:prstGeom prst="rect">
             <a:avLst/>
@@ -17476,20 +17366,20 @@
               <a:buNone/>
             </a:pPr>
             <a:r>
-              <a:rPr lang="en" sz="4700" b="1" dirty="0">
+              <a:rPr lang="en" sz="5400" b="1" dirty="0" smtClean="0">
                 <a:latin typeface="Montserrat"/>
                 <a:sym typeface="Montserrat"/>
               </a:rPr>
-              <a:t>	</a:t>
+              <a:t>Hamro   Booking </a:t>
             </a:r>
             <a:r>
-              <a:rPr lang="en" sz="4700" b="1" dirty="0" smtClean="0">
+              <a:rPr lang="en" sz="5400" b="1" dirty="0" smtClean="0">
                 <a:latin typeface="Montserrat"/>
                 <a:sym typeface="Montserrat"/>
               </a:rPr>
-              <a:t>Hamro Booking Sewa</a:t>
+              <a:t>Sewa</a:t>
             </a:r>
-            <a:endParaRPr sz="700" dirty="0"/>
+            <a:endParaRPr sz="900" dirty="0"/>
           </a:p>
         </p:txBody>
       </p:sp>
@@ -17563,6 +17453,13 @@
   <p:clrMapOvr>
     <a:masterClrMapping/>
   </p:clrMapOvr>
+  <p:timing>
+    <p:tnLst>
+      <p:par>
+        <p:cTn id="1" dur="indefinite" restart="never" nodeType="tmRoot"/>
+      </p:par>
+    </p:tnLst>
+  </p:timing>
 </p:sld>
 </file>
 
@@ -17612,7 +17509,7 @@
         <p:spPr>
           <a:xfrm>
             <a:off x="103419" y="592924"/>
-            <a:ext cx="3317876" cy="4401986"/>
+            <a:ext cx="3245571" cy="4345430"/>
           </a:xfrm>
           <a:prstGeom prst="rect">
             <a:avLst/>
@@ -17985,8 +17882,8 @@
         </p:nvSpPr>
         <p:spPr>
           <a:xfrm>
-            <a:off x="4974858" y="977032"/>
-            <a:ext cx="3654900" cy="646331"/>
+            <a:off x="4517658" y="592924"/>
+            <a:ext cx="3851700" cy="677108"/>
           </a:xfrm>
           <a:prstGeom prst="rect">
             <a:avLst/>
@@ -18015,13 +17912,13 @@
               <a:buNone/>
             </a:pPr>
             <a:r>
-              <a:rPr lang="en" sz="4200" b="1" u="sng" dirty="0" smtClean="0">
+              <a:rPr lang="en" sz="4400" b="1" u="sng" dirty="0" smtClean="0">
                 <a:latin typeface="Montserrat"/>
                 <a:sym typeface="Montserrat"/>
               </a:rPr>
               <a:t>Introduction</a:t>
             </a:r>
-            <a:endParaRPr sz="700" u="sng" dirty="0"/>
+            <a:endParaRPr sz="800" u="sng" dirty="0"/>
           </a:p>
         </p:txBody>
       </p:sp>
@@ -18034,7 +17931,7 @@
         <p:spPr>
           <a:xfrm>
             <a:off x="3807780" y="1789663"/>
-            <a:ext cx="3654900" cy="1231106"/>
+            <a:ext cx="3654900" cy="1661993"/>
           </a:xfrm>
           <a:prstGeom prst="rect">
             <a:avLst/>
@@ -18052,7 +17949,7 @@
           <a:p>
             <a:pPr lvl="0"/>
             <a:r>
-              <a:rPr lang="en-US" sz="1600" b="1" dirty="0" err="1" smtClean="0">
+              <a:rPr lang="en-US" sz="1800" b="1" dirty="0" err="1" smtClean="0">
                 <a:solidFill>
                   <a:schemeClr val="bg2">
                     <a:lumMod val="60000"/>
@@ -18064,7 +17961,7 @@
               <a:t>Hamro</a:t>
             </a:r>
             <a:r>
-              <a:rPr lang="en-US" sz="1600" b="1" dirty="0" smtClean="0">
+              <a:rPr lang="en-US" sz="1800" b="1" dirty="0" smtClean="0">
                 <a:solidFill>
                   <a:schemeClr val="bg2">
                     <a:lumMod val="60000"/>
@@ -18076,7 +17973,7 @@
               <a:t> </a:t>
             </a:r>
             <a:r>
-              <a:rPr lang="en-US" sz="1600" b="1" dirty="0">
+              <a:rPr lang="en-US" sz="1800" b="1" dirty="0">
                 <a:solidFill>
                   <a:schemeClr val="bg2">
                     <a:lumMod val="60000"/>
@@ -18088,7 +17985,7 @@
               <a:t>Booking </a:t>
             </a:r>
             <a:r>
-              <a:rPr lang="en-US" sz="1600" b="1" dirty="0" err="1">
+              <a:rPr lang="en-US" sz="1800" b="1" dirty="0" err="1">
                 <a:solidFill>
                   <a:schemeClr val="bg2">
                     <a:lumMod val="60000"/>
@@ -18100,7 +17997,7 @@
               <a:t>Sewa</a:t>
             </a:r>
             <a:r>
-              <a:rPr lang="en-US" sz="1600" b="1" dirty="0">
+              <a:rPr lang="en-US" sz="1800" b="1" dirty="0">
                 <a:solidFill>
                   <a:schemeClr val="bg2">
                     <a:lumMod val="60000"/>
@@ -18112,7 +18009,7 @@
               <a:t> is a </a:t>
             </a:r>
             <a:r>
-              <a:rPr lang="en-US" sz="1600" b="1" dirty="0" err="1">
+              <a:rPr lang="en-US" sz="1800" b="1" dirty="0" err="1">
                 <a:solidFill>
                   <a:schemeClr val="bg2">
                     <a:lumMod val="60000"/>
@@ -18124,7 +18021,7 @@
               <a:t>laravel</a:t>
             </a:r>
             <a:r>
-              <a:rPr lang="en-US" sz="1600" b="1" dirty="0">
+              <a:rPr lang="en-US" sz="1800" b="1" dirty="0">
                 <a:solidFill>
                   <a:schemeClr val="bg2">
                     <a:lumMod val="60000"/>
@@ -18136,7 +18033,7 @@
               <a:t> and react </a:t>
             </a:r>
             <a:r>
-              <a:rPr lang="en-US" sz="1600" b="1" dirty="0" smtClean="0">
+              <a:rPr lang="en-US" sz="1800" b="1" dirty="0" smtClean="0">
                 <a:solidFill>
                   <a:schemeClr val="bg2">
                     <a:lumMod val="60000"/>
@@ -18148,7 +18045,7 @@
               <a:t>native based </a:t>
             </a:r>
             <a:r>
-              <a:rPr lang="en-US" sz="1600" b="1" dirty="0">
+              <a:rPr lang="en-US" sz="1800" b="1" dirty="0">
                 <a:solidFill>
                   <a:schemeClr val="bg2">
                     <a:lumMod val="60000"/>
@@ -18159,7 +18056,7 @@
               </a:rPr>
               <a:t>android application project on online hotel booking where users can view, select and book hotel. </a:t>
             </a:r>
-            <a:endParaRPr sz="700" b="1" dirty="0">
+            <a:endParaRPr sz="800" b="1" dirty="0">
               <a:solidFill>
                 <a:schemeClr val="bg2">
                   <a:lumMod val="60000"/>
@@ -18180,7 +18077,7 @@
         <p:spPr>
           <a:xfrm>
             <a:off x="4974858" y="3553359"/>
-            <a:ext cx="3851700" cy="984885"/>
+            <a:ext cx="3851700" cy="1384995"/>
           </a:xfrm>
           <a:prstGeom prst="rect">
             <a:avLst/>
@@ -18198,7 +18095,7 @@
           <a:p>
             <a:pPr lvl="0"/>
             <a:r>
-              <a:rPr lang="en-US" sz="1600" b="1" dirty="0" smtClean="0">
+              <a:rPr lang="en-US" sz="1800" b="1" dirty="0" smtClean="0">
                 <a:solidFill>
                   <a:schemeClr val="tx1"/>
                 </a:solidFill>
@@ -18207,7 +18104,7 @@
               <a:t>The </a:t>
             </a:r>
             <a:r>
-              <a:rPr lang="en-US" sz="1600" b="1" dirty="0">
+              <a:rPr lang="en-US" sz="1800" b="1" dirty="0">
                 <a:solidFill>
                   <a:schemeClr val="tx1"/>
                 </a:solidFill>
@@ -18216,7 +18113,7 @@
               <a:t>project has different modules in the development work, which are divided among super admin, hotel owners, </a:t>
             </a:r>
             <a:r>
-              <a:rPr lang="en-US" sz="1600" b="1" dirty="0" smtClean="0">
+              <a:rPr lang="en-US" sz="1800" b="1" dirty="0" smtClean="0">
                 <a:solidFill>
                   <a:schemeClr val="tx1"/>
                 </a:solidFill>
@@ -18225,7 +18122,7 @@
               <a:t>customers, and </a:t>
             </a:r>
             <a:r>
-              <a:rPr lang="en-US" sz="1600" b="1" dirty="0">
+              <a:rPr lang="en-US" sz="1800" b="1" dirty="0">
                 <a:solidFill>
                   <a:schemeClr val="tx1"/>
                 </a:solidFill>
@@ -18233,7 +18130,7 @@
               </a:rPr>
               <a:t>search option</a:t>
             </a:r>
-            <a:endParaRPr b="1" dirty="0">
+            <a:endParaRPr sz="1600" b="1" dirty="0">
               <a:solidFill>
                 <a:schemeClr val="tx1"/>
               </a:solidFill>
@@ -18247,6 +18144,13 @@
   <p:clrMapOvr>
     <a:masterClrMapping/>
   </p:clrMapOvr>
+  <p:timing>
+    <p:tnLst>
+      <p:par>
+        <p:cTn id="1" dur="indefinite" restart="never" nodeType="tmRoot"/>
+      </p:par>
+    </p:tnLst>
+  </p:timing>
 </p:sld>
 </file>
 
@@ -18637,8 +18541,8 @@
         </p:nvSpPr>
         <p:spPr>
           <a:xfrm>
-            <a:off x="587112" y="3443512"/>
-            <a:ext cx="3474720" cy="867160"/>
+            <a:off x="534146" y="3443511"/>
+            <a:ext cx="3474720" cy="1575047"/>
           </a:xfrm>
           <a:prstGeom prst="rect">
             <a:avLst/>
@@ -18680,24 +18584,40 @@
             </a:r>
           </a:p>
           <a:p>
-            <a:pPr marL="285750" indent="-285750" algn="ctr">
+            <a:pPr algn="ctr">
               <a:lnSpc>
                 <a:spcPct val="115000"/>
               </a:lnSpc>
-              <a:buFont typeface="Wingdings" panose="05000000000000000000" pitchFamily="2" charset="2"/>
-              <a:buChar char="v"/>
             </a:pPr>
             <a:r>
-              <a:rPr lang="en-US" sz="1600" b="1" dirty="0">
+              <a:rPr lang="en-US" sz="2400" b="1" dirty="0" smtClean="0">
+                <a:solidFill>
+                  <a:schemeClr val="bg1"/>
+                </a:solidFill>
+                <a:latin typeface="Nunito Sans" panose="020B0604020202020204" charset="0"/>
+              </a:rPr>
+              <a:t>01. </a:t>
+            </a:r>
+            <a:r>
+              <a:rPr lang="en-US" sz="2400" b="1" dirty="0" smtClean="0">
                 <a:solidFill>
                   <a:schemeClr val="tx1"/>
                 </a:solidFill>
                 <a:latin typeface="Nunito Sans" panose="020B0604020202020204" charset="0"/>
               </a:rPr>
-              <a:t>Fetch data from </a:t>
+              <a:t>Fetch </a:t>
             </a:r>
             <a:r>
-              <a:rPr lang="en-US" sz="1600" b="1" dirty="0" err="1">
+              <a:rPr lang="en-US" sz="2400" b="1" dirty="0">
+                <a:solidFill>
+                  <a:schemeClr val="tx1"/>
+                </a:solidFill>
+                <a:latin typeface="Nunito Sans" panose="020B0604020202020204" charset="0"/>
+              </a:rPr>
+              <a:t>data from </a:t>
+            </a:r>
+            <a:r>
+              <a:rPr lang="en-US" sz="2400" b="1" dirty="0" err="1">
                 <a:solidFill>
                   <a:schemeClr val="tx1"/>
                 </a:solidFill>
@@ -18706,7 +18626,7 @@
               <a:t>laravel</a:t>
             </a:r>
             <a:r>
-              <a:rPr lang="en-US" sz="1600" b="1" dirty="0">
+              <a:rPr lang="en-US" sz="2400" b="1" dirty="0">
                 <a:solidFill>
                   <a:schemeClr val="tx1"/>
                 </a:solidFill>
@@ -18715,7 +18635,7 @@
               <a:t> in mobile app in </a:t>
             </a:r>
             <a:r>
-              <a:rPr lang="en-US" sz="1600" b="1" dirty="0" err="1">
+              <a:rPr lang="en-US" sz="2400" b="1" dirty="0" err="1">
                 <a:solidFill>
                   <a:schemeClr val="tx1"/>
                 </a:solidFill>
@@ -18724,7 +18644,7 @@
               <a:t>JSon</a:t>
             </a:r>
             <a:r>
-              <a:rPr lang="en-US" sz="1600" b="1" dirty="0">
+              <a:rPr lang="en-US" sz="2400" b="1" dirty="0">
                 <a:solidFill>
                   <a:schemeClr val="tx1"/>
                 </a:solidFill>
@@ -18759,7 +18679,7 @@
         <p:spPr>
           <a:xfrm>
             <a:off x="4974859" y="3593938"/>
-            <a:ext cx="3654874" cy="566309"/>
+            <a:ext cx="3654874" cy="1274195"/>
           </a:xfrm>
           <a:prstGeom prst="rect">
             <a:avLst/>
@@ -18775,15 +18695,37 @@
           </a:bodyPr>
           <a:lstStyle/>
           <a:p>
-            <a:pPr marL="285750" lvl="0" indent="-285750" algn="ctr">
+            <a:pPr lvl="0" algn="ctr">
               <a:lnSpc>
                 <a:spcPct val="115000"/>
               </a:lnSpc>
-              <a:buFont typeface="Wingdings" panose="05000000000000000000" pitchFamily="2" charset="2"/>
-              <a:buChar char="v"/>
             </a:pPr>
             <a:r>
-              <a:rPr lang="en" sz="1600" b="1" i="0" u="none" strike="noStrike" cap="none" dirty="0" smtClean="0">
+              <a:rPr lang="en" sz="2400" b="1" dirty="0" smtClean="0">
+                <a:solidFill>
+                  <a:schemeClr val="bg1"/>
+                </a:solidFill>
+                <a:latin typeface="Nunito Sans"/>
+                <a:ea typeface="Nunito Sans"/>
+                <a:cs typeface="Nunito Sans"/>
+                <a:sym typeface="Nunito Sans"/>
+              </a:rPr>
+              <a:t>02</a:t>
+            </a:r>
+            <a:r>
+              <a:rPr lang="en" sz="1600" b="1" dirty="0" smtClean="0">
+                <a:solidFill>
+                  <a:schemeClr val="bg1"/>
+                </a:solidFill>
+                <a:latin typeface="Nunito Sans"/>
+                <a:ea typeface="Nunito Sans"/>
+                <a:cs typeface="Nunito Sans"/>
+                <a:sym typeface="Nunito Sans"/>
+              </a:rPr>
+              <a:t>.</a:t>
+            </a:r>
+            <a:r>
+              <a:rPr lang="en" sz="1600" b="1" dirty="0" smtClean="0">
                 <a:solidFill>
                   <a:schemeClr val="tx1"/>
                 </a:solidFill>
@@ -18795,7 +18737,7 @@
               <a:t> </a:t>
             </a:r>
             <a:r>
-              <a:rPr lang="en-US" sz="1600" b="1" dirty="0">
+              <a:rPr lang="en-US" sz="2400" b="1" dirty="0" smtClean="0">
                 <a:solidFill>
                   <a:schemeClr val="tx1"/>
                 </a:solidFill>
@@ -18804,9 +18746,21 @@
                 <a:cs typeface="Nunito Sans"/>
                 <a:sym typeface="Nunito Sans"/>
               </a:rPr>
-              <a:t>Sections for hotel and hotel rooms created in backend</a:t>
+              <a:t>Sections </a:t>
             </a:r>
-            <a:endParaRPr sz="2800" b="1" dirty="0">
+            <a:r>
+              <a:rPr lang="en-US" sz="2400" b="1" dirty="0">
+                <a:solidFill>
+                  <a:schemeClr val="tx1"/>
+                </a:solidFill>
+                <a:latin typeface="Nunito Sans"/>
+                <a:ea typeface="Nunito Sans"/>
+                <a:cs typeface="Nunito Sans"/>
+                <a:sym typeface="Nunito Sans"/>
+              </a:rPr>
+              <a:t>for hotel and hotel rooms created in backend</a:t>
+            </a:r>
+            <a:endParaRPr sz="4000" b="1" dirty="0">
               <a:solidFill>
                 <a:schemeClr val="tx1"/>
               </a:solidFill>
@@ -18892,8 +18846,8 @@
         </p:blipFill>
         <p:spPr>
           <a:xfrm>
-            <a:off x="904827" y="1725107"/>
-            <a:ext cx="2839291" cy="1699128"/>
+            <a:off x="983483" y="1657131"/>
+            <a:ext cx="2685548" cy="1607123"/>
           </a:xfrm>
           <a:prstGeom prst="rect">
             <a:avLst/>
@@ -18922,8 +18876,8 @@
         </p:blipFill>
         <p:spPr>
           <a:xfrm>
-            <a:off x="5375076" y="1698557"/>
-            <a:ext cx="2846368" cy="1752228"/>
+            <a:off x="5375077" y="1657131"/>
+            <a:ext cx="2642344" cy="1626631"/>
           </a:xfrm>
           <a:prstGeom prst="rect">
             <a:avLst/>
@@ -18935,6 +18889,13 @@
   <p:clrMapOvr>
     <a:masterClrMapping/>
   </p:clrMapOvr>
+  <p:timing>
+    <p:tnLst>
+      <p:par>
+        <p:cTn id="1" dur="indefinite" restart="never" nodeType="tmRoot"/>
+      </p:par>
+    </p:tnLst>
+  </p:timing>
 </p:sld>
 </file>
 
@@ -19333,65 +19294,14 @@
       </p:sp>
       <p:sp>
         <p:nvSpPr>
-          <p:cNvPr id="228" name="Google Shape;228;p27"/>
-          <p:cNvSpPr txBox="1"/>
-          <p:nvPr/>
-        </p:nvSpPr>
-        <p:spPr>
-          <a:xfrm>
-            <a:off x="514350" y="3216117"/>
-            <a:ext cx="2467200" cy="265457"/>
-          </a:xfrm>
-          <a:prstGeom prst="rect">
-            <a:avLst/>
-          </a:prstGeom>
-          <a:noFill/>
-          <a:ln>
-            <a:noFill/>
-          </a:ln>
-        </p:spPr>
-        <p:txBody>
-          <a:bodyPr spcFirstLastPara="1" wrap="square" lIns="0" tIns="0" rIns="0" bIns="0" anchor="t" anchorCtr="0">
-            <a:spAutoFit/>
-          </a:bodyPr>
-          <a:lstStyle/>
-          <a:p>
-            <a:pPr marL="0" marR="0" lvl="0" indent="0" algn="l" rtl="0">
-              <a:lnSpc>
-                <a:spcPct val="115000"/>
-              </a:lnSpc>
-              <a:spcBef>
-                <a:spcPts val="0"/>
-              </a:spcBef>
-              <a:spcAft>
-                <a:spcPts val="0"/>
-              </a:spcAft>
-              <a:buNone/>
-            </a:pPr>
-            <a:r>
-              <a:rPr lang="en" sz="1500" b="1" dirty="0" smtClean="0">
-                <a:solidFill>
-                  <a:srgbClr val="6792B0"/>
-                </a:solidFill>
-                <a:latin typeface="Montserrat"/>
-                <a:sym typeface="Montserrat"/>
-              </a:rPr>
-              <a:t>Pricing Transparency</a:t>
-            </a:r>
-            <a:endParaRPr sz="700" dirty="0"/>
-          </a:p>
-        </p:txBody>
-      </p:sp>
-      <p:sp>
-        <p:nvSpPr>
           <p:cNvPr id="229" name="Google Shape;229;p27"/>
           <p:cNvSpPr txBox="1"/>
           <p:nvPr/>
         </p:nvSpPr>
         <p:spPr>
           <a:xfrm>
-            <a:off x="514350" y="3865913"/>
-            <a:ext cx="2467200" cy="849463"/>
+            <a:off x="526732" y="3278211"/>
+            <a:ext cx="2467200" cy="1274195"/>
           </a:xfrm>
           <a:prstGeom prst="rect">
             <a:avLst/>
@@ -19413,33 +19323,24 @@
               </a:lnSpc>
             </a:pPr>
             <a:r>
-              <a:rPr lang="en-US" sz="1600" b="1" dirty="0" smtClean="0">
+              <a:rPr lang="en-US" sz="2400" b="1" dirty="0" smtClean="0">
                 <a:solidFill>
                   <a:schemeClr val="tx1"/>
                 </a:solidFill>
                 <a:latin typeface="Nunito Sans" panose="020B0604020202020204" charset="0"/>
               </a:rPr>
-              <a:t>Online </a:t>
+              <a:t>Multi level authentication using </a:t>
             </a:r>
             <a:r>
-              <a:rPr lang="en-US" sz="1600" b="1" dirty="0">
+              <a:rPr lang="en-US" sz="2400" b="1" dirty="0" err="1" smtClean="0">
                 <a:solidFill>
                   <a:schemeClr val="tx1"/>
                 </a:solidFill>
                 <a:latin typeface="Nunito Sans" panose="020B0604020202020204" charset="0"/>
               </a:rPr>
-              <a:t>hotel booking apps lacks of transparency in </a:t>
+              <a:t>laravel</a:t>
             </a:r>
-            <a:r>
-              <a:rPr lang="en-US" sz="1600" b="1" dirty="0" smtClean="0">
-                <a:solidFill>
-                  <a:schemeClr val="tx1"/>
-                </a:solidFill>
-                <a:latin typeface="Nunito Sans" panose="020B0604020202020204" charset="0"/>
-              </a:rPr>
-              <a:t>pricing.</a:t>
-            </a:r>
-            <a:endParaRPr b="1" dirty="0">
+            <a:endParaRPr sz="2000" b="1" dirty="0">
               <a:solidFill>
                 <a:schemeClr val="tx1"/>
               </a:solidFill>
@@ -19510,7 +19411,7 @@
         <p:spPr>
           <a:xfrm>
             <a:off x="514350" y="1246997"/>
-            <a:ext cx="5648183" cy="775597"/>
+            <a:ext cx="5648183" cy="812530"/>
           </a:xfrm>
           <a:prstGeom prst="rect">
             <a:avLst/>
@@ -19539,64 +19440,13 @@
               <a:buNone/>
             </a:pPr>
             <a:r>
-              <a:rPr lang="en" sz="4200" b="1" u="sng" dirty="0" smtClean="0">
+              <a:rPr lang="en" sz="4400" b="1" u="sng" dirty="0" smtClean="0">
                 <a:latin typeface="Montserrat"/>
                 <a:sym typeface="Montserrat"/>
               </a:rPr>
               <a:t>Needs To Be Done</a:t>
             </a:r>
-            <a:endParaRPr sz="700" u="sng" dirty="0"/>
-          </a:p>
-        </p:txBody>
-      </p:sp>
-      <p:sp>
-        <p:nvSpPr>
-          <p:cNvPr id="232" name="Google Shape;232;p27"/>
-          <p:cNvSpPr txBox="1"/>
-          <p:nvPr/>
-        </p:nvSpPr>
-        <p:spPr>
-          <a:xfrm>
-            <a:off x="3338441" y="3216116"/>
-            <a:ext cx="2639448" cy="265457"/>
-          </a:xfrm>
-          <a:prstGeom prst="rect">
-            <a:avLst/>
-          </a:prstGeom>
-          <a:noFill/>
-          <a:ln>
-            <a:noFill/>
-          </a:ln>
-        </p:spPr>
-        <p:txBody>
-          <a:bodyPr spcFirstLastPara="1" wrap="square" lIns="0" tIns="0" rIns="0" bIns="0" anchor="t" anchorCtr="0">
-            <a:spAutoFit/>
-          </a:bodyPr>
-          <a:lstStyle/>
-          <a:p>
-            <a:pPr marL="0" marR="0" lvl="0" indent="0" algn="l" rtl="0">
-              <a:lnSpc>
-                <a:spcPct val="115000"/>
-              </a:lnSpc>
-              <a:spcBef>
-                <a:spcPts val="0"/>
-              </a:spcBef>
-              <a:spcAft>
-                <a:spcPts val="0"/>
-              </a:spcAft>
-              <a:buNone/>
-            </a:pPr>
-            <a:r>
-              <a:rPr lang="en" sz="1500" b="1" dirty="0" smtClean="0">
-                <a:solidFill>
-                  <a:srgbClr val="6792B0"/>
-                </a:solidFill>
-                <a:latin typeface="Montserrat"/>
-                <a:sym typeface="Montserrat"/>
-              </a:rPr>
-              <a:t>Information Inconsistency</a:t>
-            </a:r>
-            <a:endParaRPr sz="700" dirty="0"/>
+            <a:endParaRPr sz="800" u="sng" dirty="0"/>
           </a:p>
         </p:txBody>
       </p:sp>
@@ -19608,8 +19458,8 @@
         </p:nvSpPr>
         <p:spPr>
           <a:xfrm>
-            <a:off x="3338441" y="3865913"/>
-            <a:ext cx="2639448" cy="1132618"/>
+            <a:off x="3252275" y="3278211"/>
+            <a:ext cx="2639448" cy="849463"/>
           </a:xfrm>
           <a:prstGeom prst="rect">
             <a:avLst/>
@@ -19631,33 +19481,15 @@
               </a:lnSpc>
             </a:pPr>
             <a:r>
-              <a:rPr lang="en-US" sz="1600" b="1" dirty="0" smtClean="0">
+              <a:rPr lang="en-US" sz="2400" b="1" dirty="0" smtClean="0">
                 <a:solidFill>
                   <a:schemeClr val="tx1"/>
                 </a:solidFill>
                 <a:latin typeface="Nunito Sans" panose="020B0604020202020204" charset="0"/>
               </a:rPr>
-              <a:t>Online </a:t>
+              <a:t>Handling Post Method APIS</a:t>
             </a:r>
-            <a:r>
-              <a:rPr lang="en-US" sz="1600" b="1" dirty="0">
-                <a:solidFill>
-                  <a:schemeClr val="tx1"/>
-                </a:solidFill>
-                <a:latin typeface="Nunito Sans" panose="020B0604020202020204" charset="0"/>
-              </a:rPr>
-              <a:t>hotel booking apps are often inconsistent in the quality of information </a:t>
-            </a:r>
-            <a:r>
-              <a:rPr lang="en-US" sz="1600" b="1" dirty="0" smtClean="0">
-                <a:solidFill>
-                  <a:schemeClr val="tx1"/>
-                </a:solidFill>
-                <a:latin typeface="Nunito Sans" panose="020B0604020202020204" charset="0"/>
-              </a:rPr>
-              <a:t>provided.</a:t>
-            </a:r>
-            <a:endParaRPr b="1" dirty="0">
+            <a:endParaRPr sz="2400" b="1" dirty="0">
               <a:solidFill>
                 <a:schemeClr val="tx1"/>
               </a:solidFill>
@@ -19721,64 +19553,13 @@
       </p:sp>
       <p:sp>
         <p:nvSpPr>
-          <p:cNvPr id="235" name="Google Shape;235;p27"/>
-          <p:cNvSpPr txBox="1"/>
-          <p:nvPr/>
-        </p:nvSpPr>
-        <p:spPr>
-          <a:xfrm>
-            <a:off x="6495422" y="3216116"/>
-            <a:ext cx="2467200" cy="265457"/>
-          </a:xfrm>
-          <a:prstGeom prst="rect">
-            <a:avLst/>
-          </a:prstGeom>
-          <a:noFill/>
-          <a:ln>
-            <a:noFill/>
-          </a:ln>
-        </p:spPr>
-        <p:txBody>
-          <a:bodyPr spcFirstLastPara="1" wrap="square" lIns="0" tIns="0" rIns="0" bIns="0" anchor="t" anchorCtr="0">
-            <a:spAutoFit/>
-          </a:bodyPr>
-          <a:lstStyle/>
-          <a:p>
-            <a:pPr marL="0" marR="0" lvl="0" indent="0" algn="l" rtl="0">
-              <a:lnSpc>
-                <a:spcPct val="115000"/>
-              </a:lnSpc>
-              <a:spcBef>
-                <a:spcPts val="0"/>
-              </a:spcBef>
-              <a:spcAft>
-                <a:spcPts val="0"/>
-              </a:spcAft>
-              <a:buNone/>
-            </a:pPr>
-            <a:r>
-              <a:rPr lang="en" sz="1500" b="1" dirty="0" smtClean="0">
-                <a:solidFill>
-                  <a:srgbClr val="6792B0"/>
-                </a:solidFill>
-                <a:latin typeface="Montserrat"/>
-                <a:sym typeface="Montserrat"/>
-              </a:rPr>
-              <a:t>Customer Assistance</a:t>
-            </a:r>
-            <a:endParaRPr sz="700" dirty="0"/>
-          </a:p>
-        </p:txBody>
-      </p:sp>
-      <p:sp>
-        <p:nvSpPr>
           <p:cNvPr id="236" name="Google Shape;236;p27"/>
           <p:cNvSpPr txBox="1"/>
           <p:nvPr/>
         </p:nvSpPr>
         <p:spPr>
           <a:xfrm>
-            <a:off x="6495422" y="3865912"/>
+            <a:off x="6495505" y="3278211"/>
             <a:ext cx="2467200" cy="849463"/>
           </a:xfrm>
           <a:prstGeom prst="rect">
@@ -19801,36 +19582,15 @@
               </a:lnSpc>
             </a:pPr>
             <a:r>
-              <a:rPr lang="en-US" sz="1600" b="1" spc="5" dirty="0" smtClean="0">
+              <a:rPr lang="en-US" sz="2400" b="1" dirty="0" smtClean="0">
                 <a:solidFill>
                   <a:schemeClr val="tx1"/>
                 </a:solidFill>
                 <a:latin typeface="Nunito Sans" panose="020B0604020202020204" charset="0"/>
-                <a:ea typeface="Calibri" panose="020F0502020204030204" pitchFamily="34" charset="0"/>
               </a:rPr>
-              <a:t>Online </a:t>
+              <a:t>Booking Confirmation</a:t>
             </a:r>
-            <a:r>
-              <a:rPr lang="en-US" sz="1600" b="1" spc="5" dirty="0">
-                <a:solidFill>
-                  <a:schemeClr val="tx1"/>
-                </a:solidFill>
-                <a:latin typeface="Nunito Sans" panose="020B0604020202020204" charset="0"/>
-                <a:ea typeface="Calibri" panose="020F0502020204030204" pitchFamily="34" charset="0"/>
-              </a:rPr>
-              <a:t>hotel booking apps may lack customer support and </a:t>
-            </a:r>
-            <a:r>
-              <a:rPr lang="en-US" sz="1600" b="1" spc="5" dirty="0" smtClean="0">
-                <a:solidFill>
-                  <a:schemeClr val="tx1"/>
-                </a:solidFill>
-                <a:latin typeface="Nunito Sans" panose="020B0604020202020204" charset="0"/>
-                <a:ea typeface="Calibri" panose="020F0502020204030204" pitchFamily="34" charset="0"/>
-              </a:rPr>
-              <a:t>assistance.</a:t>
-            </a:r>
-            <a:endParaRPr b="1" dirty="0">
+            <a:endParaRPr sz="2400" b="1" dirty="0">
               <a:solidFill>
                 <a:schemeClr val="tx1"/>
               </a:solidFill>
@@ -19897,6 +19657,13 @@
   <p:clrMapOvr>
     <a:masterClrMapping/>
   </p:clrMapOvr>
+  <p:timing>
+    <p:tnLst>
+      <p:par>
+        <p:cTn id="1" dur="indefinite" restart="never" nodeType="tmRoot"/>
+      </p:par>
+    </p:tnLst>
+  </p:timing>
 </p:sld>
 </file>
 
@@ -19906,859 +19673,10 @@
     <p:bg>
       <p:bgPr>
         <a:solidFill>
-          <a:srgbClr val="E5E2DD"/>
-        </a:solidFill>
-        <a:effectLst/>
-      </p:bgPr>
-    </p:bg>
-    <p:spTree>
-      <p:nvGrpSpPr>
-        <p:cNvPr id="1" name="Shape 404"/>
-        <p:cNvGrpSpPr/>
-        <p:nvPr/>
-      </p:nvGrpSpPr>
-      <p:grpSpPr>
-        <a:xfrm>
-          <a:off x="0" y="0"/>
-          <a:ext cx="0" cy="0"/>
-          <a:chOff x="0" y="0"/>
-          <a:chExt cx="0" cy="0"/>
-        </a:xfrm>
-      </p:grpSpPr>
-      <p:pic>
-        <p:nvPicPr>
-          <p:cNvPr id="405" name="Google Shape;405;p34"/>
-          <p:cNvPicPr preferRelativeResize="0"/>
-          <p:nvPr/>
-        </p:nvPicPr>
-        <p:blipFill>
-          <a:blip r:embed="rId3">
-            <a:extLst>
-              <a:ext uri="{28A0092B-C50C-407E-A947-70E740481C1C}">
-                <a14:useLocalDpi xmlns:a14="http://schemas.microsoft.com/office/drawing/2010/main" val="0"/>
-              </a:ext>
-            </a:extLst>
-          </a:blip>
-          <a:stretch>
-            <a:fillRect/>
-          </a:stretch>
-        </p:blipFill>
-        <p:spPr>
-          <a:xfrm>
-            <a:off x="0" y="5680"/>
-            <a:ext cx="3694277" cy="5143501"/>
-          </a:xfrm>
-          <a:prstGeom prst="rect">
-            <a:avLst/>
-          </a:prstGeom>
-          <a:noFill/>
-          <a:ln>
-            <a:noFill/>
-          </a:ln>
-        </p:spPr>
-      </p:pic>
-      <p:sp>
-        <p:nvSpPr>
-          <p:cNvPr id="406" name="Google Shape;406;p34"/>
-          <p:cNvSpPr/>
-          <p:nvPr/>
-        </p:nvSpPr>
-        <p:spPr>
-          <a:xfrm>
-            <a:off x="240424" y="219132"/>
-            <a:ext cx="373792" cy="373792"/>
-          </a:xfrm>
-          <a:custGeom>
-            <a:avLst/>
-            <a:gdLst/>
-            <a:ahLst/>
-            <a:cxnLst/>
-            <a:rect l="l" t="t" r="r" b="b"/>
-            <a:pathLst>
-              <a:path w="747584" h="747584" extrusionOk="0">
-                <a:moveTo>
-                  <a:pt x="0" y="0"/>
-                </a:moveTo>
-                <a:lnTo>
-                  <a:pt x="747584" y="0"/>
-                </a:lnTo>
-                <a:lnTo>
-                  <a:pt x="747584" y="747584"/>
-                </a:lnTo>
-                <a:lnTo>
-                  <a:pt x="0" y="747584"/>
-                </a:lnTo>
-                <a:lnTo>
-                  <a:pt x="0" y="0"/>
-                </a:lnTo>
-                <a:close/>
-              </a:path>
-            </a:pathLst>
-          </a:custGeom>
-          <a:blipFill rotWithShape="1">
-            <a:blip r:embed="rId4">
-              <a:alphaModFix/>
-            </a:blip>
-            <a:stretch>
-              <a:fillRect/>
-            </a:stretch>
-          </a:blipFill>
-          <a:ln>
-            <a:noFill/>
-          </a:ln>
-        </p:spPr>
-      </p:sp>
-      <p:sp>
-        <p:nvSpPr>
-          <p:cNvPr id="407" name="Google Shape;407;p34"/>
-          <p:cNvSpPr txBox="1"/>
-          <p:nvPr/>
-        </p:nvSpPr>
-        <p:spPr>
-          <a:xfrm>
-            <a:off x="4974859" y="198221"/>
-            <a:ext cx="400217" cy="210777"/>
-          </a:xfrm>
-          <a:prstGeom prst="rect">
-            <a:avLst/>
-          </a:prstGeom>
-          <a:noFill/>
-          <a:ln>
-            <a:noFill/>
-          </a:ln>
-        </p:spPr>
-        <p:txBody>
-          <a:bodyPr spcFirstLastPara="1" wrap="square" lIns="0" tIns="0" rIns="0" bIns="0" anchor="t" anchorCtr="0">
-            <a:spAutoFit/>
-          </a:bodyPr>
-          <a:lstStyle/>
-          <a:p>
-            <a:pPr marL="0" marR="0" lvl="0" indent="0" algn="l" rtl="0">
-              <a:lnSpc>
-                <a:spcPct val="180071"/>
-              </a:lnSpc>
-              <a:spcBef>
-                <a:spcPts val="0"/>
-              </a:spcBef>
-              <a:spcAft>
-                <a:spcPts val="0"/>
-              </a:spcAft>
-              <a:buNone/>
-            </a:pPr>
-            <a:r>
-              <a:rPr lang="en" sz="1000" b="0" i="0" u="none" strike="noStrike" cap="none">
-                <a:solidFill>
-                  <a:srgbClr val="000000"/>
-                </a:solidFill>
-                <a:latin typeface="Nunito Sans"/>
-                <a:ea typeface="Nunito Sans"/>
-                <a:cs typeface="Nunito Sans"/>
-                <a:sym typeface="Nunito Sans"/>
-              </a:rPr>
-              <a:t>Home</a:t>
-            </a:r>
-            <a:endParaRPr sz="700"/>
-          </a:p>
-        </p:txBody>
-      </p:sp>
-      <p:sp>
-        <p:nvSpPr>
-          <p:cNvPr id="408" name="Google Shape;408;p34"/>
-          <p:cNvSpPr txBox="1"/>
-          <p:nvPr/>
-        </p:nvSpPr>
-        <p:spPr>
-          <a:xfrm>
-            <a:off x="5663431" y="198221"/>
-            <a:ext cx="400217" cy="210777"/>
-          </a:xfrm>
-          <a:prstGeom prst="rect">
-            <a:avLst/>
-          </a:prstGeom>
-          <a:noFill/>
-          <a:ln>
-            <a:noFill/>
-          </a:ln>
-        </p:spPr>
-        <p:txBody>
-          <a:bodyPr spcFirstLastPara="1" wrap="square" lIns="0" tIns="0" rIns="0" bIns="0" anchor="t" anchorCtr="0">
-            <a:spAutoFit/>
-          </a:bodyPr>
-          <a:lstStyle/>
-          <a:p>
-            <a:pPr marL="0" marR="0" lvl="0" indent="0" algn="l" rtl="0">
-              <a:lnSpc>
-                <a:spcPct val="180071"/>
-              </a:lnSpc>
-              <a:spcBef>
-                <a:spcPts val="0"/>
-              </a:spcBef>
-              <a:spcAft>
-                <a:spcPts val="0"/>
-              </a:spcAft>
-              <a:buNone/>
-            </a:pPr>
-            <a:r>
-              <a:rPr lang="en" sz="1000" b="0" i="0" u="none" strike="noStrike" cap="none">
-                <a:solidFill>
-                  <a:srgbClr val="000000"/>
-                </a:solidFill>
-                <a:latin typeface="Nunito Sans"/>
-                <a:ea typeface="Nunito Sans"/>
-                <a:cs typeface="Nunito Sans"/>
-                <a:sym typeface="Nunito Sans"/>
-              </a:rPr>
-              <a:t>About</a:t>
-            </a:r>
-            <a:endParaRPr sz="700"/>
-          </a:p>
-        </p:txBody>
-      </p:sp>
-      <p:sp>
-        <p:nvSpPr>
-          <p:cNvPr id="409" name="Google Shape;409;p34"/>
-          <p:cNvSpPr txBox="1"/>
-          <p:nvPr/>
-        </p:nvSpPr>
-        <p:spPr>
-          <a:xfrm>
-            <a:off x="6352004" y="198221"/>
-            <a:ext cx="555937" cy="276999"/>
-          </a:xfrm>
-          <a:prstGeom prst="rect">
-            <a:avLst/>
-          </a:prstGeom>
-          <a:noFill/>
-          <a:ln>
-            <a:noFill/>
-          </a:ln>
-        </p:spPr>
-        <p:txBody>
-          <a:bodyPr spcFirstLastPara="1" wrap="square" lIns="0" tIns="0" rIns="0" bIns="0" anchor="t" anchorCtr="0">
-            <a:spAutoFit/>
-          </a:bodyPr>
-          <a:lstStyle/>
-          <a:p>
-            <a:pPr marL="0" marR="0" lvl="0" indent="0" algn="l" rtl="0">
-              <a:lnSpc>
-                <a:spcPct val="180071"/>
-              </a:lnSpc>
-              <a:spcBef>
-                <a:spcPts val="0"/>
-              </a:spcBef>
-              <a:spcAft>
-                <a:spcPts val="0"/>
-              </a:spcAft>
-              <a:buNone/>
-            </a:pPr>
-            <a:r>
-              <a:rPr lang="en" sz="1000" dirty="0" smtClean="0">
-                <a:latin typeface="Nunito Sans"/>
-                <a:sym typeface="Nunito Sans"/>
-              </a:rPr>
-              <a:t>Hotels</a:t>
-            </a:r>
-            <a:endParaRPr sz="700" dirty="0"/>
-          </a:p>
-        </p:txBody>
-      </p:sp>
-      <p:sp>
-        <p:nvSpPr>
-          <p:cNvPr id="410" name="Google Shape;410;p34"/>
-          <p:cNvSpPr txBox="1"/>
-          <p:nvPr/>
-        </p:nvSpPr>
-        <p:spPr>
-          <a:xfrm>
-            <a:off x="7196296" y="198221"/>
-            <a:ext cx="532768" cy="276999"/>
-          </a:xfrm>
-          <a:prstGeom prst="rect">
-            <a:avLst/>
-          </a:prstGeom>
-          <a:noFill/>
-          <a:ln>
-            <a:noFill/>
-          </a:ln>
-        </p:spPr>
-        <p:txBody>
-          <a:bodyPr spcFirstLastPara="1" wrap="square" lIns="0" tIns="0" rIns="0" bIns="0" anchor="t" anchorCtr="0">
-            <a:spAutoFit/>
-          </a:bodyPr>
-          <a:lstStyle/>
-          <a:p>
-            <a:pPr marL="0" marR="0" lvl="0" indent="0" algn="l" rtl="0">
-              <a:lnSpc>
-                <a:spcPct val="180071"/>
-              </a:lnSpc>
-              <a:spcBef>
-                <a:spcPts val="0"/>
-              </a:spcBef>
-              <a:spcAft>
-                <a:spcPts val="0"/>
-              </a:spcAft>
-              <a:buNone/>
-            </a:pPr>
-            <a:r>
-              <a:rPr lang="en" sz="1000" dirty="0" smtClean="0">
-                <a:latin typeface="Nunito Sans"/>
-                <a:sym typeface="Nunito Sans"/>
-              </a:rPr>
-              <a:t>Rooms</a:t>
-            </a:r>
-            <a:endParaRPr sz="700" dirty="0"/>
-          </a:p>
-        </p:txBody>
-      </p:sp>
-      <p:sp>
-        <p:nvSpPr>
-          <p:cNvPr id="411" name="Google Shape;411;p34"/>
-          <p:cNvSpPr txBox="1"/>
-          <p:nvPr/>
-        </p:nvSpPr>
-        <p:spPr>
-          <a:xfrm>
-            <a:off x="8017420" y="198221"/>
-            <a:ext cx="555080" cy="276999"/>
-          </a:xfrm>
-          <a:prstGeom prst="rect">
-            <a:avLst/>
-          </a:prstGeom>
-          <a:noFill/>
-          <a:ln>
-            <a:noFill/>
-          </a:ln>
-        </p:spPr>
-        <p:txBody>
-          <a:bodyPr spcFirstLastPara="1" wrap="square" lIns="0" tIns="0" rIns="0" bIns="0" anchor="t" anchorCtr="0">
-            <a:spAutoFit/>
-          </a:bodyPr>
-          <a:lstStyle/>
-          <a:p>
-            <a:pPr marL="0" marR="0" lvl="0" indent="0" algn="l" rtl="0">
-              <a:lnSpc>
-                <a:spcPct val="180071"/>
-              </a:lnSpc>
-              <a:spcBef>
-                <a:spcPts val="0"/>
-              </a:spcBef>
-              <a:spcAft>
-                <a:spcPts val="0"/>
-              </a:spcAft>
-              <a:buNone/>
-            </a:pPr>
-            <a:r>
-              <a:rPr lang="en" sz="1000" b="1" i="0" u="none" strike="noStrike" cap="none" dirty="0">
-                <a:solidFill>
-                  <a:srgbClr val="000000"/>
-                </a:solidFill>
-                <a:latin typeface="Nunito Sans"/>
-                <a:ea typeface="Nunito Sans"/>
-                <a:cs typeface="Nunito Sans"/>
-                <a:sym typeface="Nunito Sans"/>
-              </a:rPr>
-              <a:t>Contact</a:t>
-            </a:r>
-            <a:endParaRPr sz="700" b="1" dirty="0"/>
-          </a:p>
-        </p:txBody>
-      </p:sp>
-      <p:sp>
-        <p:nvSpPr>
-          <p:cNvPr id="412" name="Google Shape;412;p34"/>
-          <p:cNvSpPr txBox="1"/>
-          <p:nvPr/>
-        </p:nvSpPr>
-        <p:spPr>
-          <a:xfrm>
-            <a:off x="740904" y="299845"/>
-            <a:ext cx="2307787" cy="212366"/>
-          </a:xfrm>
-          <a:prstGeom prst="rect">
-            <a:avLst/>
-          </a:prstGeom>
-          <a:noFill/>
-          <a:ln>
-            <a:noFill/>
-          </a:ln>
-        </p:spPr>
-        <p:txBody>
-          <a:bodyPr spcFirstLastPara="1" wrap="square" lIns="0" tIns="0" rIns="0" bIns="0" anchor="t" anchorCtr="0">
-            <a:spAutoFit/>
-          </a:bodyPr>
-          <a:lstStyle/>
-          <a:p>
-            <a:pPr marL="0" marR="0" lvl="0" indent="0" algn="l" rtl="0">
-              <a:lnSpc>
-                <a:spcPct val="115000"/>
-              </a:lnSpc>
-              <a:spcBef>
-                <a:spcPts val="0"/>
-              </a:spcBef>
-              <a:spcAft>
-                <a:spcPts val="0"/>
-              </a:spcAft>
-              <a:buNone/>
-            </a:pPr>
-            <a:r>
-              <a:rPr lang="en" sz="1200" b="1" dirty="0" smtClean="0">
-                <a:latin typeface="Montserrat"/>
-                <a:sym typeface="Montserrat"/>
-              </a:rPr>
-              <a:t>Hamro Booking Sewa</a:t>
-            </a:r>
-            <a:endParaRPr sz="500" dirty="0"/>
-          </a:p>
-        </p:txBody>
-      </p:sp>
-      <p:sp>
-        <p:nvSpPr>
-          <p:cNvPr id="413" name="Google Shape;413;p34"/>
-          <p:cNvSpPr txBox="1"/>
-          <p:nvPr/>
-        </p:nvSpPr>
-        <p:spPr>
-          <a:xfrm>
-            <a:off x="123147" y="532517"/>
-            <a:ext cx="3543300" cy="743280"/>
-          </a:xfrm>
-          <a:prstGeom prst="rect">
-            <a:avLst/>
-          </a:prstGeom>
-          <a:noFill/>
-          <a:ln>
-            <a:noFill/>
-          </a:ln>
-        </p:spPr>
-        <p:txBody>
-          <a:bodyPr spcFirstLastPara="1" wrap="square" lIns="0" tIns="0" rIns="0" bIns="0" anchor="t" anchorCtr="0">
-            <a:spAutoFit/>
-          </a:bodyPr>
-          <a:lstStyle/>
-          <a:p>
-            <a:pPr marL="0" marR="0" lvl="0" indent="0" algn="l" rtl="0">
-              <a:lnSpc>
-                <a:spcPct val="115000"/>
-              </a:lnSpc>
-              <a:spcBef>
-                <a:spcPts val="0"/>
-              </a:spcBef>
-              <a:spcAft>
-                <a:spcPts val="0"/>
-              </a:spcAft>
-              <a:buNone/>
-            </a:pPr>
-            <a:r>
-              <a:rPr lang="en" sz="4200" b="1" u="sng" dirty="0" smtClean="0">
-                <a:solidFill>
-                  <a:schemeClr val="bg1"/>
-                </a:solidFill>
-                <a:latin typeface="Montserrat"/>
-                <a:ea typeface="Montserrat"/>
-                <a:cs typeface="Montserrat"/>
-                <a:sym typeface="Montserrat"/>
-              </a:rPr>
-              <a:t>Bottlenecks</a:t>
-            </a:r>
-            <a:endParaRPr sz="4200" b="1" u="sng" dirty="0">
-              <a:solidFill>
-                <a:schemeClr val="bg1"/>
-              </a:solidFill>
-              <a:latin typeface="Montserrat"/>
-              <a:ea typeface="Montserrat"/>
-              <a:cs typeface="Montserrat"/>
-              <a:sym typeface="Montserrat"/>
-            </a:endParaRPr>
-          </a:p>
-        </p:txBody>
-      </p:sp>
-      <p:sp>
-        <p:nvSpPr>
-          <p:cNvPr id="415" name="Google Shape;415;p34"/>
-          <p:cNvSpPr txBox="1"/>
-          <p:nvPr/>
-        </p:nvSpPr>
-        <p:spPr>
-          <a:xfrm>
-            <a:off x="5034336" y="729966"/>
-            <a:ext cx="4323920" cy="664797"/>
-          </a:xfrm>
-          <a:prstGeom prst="rect">
-            <a:avLst/>
-          </a:prstGeom>
-          <a:noFill/>
-          <a:ln>
-            <a:noFill/>
-          </a:ln>
-        </p:spPr>
-        <p:txBody>
-          <a:bodyPr spcFirstLastPara="1" wrap="square" lIns="0" tIns="0" rIns="0" bIns="0" anchor="t" anchorCtr="0">
-            <a:spAutoFit/>
-          </a:bodyPr>
-          <a:lstStyle/>
-          <a:p>
-            <a:pPr lvl="0">
-              <a:lnSpc>
-                <a:spcPct val="180071"/>
-              </a:lnSpc>
-            </a:pPr>
-            <a:r>
-              <a:rPr lang="en-US" sz="2400" b="1" dirty="0">
-                <a:solidFill>
-                  <a:schemeClr val="tx1"/>
-                </a:solidFill>
-                <a:latin typeface="Nunito Sans" panose="020B0604020202020204" charset="0"/>
-              </a:rPr>
-              <a:t>API integration</a:t>
-            </a:r>
-            <a:endParaRPr sz="2400" b="1" dirty="0">
-              <a:solidFill>
-                <a:schemeClr val="tx1"/>
-              </a:solidFill>
-              <a:latin typeface="Nunito Sans" panose="020B0604020202020204" charset="0"/>
-            </a:endParaRPr>
-          </a:p>
-        </p:txBody>
-      </p:sp>
-      <p:sp>
-        <p:nvSpPr>
-          <p:cNvPr id="416" name="Google Shape;416;p34"/>
-          <p:cNvSpPr txBox="1"/>
-          <p:nvPr/>
-        </p:nvSpPr>
-        <p:spPr>
-          <a:xfrm>
-            <a:off x="3769765" y="694240"/>
-            <a:ext cx="948639" cy="757237"/>
-          </a:xfrm>
-          <a:prstGeom prst="rect">
-            <a:avLst/>
-          </a:prstGeom>
-          <a:noFill/>
-          <a:ln>
-            <a:noFill/>
-          </a:ln>
-        </p:spPr>
-        <p:txBody>
-          <a:bodyPr spcFirstLastPara="1" wrap="square" lIns="0" tIns="0" rIns="0" bIns="0" anchor="t" anchorCtr="0">
-            <a:spAutoFit/>
-          </a:bodyPr>
-          <a:lstStyle/>
-          <a:p>
-            <a:pPr marL="0" marR="0" lvl="0" indent="0" algn="l" rtl="0">
-              <a:lnSpc>
-                <a:spcPct val="120002"/>
-              </a:lnSpc>
-              <a:spcBef>
-                <a:spcPts val="0"/>
-              </a:spcBef>
-              <a:spcAft>
-                <a:spcPts val="0"/>
-              </a:spcAft>
-              <a:buNone/>
-            </a:pPr>
-            <a:r>
-              <a:rPr lang="en" sz="5000" b="1" i="0" u="none" strike="noStrike" cap="none" dirty="0">
-                <a:solidFill>
-                  <a:srgbClr val="6792B0"/>
-                </a:solidFill>
-                <a:latin typeface="Montserrat"/>
-                <a:ea typeface="Montserrat"/>
-                <a:cs typeface="Montserrat"/>
-                <a:sym typeface="Montserrat"/>
-              </a:rPr>
-              <a:t>01.</a:t>
-            </a:r>
-            <a:endParaRPr sz="700" dirty="0"/>
-          </a:p>
-        </p:txBody>
-      </p:sp>
-      <p:sp>
-        <p:nvSpPr>
-          <p:cNvPr id="418" name="Google Shape;418;p34"/>
-          <p:cNvSpPr txBox="1"/>
-          <p:nvPr/>
-        </p:nvSpPr>
-        <p:spPr>
-          <a:xfrm>
-            <a:off x="5085889" y="1928515"/>
-            <a:ext cx="4220813" cy="1606594"/>
-          </a:xfrm>
-          <a:prstGeom prst="rect">
-            <a:avLst/>
-          </a:prstGeom>
-          <a:noFill/>
-          <a:ln>
-            <a:noFill/>
-          </a:ln>
-        </p:spPr>
-        <p:txBody>
-          <a:bodyPr spcFirstLastPara="1" wrap="square" lIns="0" tIns="0" rIns="0" bIns="0" anchor="t" anchorCtr="0">
-            <a:spAutoFit/>
-          </a:bodyPr>
-          <a:lstStyle/>
-          <a:p>
-            <a:pPr>
-              <a:lnSpc>
-                <a:spcPct val="180071"/>
-              </a:lnSpc>
-            </a:pPr>
-            <a:r>
-              <a:rPr lang="en-US" sz="2400" b="1" dirty="0" smtClean="0">
-                <a:solidFill>
-                  <a:schemeClr val="tx1"/>
-                </a:solidFill>
-                <a:latin typeface="Nunito Sans" panose="020B0604020202020204" charset="0"/>
-              </a:rPr>
-              <a:t>Fetching </a:t>
-            </a:r>
-            <a:r>
-              <a:rPr lang="en-US" sz="2400" b="1" dirty="0">
-                <a:solidFill>
-                  <a:schemeClr val="tx1"/>
-                </a:solidFill>
-                <a:latin typeface="Nunito Sans" panose="020B0604020202020204" charset="0"/>
-              </a:rPr>
-              <a:t>pictures in </a:t>
-            </a:r>
-            <a:r>
-              <a:rPr lang="en-US" sz="2400" b="1" dirty="0" err="1">
-                <a:solidFill>
-                  <a:schemeClr val="tx1"/>
-                </a:solidFill>
-                <a:latin typeface="Nunito Sans" panose="020B0604020202020204" charset="0"/>
-              </a:rPr>
-              <a:t>JSon</a:t>
-            </a:r>
-            <a:r>
-              <a:rPr lang="en-US" sz="2400" b="1" dirty="0">
-                <a:solidFill>
-                  <a:schemeClr val="tx1"/>
-                </a:solidFill>
-                <a:latin typeface="Nunito Sans" panose="020B0604020202020204" charset="0"/>
-              </a:rPr>
-              <a:t> format</a:t>
-            </a:r>
-          </a:p>
-          <a:p>
-            <a:pPr marL="0" marR="0" lvl="0" indent="0" rtl="0">
-              <a:lnSpc>
-                <a:spcPct val="180071"/>
-              </a:lnSpc>
-              <a:spcBef>
-                <a:spcPts val="0"/>
-              </a:spcBef>
-              <a:spcAft>
-                <a:spcPts val="0"/>
-              </a:spcAft>
-              <a:buNone/>
-            </a:pPr>
-            <a:r>
-              <a:rPr lang="en" sz="1000" b="1" i="0" u="none" strike="noStrike" cap="none" dirty="0" smtClean="0">
-                <a:solidFill>
-                  <a:schemeClr val="tx1"/>
-                </a:solidFill>
-                <a:latin typeface="Nunito Sans" panose="020B0604020202020204" charset="0"/>
-                <a:ea typeface="Nunito Sans"/>
-                <a:cs typeface="Nunito Sans"/>
-                <a:sym typeface="Nunito Sans"/>
-              </a:rPr>
-              <a:t> </a:t>
-            </a:r>
-            <a:endParaRPr sz="700" b="1" dirty="0">
-              <a:solidFill>
-                <a:schemeClr val="tx1"/>
-              </a:solidFill>
-              <a:latin typeface="Nunito Sans" panose="020B0604020202020204" charset="0"/>
-            </a:endParaRPr>
-          </a:p>
-        </p:txBody>
-      </p:sp>
-      <p:sp>
-        <p:nvSpPr>
-          <p:cNvPr id="419" name="Google Shape;419;p34"/>
-          <p:cNvSpPr txBox="1"/>
-          <p:nvPr/>
-        </p:nvSpPr>
-        <p:spPr>
-          <a:xfrm>
-            <a:off x="3769765" y="2054584"/>
-            <a:ext cx="1034364" cy="757238"/>
-          </a:xfrm>
-          <a:prstGeom prst="rect">
-            <a:avLst/>
-          </a:prstGeom>
-          <a:noFill/>
-          <a:ln>
-            <a:noFill/>
-          </a:ln>
-        </p:spPr>
-        <p:txBody>
-          <a:bodyPr spcFirstLastPara="1" wrap="square" lIns="0" tIns="0" rIns="0" bIns="0" anchor="t" anchorCtr="0">
-            <a:spAutoFit/>
-          </a:bodyPr>
-          <a:lstStyle/>
-          <a:p>
-            <a:pPr marL="0" marR="0" lvl="0" indent="0" algn="l" rtl="0">
-              <a:lnSpc>
-                <a:spcPct val="120002"/>
-              </a:lnSpc>
-              <a:spcBef>
-                <a:spcPts val="0"/>
-              </a:spcBef>
-              <a:spcAft>
-                <a:spcPts val="0"/>
-              </a:spcAft>
-              <a:buNone/>
-            </a:pPr>
-            <a:r>
-              <a:rPr lang="en" sz="5000" b="1" i="0" u="none" strike="noStrike" cap="none" dirty="0">
-                <a:solidFill>
-                  <a:srgbClr val="6792B0"/>
-                </a:solidFill>
-                <a:latin typeface="Montserrat"/>
-                <a:ea typeface="Montserrat"/>
-                <a:cs typeface="Montserrat"/>
-                <a:sym typeface="Montserrat"/>
-              </a:rPr>
-              <a:t>02.</a:t>
-            </a:r>
-            <a:endParaRPr sz="700" dirty="0"/>
-          </a:p>
-        </p:txBody>
-      </p:sp>
-      <p:sp>
-        <p:nvSpPr>
-          <p:cNvPr id="421" name="Google Shape;421;p34"/>
-          <p:cNvSpPr txBox="1"/>
-          <p:nvPr/>
-        </p:nvSpPr>
-        <p:spPr>
-          <a:xfrm>
-            <a:off x="5137190" y="3653088"/>
-            <a:ext cx="4281057" cy="1329595"/>
-          </a:xfrm>
-          <a:prstGeom prst="rect">
-            <a:avLst/>
-          </a:prstGeom>
-          <a:noFill/>
-          <a:ln>
-            <a:noFill/>
-          </a:ln>
-        </p:spPr>
-        <p:txBody>
-          <a:bodyPr spcFirstLastPara="1" wrap="square" lIns="0" tIns="0" rIns="0" bIns="0" anchor="t" anchorCtr="0">
-            <a:spAutoFit/>
-          </a:bodyPr>
-          <a:lstStyle/>
-          <a:p>
-            <a:pPr lvl="0">
-              <a:lnSpc>
-                <a:spcPct val="180071"/>
-              </a:lnSpc>
-            </a:pPr>
-            <a:r>
-              <a:rPr lang="en-US" sz="2400" b="1" dirty="0" smtClean="0">
-                <a:latin typeface="Nunito Sans"/>
-                <a:ea typeface="Nunito Sans"/>
-                <a:cs typeface="Nunito Sans"/>
-                <a:sym typeface="Nunito Sans"/>
-              </a:rPr>
-              <a:t>Manipulation </a:t>
-            </a:r>
-            <a:r>
-              <a:rPr lang="en-US" sz="2400" b="1" dirty="0">
-                <a:latin typeface="Nunito Sans"/>
-                <a:ea typeface="Nunito Sans"/>
-                <a:cs typeface="Nunito Sans"/>
-                <a:sym typeface="Nunito Sans"/>
-              </a:rPr>
-              <a:t>of multiple pictures</a:t>
-            </a:r>
-            <a:r>
-              <a:rPr lang="en" sz="2400" b="1" i="0" u="none" strike="noStrike" cap="none" dirty="0" smtClean="0">
-                <a:solidFill>
-                  <a:srgbClr val="000000"/>
-                </a:solidFill>
-                <a:latin typeface="Nunito Sans"/>
-                <a:ea typeface="Nunito Sans"/>
-                <a:cs typeface="Nunito Sans"/>
-                <a:sym typeface="Nunito Sans"/>
-              </a:rPr>
-              <a:t> </a:t>
-            </a:r>
-            <a:endParaRPr sz="1600" b="1" dirty="0"/>
-          </a:p>
-        </p:txBody>
-      </p:sp>
-      <p:sp>
-        <p:nvSpPr>
-          <p:cNvPr id="422" name="Google Shape;422;p34"/>
-          <p:cNvSpPr txBox="1"/>
-          <p:nvPr/>
-        </p:nvSpPr>
-        <p:spPr>
-          <a:xfrm>
-            <a:off x="3817386" y="3747528"/>
-            <a:ext cx="1034364" cy="757238"/>
-          </a:xfrm>
-          <a:prstGeom prst="rect">
-            <a:avLst/>
-          </a:prstGeom>
-          <a:noFill/>
-          <a:ln>
-            <a:noFill/>
-          </a:ln>
-        </p:spPr>
-        <p:txBody>
-          <a:bodyPr spcFirstLastPara="1" wrap="square" lIns="0" tIns="0" rIns="0" bIns="0" anchor="t" anchorCtr="0">
-            <a:spAutoFit/>
-          </a:bodyPr>
-          <a:lstStyle/>
-          <a:p>
-            <a:pPr marL="0" marR="0" lvl="0" indent="0" algn="l" rtl="0">
-              <a:lnSpc>
-                <a:spcPct val="120002"/>
-              </a:lnSpc>
-              <a:spcBef>
-                <a:spcPts val="0"/>
-              </a:spcBef>
-              <a:spcAft>
-                <a:spcPts val="0"/>
-              </a:spcAft>
-              <a:buNone/>
-            </a:pPr>
-            <a:r>
-              <a:rPr lang="en" sz="5000" b="1" i="0" u="none" strike="noStrike" cap="none" dirty="0">
-                <a:solidFill>
-                  <a:srgbClr val="6792B0"/>
-                </a:solidFill>
-                <a:latin typeface="Montserrat"/>
-                <a:ea typeface="Montserrat"/>
-                <a:cs typeface="Montserrat"/>
-                <a:sym typeface="Montserrat"/>
-              </a:rPr>
-              <a:t>03.</a:t>
-            </a:r>
-            <a:endParaRPr sz="700" dirty="0"/>
-          </a:p>
-        </p:txBody>
-      </p:sp>
-    </p:spTree>
-  </p:cSld>
-  <p:clrMapOvr>
-    <a:masterClrMapping/>
-  </p:clrMapOvr>
-</p:sld>
-</file>
-
-<file path=ppt/slides/slide6.xml><?xml version="1.0" encoding="utf-8"?>
-<p:sld xmlns:a="http://schemas.openxmlformats.org/drawingml/2006/main" xmlns:r="http://schemas.openxmlformats.org/officeDocument/2006/relationships" xmlns:p="http://schemas.openxmlformats.org/presentationml/2006/main">
-  <p:cSld>
-    <p:bg>
-      <p:bgPr>
-        <a:solidFill>
-          <a:srgbClr val="E5E2DD"/>
+          <a:schemeClr val="bg2">
+            <a:lumMod val="60000"/>
+            <a:lumOff val="40000"/>
+          </a:schemeClr>
         </a:solidFill>
         <a:effectLst/>
       </p:bgPr>
@@ -21036,7 +19954,7 @@
               <a:buNone/>
             </a:pPr>
             <a:r>
-              <a:rPr lang="en" sz="1000" b="1" dirty="0" smtClean="0">
+              <a:rPr lang="en" sz="1000" dirty="0" smtClean="0">
                 <a:latin typeface="Nunito Sans"/>
                 <a:sym typeface="Nunito Sans"/>
               </a:rPr>
@@ -21103,7 +20021,7 @@
         <p:spPr>
           <a:xfrm>
             <a:off x="8017420" y="198221"/>
-            <a:ext cx="463262" cy="207807"/>
+            <a:ext cx="635090" cy="276999"/>
           </a:xfrm>
           <a:prstGeom prst="rect">
             <a:avLst/>
@@ -21132,7 +20050,7 @@
               <a:buNone/>
             </a:pPr>
             <a:r>
-              <a:rPr lang="en" sz="1000" b="0" i="0" u="none" strike="noStrike" cap="none">
+              <a:rPr lang="en" sz="1000" b="1" i="0" u="none" strike="noStrike" cap="none" dirty="0">
                 <a:solidFill>
                   <a:srgbClr val="000000"/>
                 </a:solidFill>
@@ -21143,7 +20061,7 @@
               </a:rPr>
               <a:t>Contact</a:t>
             </a:r>
-            <a:endParaRPr sz="700"/>
+            <a:endParaRPr sz="700" b="1" dirty="0"/>
           </a:p>
         </p:txBody>
       </p:sp>
@@ -21204,7 +20122,7 @@
         <p:spPr>
           <a:xfrm>
             <a:off x="185019" y="718054"/>
-            <a:ext cx="3985356" cy="743280"/>
+            <a:ext cx="3985356" cy="778675"/>
           </a:xfrm>
           <a:prstGeom prst="rect">
             <a:avLst/>
@@ -21233,13 +20151,20 @@
               <a:buNone/>
             </a:pPr>
             <a:r>
-              <a:rPr lang="en" sz="4200" b="1" u="sng" dirty="0" smtClean="0">
+              <a:rPr lang="en" sz="4400" b="1" u="sng" dirty="0" smtClean="0">
+                <a:solidFill>
+                  <a:schemeClr val="bg1"/>
+                </a:solidFill>
                 <a:latin typeface="Montserrat"/>
                 <a:sym typeface="Montserrat"/>
               </a:rPr>
-              <a:t>Other Issues</a:t>
+              <a:t>Bottlenecks</a:t>
             </a:r>
-            <a:endParaRPr sz="700" u="sng" dirty="0"/>
+            <a:endParaRPr sz="800" u="sng" dirty="0">
+              <a:solidFill>
+                <a:schemeClr val="bg1"/>
+              </a:solidFill>
+            </a:endParaRPr>
           </a:p>
         </p:txBody>
       </p:sp>
@@ -21252,7 +20177,7 @@
         <p:spPr>
           <a:xfrm>
             <a:off x="185018" y="1783080"/>
-            <a:ext cx="4569861" cy="1846659"/>
+            <a:ext cx="6166986" cy="3200876"/>
           </a:xfrm>
           <a:prstGeom prst="rect">
             <a:avLst/>
@@ -21265,38 +20190,167 @@
           </a:bodyPr>
           <a:lstStyle/>
           <a:p>
+            <a:pPr lvl="0"/>
             <a:r>
-              <a:rPr lang="en-US" sz="2000" b="1" dirty="0" smtClean="0">
+              <a:rPr lang="en-US" sz="2400" b="1" dirty="0" smtClean="0">
+                <a:solidFill>
+                  <a:schemeClr val="bg1"/>
+                </a:solidFill>
                 <a:latin typeface="Nunito Sans" panose="020B0604020202020204" charset="0"/>
               </a:rPr>
-              <a:t>1.</a:t>
+              <a:t>01. </a:t>
             </a:r>
+            <a:r>
+              <a:rPr lang="en-US" sz="2400" b="1" dirty="0">
+                <a:solidFill>
+                  <a:schemeClr val="tx1"/>
+                </a:solidFill>
+                <a:latin typeface="Nunito Sans" panose="020B0604020202020204" charset="0"/>
+              </a:rPr>
+              <a:t>API </a:t>
+            </a:r>
+            <a:r>
+              <a:rPr lang="en-US" sz="2400" b="1" dirty="0" smtClean="0">
+                <a:solidFill>
+                  <a:schemeClr val="tx1"/>
+                </a:solidFill>
+                <a:latin typeface="Nunito Sans" panose="020B0604020202020204" charset="0"/>
+              </a:rPr>
+              <a:t>Integration</a:t>
+            </a:r>
+            <a:endParaRPr lang="en-US" sz="2400" b="1" dirty="0">
+              <a:solidFill>
+                <a:schemeClr val="tx1"/>
+              </a:solidFill>
+              <a:latin typeface="Nunito Sans" panose="020B0604020202020204" charset="0"/>
+            </a:endParaRPr>
+          </a:p>
+          <a:p>
+            <a:endParaRPr lang="en-US" sz="2400" b="1" dirty="0" smtClean="0">
+              <a:latin typeface="Nunito Sans" panose="020B0604020202020204" charset="0"/>
+            </a:endParaRPr>
+          </a:p>
+          <a:p>
+            <a:endParaRPr lang="en-US" sz="2400" b="1" dirty="0" smtClean="0">
+              <a:latin typeface="Nunito Sans" panose="020B0604020202020204" charset="0"/>
+            </a:endParaRPr>
+          </a:p>
+          <a:p>
+            <a:r>
+              <a:rPr lang="en-US" sz="2400" b="1" dirty="0" smtClean="0">
+                <a:solidFill>
+                  <a:schemeClr val="bg1"/>
+                </a:solidFill>
+                <a:latin typeface="Nunito Sans" panose="020B0604020202020204" charset="0"/>
+              </a:rPr>
+              <a:t>02. </a:t>
+            </a:r>
+            <a:r>
+              <a:rPr lang="en-US" sz="2400" b="1" dirty="0">
+                <a:solidFill>
+                  <a:schemeClr val="tx1"/>
+                </a:solidFill>
+                <a:latin typeface="Nunito Sans" panose="020B0604020202020204" charset="0"/>
+              </a:rPr>
+              <a:t>Fetching </a:t>
+            </a:r>
+            <a:r>
+              <a:rPr lang="en-US" sz="2400" b="1" dirty="0" smtClean="0">
+                <a:solidFill>
+                  <a:schemeClr val="tx1"/>
+                </a:solidFill>
+                <a:latin typeface="Nunito Sans" panose="020B0604020202020204" charset="0"/>
+              </a:rPr>
+              <a:t>Pictures </a:t>
+            </a:r>
+            <a:r>
+              <a:rPr lang="en-US" sz="2400" b="1" dirty="0">
+                <a:solidFill>
+                  <a:schemeClr val="tx1"/>
+                </a:solidFill>
+                <a:latin typeface="Nunito Sans" panose="020B0604020202020204" charset="0"/>
+              </a:rPr>
+              <a:t>in </a:t>
+            </a:r>
+            <a:r>
+              <a:rPr lang="en-US" sz="2400" b="1" dirty="0" err="1">
+                <a:solidFill>
+                  <a:schemeClr val="tx1"/>
+                </a:solidFill>
+                <a:latin typeface="Nunito Sans" panose="020B0604020202020204" charset="0"/>
+              </a:rPr>
+              <a:t>JSon</a:t>
+            </a:r>
+            <a:r>
+              <a:rPr lang="en-US" sz="2400" b="1" dirty="0">
+                <a:solidFill>
+                  <a:schemeClr val="tx1"/>
+                </a:solidFill>
+                <a:latin typeface="Nunito Sans" panose="020B0604020202020204" charset="0"/>
+              </a:rPr>
+              <a:t> </a:t>
+            </a:r>
+            <a:r>
+              <a:rPr lang="en-US" sz="2400" b="1" dirty="0" smtClean="0">
+                <a:solidFill>
+                  <a:schemeClr val="tx1"/>
+                </a:solidFill>
+                <a:latin typeface="Nunito Sans" panose="020B0604020202020204" charset="0"/>
+              </a:rPr>
+              <a:t>Format</a:t>
+            </a:r>
+            <a:endParaRPr lang="en-US" sz="2400" b="1" dirty="0">
+              <a:solidFill>
+                <a:schemeClr val="tx1"/>
+              </a:solidFill>
+              <a:latin typeface="Nunito Sans" panose="020B0604020202020204" charset="0"/>
+            </a:endParaRPr>
+          </a:p>
+          <a:p>
+            <a:endParaRPr lang="en-US" sz="2400" b="1" dirty="0" smtClean="0">
+              <a:latin typeface="Nunito Sans" panose="020B0604020202020204" charset="0"/>
+            </a:endParaRPr>
+          </a:p>
+          <a:p>
+            <a:endParaRPr lang="en-US" sz="2400" b="1" dirty="0" smtClean="0">
+              <a:latin typeface="Nunito Sans" panose="020B0604020202020204" charset="0"/>
+            </a:endParaRPr>
+          </a:p>
+          <a:p>
+            <a:pPr lvl="0"/>
+            <a:r>
+              <a:rPr lang="en-US" sz="2400" b="1" dirty="0" smtClean="0">
+                <a:solidFill>
+                  <a:schemeClr val="bg1"/>
+                </a:solidFill>
+                <a:latin typeface="Nunito Sans" panose="020B0604020202020204" charset="0"/>
+              </a:rPr>
+              <a:t>03. </a:t>
+            </a:r>
+            <a:r>
+              <a:rPr lang="en-US" sz="2400" b="1" dirty="0">
+                <a:latin typeface="Nunito Sans"/>
+                <a:ea typeface="Nunito Sans"/>
+                <a:cs typeface="Nunito Sans"/>
+                <a:sym typeface="Nunito Sans"/>
+              </a:rPr>
+              <a:t>Manipulation of </a:t>
+            </a:r>
+            <a:r>
+              <a:rPr lang="en-US" sz="2400" b="1" dirty="0" smtClean="0">
+                <a:latin typeface="Nunito Sans"/>
+                <a:ea typeface="Nunito Sans"/>
+                <a:cs typeface="Nunito Sans"/>
+                <a:sym typeface="Nunito Sans"/>
+              </a:rPr>
+              <a:t>Multiple Pictures </a:t>
+            </a:r>
+            <a:endParaRPr lang="en-US" sz="2400" b="1" dirty="0"/>
           </a:p>
           <a:p>
             <a:endParaRPr lang="en-US" sz="2000" b="1" dirty="0" smtClean="0">
               <a:latin typeface="Nunito Sans" panose="020B0604020202020204" charset="0"/>
             </a:endParaRPr>
-          </a:p>
-          <a:p>
-            <a:r>
-              <a:rPr lang="en-US" sz="2000" b="1" dirty="0" smtClean="0">
-                <a:latin typeface="Nunito Sans" panose="020B0604020202020204" charset="0"/>
-              </a:rPr>
-              <a:t>2.</a:t>
-            </a:r>
-          </a:p>
-          <a:p>
-            <a:endParaRPr lang="en-US" sz="2000" b="1" dirty="0" smtClean="0">
-              <a:latin typeface="Nunito Sans" panose="020B0604020202020204" charset="0"/>
-            </a:endParaRPr>
-          </a:p>
-          <a:p>
-            <a:r>
-              <a:rPr lang="en-US" sz="2000" b="1" dirty="0" smtClean="0">
-                <a:latin typeface="Nunito Sans" panose="020B0604020202020204" charset="0"/>
-              </a:rPr>
-              <a:t>3.</a:t>
-            </a:r>
           </a:p>
           <a:p>
             <a:endParaRPr lang="en-US" dirty="0"/>
@@ -21308,10 +20362,17 @@
   <p:clrMapOvr>
     <a:masterClrMapping/>
   </p:clrMapOvr>
+  <p:timing>
+    <p:tnLst>
+      <p:par>
+        <p:cTn id="1" dur="indefinite" restart="never" nodeType="tmRoot"/>
+      </p:par>
+    </p:tnLst>
+  </p:timing>
 </p:sld>
 </file>
 
-<file path=ppt/slides/slide7.xml><?xml version="1.0" encoding="utf-8"?>
+<file path=ppt/slides/slide6.xml><?xml version="1.0" encoding="utf-8"?>
 <p:sld xmlns:a="http://schemas.openxmlformats.org/drawingml/2006/main" xmlns:r="http://schemas.openxmlformats.org/officeDocument/2006/relationships" xmlns:p="http://schemas.openxmlformats.org/presentationml/2006/main">
   <p:cSld>
     <p:bg>
@@ -22148,6 +21209,13 @@
   <p:clrMapOvr>
     <a:masterClrMapping/>
   </p:clrMapOvr>
+  <p:timing>
+    <p:tnLst>
+      <p:par>
+        <p:cTn id="1" dur="indefinite" restart="never" nodeType="tmRoot"/>
+      </p:par>
+    </p:tnLst>
+  </p:timing>
 </p:sld>
 </file>
 
